--- a/Szydełko – platforma warsztatów rękodzieła online.pptx
+++ b/Szydełko – platforma warsztatów rękodzieła online.pptx
@@ -8,8 +8,10 @@
     <p:sldId id="256" r:id="rId2"/>
     <p:sldId id="257" r:id="rId3"/>
     <p:sldId id="259" r:id="rId4"/>
-    <p:sldId id="258" r:id="rId5"/>
-    <p:sldId id="260" r:id="rId6"/>
+    <p:sldId id="261" r:id="rId5"/>
+    <p:sldId id="262" r:id="rId6"/>
+    <p:sldId id="258" r:id="rId7"/>
+    <p:sldId id="260" r:id="rId8"/>
   </p:sldIdLst>
   <p:sldSz cx="9144000" cy="6858000" type="screen4x3"/>
   <p:notesSz cx="6858000" cy="9144000"/>
@@ -293,7 +295,7 @@
             <a:fld id="{D19C50FC-D5A9-432D-A3F6-F66DB9EEB532}" type="datetimeFigureOut">
               <a:rPr lang="pl-PL" smtClean="0"/>
               <a:pPr/>
-              <a:t>2021-01-24</a:t>
+              <a:t>2021-01-28</a:t>
             </a:fld>
             <a:endParaRPr lang="en-US"/>
           </a:p>
@@ -460,7 +462,7 @@
             <a:fld id="{D19C50FC-D5A9-432D-A3F6-F66DB9EEB532}" type="datetimeFigureOut">
               <a:rPr lang="pl-PL" smtClean="0"/>
               <a:pPr/>
-              <a:t>2021-01-24</a:t>
+              <a:t>2021-01-28</a:t>
             </a:fld>
             <a:endParaRPr lang="en-US"/>
           </a:p>
@@ -637,7 +639,7 @@
             <a:fld id="{D19C50FC-D5A9-432D-A3F6-F66DB9EEB532}" type="datetimeFigureOut">
               <a:rPr lang="pl-PL" smtClean="0"/>
               <a:pPr/>
-              <a:t>2021-01-24</a:t>
+              <a:t>2021-01-28</a:t>
             </a:fld>
             <a:endParaRPr lang="en-US"/>
           </a:p>
@@ -804,7 +806,7 @@
             <a:fld id="{D19C50FC-D5A9-432D-A3F6-F66DB9EEB532}" type="datetimeFigureOut">
               <a:rPr lang="pl-PL" smtClean="0"/>
               <a:pPr/>
-              <a:t>2021-01-24</a:t>
+              <a:t>2021-01-28</a:t>
             </a:fld>
             <a:endParaRPr lang="en-US"/>
           </a:p>
@@ -1047,7 +1049,7 @@
             <a:fld id="{D19C50FC-D5A9-432D-A3F6-F66DB9EEB532}" type="datetimeFigureOut">
               <a:rPr lang="pl-PL" smtClean="0"/>
               <a:pPr/>
-              <a:t>2021-01-24</a:t>
+              <a:t>2021-01-28</a:t>
             </a:fld>
             <a:endParaRPr lang="en-US"/>
           </a:p>
@@ -1332,7 +1334,7 @@
             <a:fld id="{D19C50FC-D5A9-432D-A3F6-F66DB9EEB532}" type="datetimeFigureOut">
               <a:rPr lang="pl-PL" smtClean="0"/>
               <a:pPr/>
-              <a:t>2021-01-24</a:t>
+              <a:t>2021-01-28</a:t>
             </a:fld>
             <a:endParaRPr lang="en-US"/>
           </a:p>
@@ -1751,7 +1753,7 @@
             <a:fld id="{D19C50FC-D5A9-432D-A3F6-F66DB9EEB532}" type="datetimeFigureOut">
               <a:rPr lang="pl-PL" smtClean="0"/>
               <a:pPr/>
-              <a:t>2021-01-24</a:t>
+              <a:t>2021-01-28</a:t>
             </a:fld>
             <a:endParaRPr lang="en-US"/>
           </a:p>
@@ -1866,7 +1868,7 @@
             <a:fld id="{D19C50FC-D5A9-432D-A3F6-F66DB9EEB532}" type="datetimeFigureOut">
               <a:rPr lang="pl-PL" smtClean="0"/>
               <a:pPr/>
-              <a:t>2021-01-24</a:t>
+              <a:t>2021-01-28</a:t>
             </a:fld>
             <a:endParaRPr lang="en-US"/>
           </a:p>
@@ -1958,7 +1960,7 @@
             <a:fld id="{D19C50FC-D5A9-432D-A3F6-F66DB9EEB532}" type="datetimeFigureOut">
               <a:rPr lang="pl-PL" smtClean="0"/>
               <a:pPr/>
-              <a:t>2021-01-24</a:t>
+              <a:t>2021-01-28</a:t>
             </a:fld>
             <a:endParaRPr lang="en-US"/>
           </a:p>
@@ -2232,7 +2234,7 @@
             <a:fld id="{D19C50FC-D5A9-432D-A3F6-F66DB9EEB532}" type="datetimeFigureOut">
               <a:rPr lang="pl-PL" smtClean="0"/>
               <a:pPr/>
-              <a:t>2021-01-24</a:t>
+              <a:t>2021-01-28</a:t>
             </a:fld>
             <a:endParaRPr lang="en-US"/>
           </a:p>
@@ -2482,7 +2484,7 @@
             <a:fld id="{D19C50FC-D5A9-432D-A3F6-F66DB9EEB532}" type="datetimeFigureOut">
               <a:rPr lang="pl-PL" smtClean="0"/>
               <a:pPr/>
-              <a:t>2021-01-24</a:t>
+              <a:t>2021-01-28</a:t>
             </a:fld>
             <a:endParaRPr lang="en-US"/>
           </a:p>
@@ -2692,7 +2694,7 @@
             <a:fld id="{D19C50FC-D5A9-432D-A3F6-F66DB9EEB532}" type="datetimeFigureOut">
               <a:rPr lang="pl-PL" smtClean="0"/>
               <a:pPr/>
-              <a:t>2021-01-24</a:t>
+              <a:t>2021-01-28</a:t>
             </a:fld>
             <a:endParaRPr lang="en-US"/>
           </a:p>
@@ -3485,7 +3487,7 @@
         </p:blipFill>
         <p:spPr bwMode="auto">
           <a:xfrm>
-            <a:off x="7072329" y="0"/>
+            <a:off x="7500958" y="-285776"/>
             <a:ext cx="2071671" cy="3214710"/>
           </a:xfrm>
           <a:prstGeom prst="rect">
@@ -3506,8 +3508,8 @@
         </p:nvSpPr>
         <p:spPr>
           <a:xfrm>
-            <a:off x="428596" y="274638"/>
-            <a:ext cx="6572296" cy="1143000"/>
+            <a:off x="500034" y="5357826"/>
+            <a:ext cx="3008313" cy="447670"/>
           </a:xfrm>
         </p:spPr>
         <p:txBody>
@@ -3536,13 +3538,51 @@
       </p:sp>
       <p:sp>
         <p:nvSpPr>
+          <p:cNvPr id="7" name="Symbol zastępczy tekstu 6"/>
+          <p:cNvSpPr>
+            <a:spLocks noGrp="1"/>
+          </p:cNvSpPr>
+          <p:nvPr>
+            <p:ph type="body" sz="half" idx="2"/>
+          </p:nvPr>
+        </p:nvSpPr>
+        <p:spPr>
+          <a:xfrm>
+            <a:off x="500034" y="5715016"/>
+            <a:ext cx="8215370" cy="4691063"/>
+          </a:xfrm>
+        </p:spPr>
+        <p:txBody>
+          <a:bodyPr>
+            <a:normAutofit/>
+          </a:bodyPr>
+          <a:lstStyle/>
+          <a:p>
+            <a:pPr algn="just"/>
+            <a:r>
+              <a:rPr lang="pl-PL" sz="1800" dirty="0" smtClean="0">
+                <a:latin typeface="Century Gothic" pitchFamily="34" charset="0"/>
+              </a:rPr>
+              <a:t>Platforma internetowa umożliwiająca prowadzenie zdalnych warsztatów, udostępniania instrukcji oraz zgromadzenia ludzi kreatywnych w jednym miejscu.</a:t>
+            </a:r>
+            <a:endParaRPr lang="en-US" sz="1800" dirty="0" smtClean="0">
+              <a:latin typeface="Century Gothic" pitchFamily="34" charset="0"/>
+            </a:endParaRPr>
+          </a:p>
+          <a:p>
+            <a:endParaRPr lang="en-US" dirty="0"/>
+          </a:p>
+        </p:txBody>
+      </p:sp>
+      <p:sp>
+        <p:nvSpPr>
           <p:cNvPr id="6" name="Dowolny kształt 5"/>
           <p:cNvSpPr/>
           <p:nvPr/>
         </p:nvSpPr>
         <p:spPr>
           <a:xfrm>
-            <a:off x="6953061" y="-54321"/>
+            <a:off x="7381690" y="-340097"/>
             <a:ext cx="2199992" cy="3467477"/>
           </a:xfrm>
           <a:custGeom>
@@ -3797,38 +3837,29 @@
           </a:p>
         </p:txBody>
       </p:sp>
-      <p:sp>
-        <p:nvSpPr>
-          <p:cNvPr id="3" name="Symbol zastępczy zawartości 2"/>
-          <p:cNvSpPr>
-            <a:spLocks noGrp="1"/>
-          </p:cNvSpPr>
+      <p:pic>
+        <p:nvPicPr>
+          <p:cNvPr id="8" name="Symbol zastępczy zawartości 7" descr="strona_glowna.JPG"/>
+          <p:cNvPicPr>
+            <a:picLocks noGrp="1" noChangeAspect="1"/>
+          </p:cNvPicPr>
           <p:nvPr>
             <p:ph idx="1"/>
           </p:nvPr>
-        </p:nvSpPr>
+        </p:nvPicPr>
+        <p:blipFill>
+          <a:blip r:embed="rId3"/>
+          <a:stretch>
+            <a:fillRect/>
+          </a:stretch>
+        </p:blipFill>
         <p:spPr>
           <a:xfrm>
-            <a:off x="428596" y="1600200"/>
-            <a:ext cx="7429552" cy="4525963"/>
+            <a:off x="500034" y="928670"/>
+            <a:ext cx="7480436" cy="4357718"/>
           </a:xfrm>
         </p:spPr>
-        <p:txBody>
-          <a:bodyPr/>
-          <a:lstStyle/>
-          <a:p>
-            <a:r>
-              <a:rPr lang="pl-PL" dirty="0" smtClean="0">
-                <a:latin typeface="Century Gothic" pitchFamily="34" charset="0"/>
-              </a:rPr>
-              <a:t>Platforma internetowa umożliwiająca prowadzenie zdalnych warsztatów, udostępniania instrukcji oraz zgromadzenia ludzi kreatywnych w jednym miejscu.</a:t>
-            </a:r>
-            <a:endParaRPr lang="en-US" dirty="0">
-              <a:latin typeface="Century Gothic" pitchFamily="34" charset="0"/>
-            </a:endParaRPr>
-          </a:p>
-        </p:txBody>
-      </p:sp>
+      </p:pic>
     </p:spTree>
   </p:cSld>
   <p:clrMapOvr>
@@ -3861,6 +3892,890 @@
           <a:chExt cx="0" cy="0"/>
         </a:xfrm>
       </p:grpSpPr>
+      <p:pic>
+        <p:nvPicPr>
+          <p:cNvPr id="5" name="Picture 3" descr="C:\Users\Maciej\Desktop\ika-dam-SLODHM36c9s-unsplash.jpg"/>
+          <p:cNvPicPr>
+            <a:picLocks noChangeAspect="1" noChangeArrowheads="1"/>
+          </p:cNvPicPr>
+          <p:nvPr/>
+        </p:nvPicPr>
+        <p:blipFill>
+          <a:blip r:embed="rId2"/>
+          <a:srcRect l="78996" t="13037" b="54370"/>
+          <a:stretch>
+            <a:fillRect/>
+          </a:stretch>
+        </p:blipFill>
+        <p:spPr bwMode="auto">
+          <a:xfrm>
+            <a:off x="7500958" y="-285776"/>
+            <a:ext cx="2071671" cy="3214710"/>
+          </a:xfrm>
+          <a:prstGeom prst="rect">
+            <a:avLst/>
+          </a:prstGeom>
+          <a:noFill/>
+        </p:spPr>
+      </p:pic>
+      <p:sp>
+        <p:nvSpPr>
+          <p:cNvPr id="2" name="Tytuł 1"/>
+          <p:cNvSpPr>
+            <a:spLocks noGrp="1"/>
+          </p:cNvSpPr>
+          <p:nvPr>
+            <p:ph type="title"/>
+          </p:nvPr>
+        </p:nvSpPr>
+        <p:spPr>
+          <a:xfrm>
+            <a:off x="500034" y="5357826"/>
+            <a:ext cx="3008313" cy="447670"/>
+          </a:xfrm>
+        </p:spPr>
+        <p:txBody>
+          <a:bodyPr/>
+          <a:lstStyle/>
+          <a:p>
+            <a:r>
+              <a:rPr lang="pl-PL" dirty="0" smtClean="0">
+                <a:solidFill>
+                  <a:schemeClr val="accent4">
+                    <a:lumMod val="75000"/>
+                  </a:schemeClr>
+                </a:solidFill>
+              </a:rPr>
+              <a:t>Nasze rozwiązanie</a:t>
+            </a:r>
+            <a:endParaRPr lang="en-US" dirty="0">
+              <a:solidFill>
+                <a:schemeClr val="accent4">
+                  <a:lumMod val="75000"/>
+                </a:schemeClr>
+              </a:solidFill>
+            </a:endParaRPr>
+          </a:p>
+        </p:txBody>
+      </p:sp>
+      <p:sp>
+        <p:nvSpPr>
+          <p:cNvPr id="7" name="Symbol zastępczy tekstu 6"/>
+          <p:cNvSpPr>
+            <a:spLocks noGrp="1"/>
+          </p:cNvSpPr>
+          <p:nvPr>
+            <p:ph type="body" sz="half" idx="2"/>
+          </p:nvPr>
+        </p:nvSpPr>
+        <p:spPr>
+          <a:xfrm>
+            <a:off x="500034" y="5715016"/>
+            <a:ext cx="8215370" cy="4691063"/>
+          </a:xfrm>
+        </p:spPr>
+        <p:txBody>
+          <a:bodyPr>
+            <a:normAutofit/>
+          </a:bodyPr>
+          <a:lstStyle/>
+          <a:p>
+            <a:pPr algn="just"/>
+            <a:r>
+              <a:rPr lang="pl-PL" sz="1800" dirty="0" smtClean="0">
+                <a:latin typeface="Century Gothic" pitchFamily="34" charset="0"/>
+              </a:rPr>
+              <a:t>Kursy o różnorodnej tematyce, w których uczestnicy mogą brać udział lub sami je tworzyć.</a:t>
+            </a:r>
+            <a:endParaRPr lang="en-US" sz="1800" dirty="0" smtClean="0">
+              <a:latin typeface="Century Gothic" pitchFamily="34" charset="0"/>
+            </a:endParaRPr>
+          </a:p>
+          <a:p>
+            <a:endParaRPr lang="en-US" dirty="0"/>
+          </a:p>
+        </p:txBody>
+      </p:sp>
+      <p:sp>
+        <p:nvSpPr>
+          <p:cNvPr id="6" name="Dowolny kształt 5"/>
+          <p:cNvSpPr/>
+          <p:nvPr/>
+        </p:nvSpPr>
+        <p:spPr>
+          <a:xfrm>
+            <a:off x="7381690" y="-340097"/>
+            <a:ext cx="2199992" cy="3467477"/>
+          </a:xfrm>
+          <a:custGeom>
+            <a:avLst/>
+            <a:gdLst>
+              <a:gd name="connsiteX0" fmla="*/ 0 w 2199992"/>
+              <a:gd name="connsiteY0" fmla="*/ 54321 h 3467477"/>
+              <a:gd name="connsiteX1" fmla="*/ 81482 w 2199992"/>
+              <a:gd name="connsiteY1" fmla="*/ 0 h 3467477"/>
+              <a:gd name="connsiteX2" fmla="*/ 307818 w 2199992"/>
+              <a:gd name="connsiteY2" fmla="*/ 298765 h 3467477"/>
+              <a:gd name="connsiteX3" fmla="*/ 914400 w 2199992"/>
+              <a:gd name="connsiteY3" fmla="*/ 2009870 h 3467477"/>
+              <a:gd name="connsiteX4" fmla="*/ 1376127 w 2199992"/>
+              <a:gd name="connsiteY4" fmla="*/ 3041965 h 3467477"/>
+              <a:gd name="connsiteX5" fmla="*/ 2181886 w 2199992"/>
+              <a:gd name="connsiteY5" fmla="*/ 3295462 h 3467477"/>
+              <a:gd name="connsiteX6" fmla="*/ 2199992 w 2199992"/>
+              <a:gd name="connsiteY6" fmla="*/ 3467477 h 3467477"/>
+              <a:gd name="connsiteX7" fmla="*/ 63375 w 2199992"/>
+              <a:gd name="connsiteY7" fmla="*/ 3349782 h 3467477"/>
+              <a:gd name="connsiteX8" fmla="*/ 0 w 2199992"/>
+              <a:gd name="connsiteY8" fmla="*/ 54321 h 3467477"/>
+              <a:gd name="connsiteX0" fmla="*/ 0 w 2199992"/>
+              <a:gd name="connsiteY0" fmla="*/ 54321 h 3467477"/>
+              <a:gd name="connsiteX1" fmla="*/ 81482 w 2199992"/>
+              <a:gd name="connsiteY1" fmla="*/ 0 h 3467477"/>
+              <a:gd name="connsiteX2" fmla="*/ 307818 w 2199992"/>
+              <a:gd name="connsiteY2" fmla="*/ 298765 h 3467477"/>
+              <a:gd name="connsiteX3" fmla="*/ 914400 w 2199992"/>
+              <a:gd name="connsiteY3" fmla="*/ 2009870 h 3467477"/>
+              <a:gd name="connsiteX4" fmla="*/ 1376127 w 2199992"/>
+              <a:gd name="connsiteY4" fmla="*/ 3041965 h 3467477"/>
+              <a:gd name="connsiteX5" fmla="*/ 2181886 w 2199992"/>
+              <a:gd name="connsiteY5" fmla="*/ 3295462 h 3467477"/>
+              <a:gd name="connsiteX6" fmla="*/ 2199992 w 2199992"/>
+              <a:gd name="connsiteY6" fmla="*/ 3467477 h 3467477"/>
+              <a:gd name="connsiteX7" fmla="*/ 63375 w 2199992"/>
+              <a:gd name="connsiteY7" fmla="*/ 3349782 h 3467477"/>
+              <a:gd name="connsiteX8" fmla="*/ 0 w 2199992"/>
+              <a:gd name="connsiteY8" fmla="*/ 54321 h 3467477"/>
+              <a:gd name="connsiteX0" fmla="*/ 0 w 2199992"/>
+              <a:gd name="connsiteY0" fmla="*/ 54321 h 3467477"/>
+              <a:gd name="connsiteX1" fmla="*/ 81482 w 2199992"/>
+              <a:gd name="connsiteY1" fmla="*/ 0 h 3467477"/>
+              <a:gd name="connsiteX2" fmla="*/ 307818 w 2199992"/>
+              <a:gd name="connsiteY2" fmla="*/ 298765 h 3467477"/>
+              <a:gd name="connsiteX3" fmla="*/ 914400 w 2199992"/>
+              <a:gd name="connsiteY3" fmla="*/ 2009870 h 3467477"/>
+              <a:gd name="connsiteX4" fmla="*/ 1376127 w 2199992"/>
+              <a:gd name="connsiteY4" fmla="*/ 3041965 h 3467477"/>
+              <a:gd name="connsiteX5" fmla="*/ 2181886 w 2199992"/>
+              <a:gd name="connsiteY5" fmla="*/ 3295462 h 3467477"/>
+              <a:gd name="connsiteX6" fmla="*/ 2199992 w 2199992"/>
+              <a:gd name="connsiteY6" fmla="*/ 3467477 h 3467477"/>
+              <a:gd name="connsiteX7" fmla="*/ 63375 w 2199992"/>
+              <a:gd name="connsiteY7" fmla="*/ 3349782 h 3467477"/>
+              <a:gd name="connsiteX8" fmla="*/ 0 w 2199992"/>
+              <a:gd name="connsiteY8" fmla="*/ 54321 h 3467477"/>
+              <a:gd name="connsiteX0" fmla="*/ 0 w 2199992"/>
+              <a:gd name="connsiteY0" fmla="*/ 54321 h 3467477"/>
+              <a:gd name="connsiteX1" fmla="*/ 81482 w 2199992"/>
+              <a:gd name="connsiteY1" fmla="*/ 0 h 3467477"/>
+              <a:gd name="connsiteX2" fmla="*/ 307818 w 2199992"/>
+              <a:gd name="connsiteY2" fmla="*/ 298765 h 3467477"/>
+              <a:gd name="connsiteX3" fmla="*/ 914400 w 2199992"/>
+              <a:gd name="connsiteY3" fmla="*/ 2009870 h 3467477"/>
+              <a:gd name="connsiteX4" fmla="*/ 1376127 w 2199992"/>
+              <a:gd name="connsiteY4" fmla="*/ 3041965 h 3467477"/>
+              <a:gd name="connsiteX5" fmla="*/ 2181886 w 2199992"/>
+              <a:gd name="connsiteY5" fmla="*/ 3295462 h 3467477"/>
+              <a:gd name="connsiteX6" fmla="*/ 2199992 w 2199992"/>
+              <a:gd name="connsiteY6" fmla="*/ 3467477 h 3467477"/>
+              <a:gd name="connsiteX7" fmla="*/ 63375 w 2199992"/>
+              <a:gd name="connsiteY7" fmla="*/ 3349782 h 3467477"/>
+              <a:gd name="connsiteX8" fmla="*/ 0 w 2199992"/>
+              <a:gd name="connsiteY8" fmla="*/ 54321 h 3467477"/>
+              <a:gd name="connsiteX0" fmla="*/ 0 w 2199992"/>
+              <a:gd name="connsiteY0" fmla="*/ 54321 h 3467477"/>
+              <a:gd name="connsiteX1" fmla="*/ 81482 w 2199992"/>
+              <a:gd name="connsiteY1" fmla="*/ 0 h 3467477"/>
+              <a:gd name="connsiteX2" fmla="*/ 307818 w 2199992"/>
+              <a:gd name="connsiteY2" fmla="*/ 298765 h 3467477"/>
+              <a:gd name="connsiteX3" fmla="*/ 914400 w 2199992"/>
+              <a:gd name="connsiteY3" fmla="*/ 2009870 h 3467477"/>
+              <a:gd name="connsiteX4" fmla="*/ 1376127 w 2199992"/>
+              <a:gd name="connsiteY4" fmla="*/ 3041965 h 3467477"/>
+              <a:gd name="connsiteX5" fmla="*/ 2181886 w 2199992"/>
+              <a:gd name="connsiteY5" fmla="*/ 3295462 h 3467477"/>
+              <a:gd name="connsiteX6" fmla="*/ 2199992 w 2199992"/>
+              <a:gd name="connsiteY6" fmla="*/ 3467477 h 3467477"/>
+              <a:gd name="connsiteX7" fmla="*/ 63375 w 2199992"/>
+              <a:gd name="connsiteY7" fmla="*/ 3349782 h 3467477"/>
+              <a:gd name="connsiteX8" fmla="*/ 0 w 2199992"/>
+              <a:gd name="connsiteY8" fmla="*/ 54321 h 3467477"/>
+              <a:gd name="connsiteX0" fmla="*/ 0 w 2199992"/>
+              <a:gd name="connsiteY0" fmla="*/ 54321 h 3467477"/>
+              <a:gd name="connsiteX1" fmla="*/ 81482 w 2199992"/>
+              <a:gd name="connsiteY1" fmla="*/ 0 h 3467477"/>
+              <a:gd name="connsiteX2" fmla="*/ 307818 w 2199992"/>
+              <a:gd name="connsiteY2" fmla="*/ 298765 h 3467477"/>
+              <a:gd name="connsiteX3" fmla="*/ 914400 w 2199992"/>
+              <a:gd name="connsiteY3" fmla="*/ 2009870 h 3467477"/>
+              <a:gd name="connsiteX4" fmla="*/ 1376127 w 2199992"/>
+              <a:gd name="connsiteY4" fmla="*/ 3041965 h 3467477"/>
+              <a:gd name="connsiteX5" fmla="*/ 2181886 w 2199992"/>
+              <a:gd name="connsiteY5" fmla="*/ 3295462 h 3467477"/>
+              <a:gd name="connsiteX6" fmla="*/ 2199992 w 2199992"/>
+              <a:gd name="connsiteY6" fmla="*/ 3467477 h 3467477"/>
+              <a:gd name="connsiteX7" fmla="*/ 63375 w 2199992"/>
+              <a:gd name="connsiteY7" fmla="*/ 3349782 h 3467477"/>
+              <a:gd name="connsiteX8" fmla="*/ 0 w 2199992"/>
+              <a:gd name="connsiteY8" fmla="*/ 54321 h 3467477"/>
+              <a:gd name="connsiteX0" fmla="*/ 0 w 2199992"/>
+              <a:gd name="connsiteY0" fmla="*/ 54321 h 3467477"/>
+              <a:gd name="connsiteX1" fmla="*/ 81482 w 2199992"/>
+              <a:gd name="connsiteY1" fmla="*/ 0 h 3467477"/>
+              <a:gd name="connsiteX2" fmla="*/ 307818 w 2199992"/>
+              <a:gd name="connsiteY2" fmla="*/ 298765 h 3467477"/>
+              <a:gd name="connsiteX3" fmla="*/ 914400 w 2199992"/>
+              <a:gd name="connsiteY3" fmla="*/ 2009870 h 3467477"/>
+              <a:gd name="connsiteX4" fmla="*/ 1376127 w 2199992"/>
+              <a:gd name="connsiteY4" fmla="*/ 3041965 h 3467477"/>
+              <a:gd name="connsiteX5" fmla="*/ 2181886 w 2199992"/>
+              <a:gd name="connsiteY5" fmla="*/ 3295462 h 3467477"/>
+              <a:gd name="connsiteX6" fmla="*/ 2199992 w 2199992"/>
+              <a:gd name="connsiteY6" fmla="*/ 3467477 h 3467477"/>
+              <a:gd name="connsiteX7" fmla="*/ 63375 w 2199992"/>
+              <a:gd name="connsiteY7" fmla="*/ 3349782 h 3467477"/>
+              <a:gd name="connsiteX8" fmla="*/ 0 w 2199992"/>
+              <a:gd name="connsiteY8" fmla="*/ 54321 h 3467477"/>
+              <a:gd name="connsiteX0" fmla="*/ 0 w 2199992"/>
+              <a:gd name="connsiteY0" fmla="*/ 54321 h 3467477"/>
+              <a:gd name="connsiteX1" fmla="*/ 81482 w 2199992"/>
+              <a:gd name="connsiteY1" fmla="*/ 0 h 3467477"/>
+              <a:gd name="connsiteX2" fmla="*/ 307818 w 2199992"/>
+              <a:gd name="connsiteY2" fmla="*/ 298765 h 3467477"/>
+              <a:gd name="connsiteX3" fmla="*/ 914400 w 2199992"/>
+              <a:gd name="connsiteY3" fmla="*/ 2009870 h 3467477"/>
+              <a:gd name="connsiteX4" fmla="*/ 1376127 w 2199992"/>
+              <a:gd name="connsiteY4" fmla="*/ 3041965 h 3467477"/>
+              <a:gd name="connsiteX5" fmla="*/ 2181886 w 2199992"/>
+              <a:gd name="connsiteY5" fmla="*/ 3295462 h 3467477"/>
+              <a:gd name="connsiteX6" fmla="*/ 2199992 w 2199992"/>
+              <a:gd name="connsiteY6" fmla="*/ 3467477 h 3467477"/>
+              <a:gd name="connsiteX7" fmla="*/ 63375 w 2199992"/>
+              <a:gd name="connsiteY7" fmla="*/ 3349782 h 3467477"/>
+              <a:gd name="connsiteX8" fmla="*/ 0 w 2199992"/>
+              <a:gd name="connsiteY8" fmla="*/ 54321 h 3467477"/>
+            </a:gdLst>
+            <a:ahLst/>
+            <a:cxnLst>
+              <a:cxn ang="0">
+                <a:pos x="connsiteX0" y="connsiteY0"/>
+              </a:cxn>
+              <a:cxn ang="0">
+                <a:pos x="connsiteX1" y="connsiteY1"/>
+              </a:cxn>
+              <a:cxn ang="0">
+                <a:pos x="connsiteX2" y="connsiteY2"/>
+              </a:cxn>
+              <a:cxn ang="0">
+                <a:pos x="connsiteX3" y="connsiteY3"/>
+              </a:cxn>
+              <a:cxn ang="0">
+                <a:pos x="connsiteX4" y="connsiteY4"/>
+              </a:cxn>
+              <a:cxn ang="0">
+                <a:pos x="connsiteX5" y="connsiteY5"/>
+              </a:cxn>
+              <a:cxn ang="0">
+                <a:pos x="connsiteX6" y="connsiteY6"/>
+              </a:cxn>
+              <a:cxn ang="0">
+                <a:pos x="connsiteX7" y="connsiteY7"/>
+              </a:cxn>
+              <a:cxn ang="0">
+                <a:pos x="connsiteX8" y="connsiteY8"/>
+              </a:cxn>
+            </a:cxnLst>
+            <a:rect l="l" t="t" r="r" b="b"/>
+            <a:pathLst>
+              <a:path w="2199992" h="3467477">
+                <a:moveTo>
+                  <a:pt x="0" y="54321"/>
+                </a:moveTo>
+                <a:lnTo>
+                  <a:pt x="81482" y="0"/>
+                </a:lnTo>
+                <a:cubicBezTo>
+                  <a:pt x="156927" y="99588"/>
+                  <a:pt x="258950" y="110646"/>
+                  <a:pt x="307818" y="298765"/>
+                </a:cubicBezTo>
+                <a:cubicBezTo>
+                  <a:pt x="649189" y="852884"/>
+                  <a:pt x="798572" y="1609432"/>
+                  <a:pt x="914400" y="2009870"/>
+                </a:cubicBezTo>
+                <a:cubicBezTo>
+                  <a:pt x="1068309" y="2353902"/>
+                  <a:pt x="1154999" y="2815068"/>
+                  <a:pt x="1376127" y="3041965"/>
+                </a:cubicBezTo>
+                <a:cubicBezTo>
+                  <a:pt x="1591496" y="3250527"/>
+                  <a:pt x="1913300" y="3210963"/>
+                  <a:pt x="2181886" y="3295462"/>
+                </a:cubicBezTo>
+                <a:lnTo>
+                  <a:pt x="2199992" y="3467477"/>
+                </a:lnTo>
+                <a:lnTo>
+                  <a:pt x="63375" y="3349782"/>
+                </a:lnTo>
+                <a:lnTo>
+                  <a:pt x="0" y="54321"/>
+                </a:lnTo>
+                <a:close/>
+              </a:path>
+            </a:pathLst>
+          </a:custGeom>
+          <a:solidFill>
+            <a:schemeClr val="bg1"/>
+          </a:solidFill>
+          <a:ln>
+            <a:noFill/>
+          </a:ln>
+        </p:spPr>
+        <p:style>
+          <a:lnRef idx="2">
+            <a:schemeClr val="accent1">
+              <a:shade val="50000"/>
+            </a:schemeClr>
+          </a:lnRef>
+          <a:fillRef idx="1">
+            <a:schemeClr val="accent1"/>
+          </a:fillRef>
+          <a:effectRef idx="0">
+            <a:schemeClr val="accent1"/>
+          </a:effectRef>
+          <a:fontRef idx="minor">
+            <a:schemeClr val="lt1"/>
+          </a:fontRef>
+        </p:style>
+        <p:txBody>
+          <a:bodyPr rtlCol="0" anchor="ctr"/>
+          <a:lstStyle/>
+          <a:p>
+            <a:pPr algn="ctr"/>
+            <a:endParaRPr lang="en-US"/>
+          </a:p>
+        </p:txBody>
+      </p:sp>
+      <p:pic>
+        <p:nvPicPr>
+          <p:cNvPr id="10" name="Picture 2" descr="C:\Users\Maciej\Desktop\strona_origami.JPG"/>
+          <p:cNvPicPr>
+            <a:picLocks noChangeAspect="1" noChangeArrowheads="1"/>
+          </p:cNvPicPr>
+          <p:nvPr/>
+        </p:nvPicPr>
+        <p:blipFill>
+          <a:blip r:embed="rId3"/>
+          <a:stretch>
+            <a:fillRect/>
+          </a:stretch>
+        </p:blipFill>
+        <p:spPr bwMode="auto">
+          <a:xfrm>
+            <a:off x="214282" y="500042"/>
+            <a:ext cx="5837265" cy="3402627"/>
+          </a:xfrm>
+          <a:prstGeom prst="rect">
+            <a:avLst/>
+          </a:prstGeom>
+          <a:noFill/>
+        </p:spPr>
+      </p:pic>
+      <p:pic>
+        <p:nvPicPr>
+          <p:cNvPr id="1026" name="Picture 2" descr="C:\Users\Maciej\Desktop\strona_origami.JPG"/>
+          <p:cNvPicPr>
+            <a:picLocks noChangeAspect="1" noChangeArrowheads="1"/>
+          </p:cNvPicPr>
+          <p:nvPr/>
+        </p:nvPicPr>
+        <p:blipFill>
+          <a:blip r:embed="rId4"/>
+          <a:srcRect/>
+          <a:stretch>
+            <a:fillRect/>
+          </a:stretch>
+        </p:blipFill>
+        <p:spPr bwMode="auto">
+          <a:xfrm>
+            <a:off x="2714580" y="1714488"/>
+            <a:ext cx="5841970" cy="3402627"/>
+          </a:xfrm>
+          <a:prstGeom prst="rect">
+            <a:avLst/>
+          </a:prstGeom>
+          <a:noFill/>
+        </p:spPr>
+      </p:pic>
+    </p:spTree>
+  </p:cSld>
+  <p:clrMapOvr>
+    <a:masterClrMapping/>
+  </p:clrMapOvr>
+  <p:timing>
+    <p:tnLst>
+      <p:par>
+        <p:cTn id="1" dur="indefinite" restart="never" nodeType="tmRoot"/>
+      </p:par>
+    </p:tnLst>
+  </p:timing>
+</p:sld>
+</file>
+
+<file path=ppt/slides/slide5.xml><?xml version="1.0" encoding="utf-8"?>
+<p:sld xmlns:a="http://schemas.openxmlformats.org/drawingml/2006/main" xmlns:r="http://schemas.openxmlformats.org/officeDocument/2006/relationships" xmlns:p="http://schemas.openxmlformats.org/presentationml/2006/main">
+  <p:cSld>
+    <p:spTree>
+      <p:nvGrpSpPr>
+        <p:cNvPr id="1" name=""/>
+        <p:cNvGrpSpPr/>
+        <p:nvPr/>
+      </p:nvGrpSpPr>
+      <p:grpSpPr>
+        <a:xfrm>
+          <a:off x="0" y="0"/>
+          <a:ext cx="0" cy="0"/>
+          <a:chOff x="0" y="0"/>
+          <a:chExt cx="0" cy="0"/>
+        </a:xfrm>
+      </p:grpSpPr>
+      <p:pic>
+        <p:nvPicPr>
+          <p:cNvPr id="5" name="Picture 3" descr="C:\Users\Maciej\Desktop\ika-dam-SLODHM36c9s-unsplash.jpg"/>
+          <p:cNvPicPr>
+            <a:picLocks noChangeAspect="1" noChangeArrowheads="1"/>
+          </p:cNvPicPr>
+          <p:nvPr/>
+        </p:nvPicPr>
+        <p:blipFill>
+          <a:blip r:embed="rId2"/>
+          <a:srcRect l="78996" t="13037" b="54370"/>
+          <a:stretch>
+            <a:fillRect/>
+          </a:stretch>
+        </p:blipFill>
+        <p:spPr bwMode="auto">
+          <a:xfrm>
+            <a:off x="7500958" y="-285776"/>
+            <a:ext cx="2071671" cy="3214710"/>
+          </a:xfrm>
+          <a:prstGeom prst="rect">
+            <a:avLst/>
+          </a:prstGeom>
+          <a:noFill/>
+        </p:spPr>
+      </p:pic>
+      <p:sp>
+        <p:nvSpPr>
+          <p:cNvPr id="2" name="Tytuł 1"/>
+          <p:cNvSpPr>
+            <a:spLocks noGrp="1"/>
+          </p:cNvSpPr>
+          <p:nvPr>
+            <p:ph type="title"/>
+          </p:nvPr>
+        </p:nvSpPr>
+        <p:spPr>
+          <a:xfrm>
+            <a:off x="500034" y="5357826"/>
+            <a:ext cx="3008313" cy="447670"/>
+          </a:xfrm>
+        </p:spPr>
+        <p:txBody>
+          <a:bodyPr/>
+          <a:lstStyle/>
+          <a:p>
+            <a:r>
+              <a:rPr lang="pl-PL" dirty="0" smtClean="0">
+                <a:solidFill>
+                  <a:schemeClr val="accent4">
+                    <a:lumMod val="75000"/>
+                  </a:schemeClr>
+                </a:solidFill>
+              </a:rPr>
+              <a:t>Nasze rozwiązanie</a:t>
+            </a:r>
+            <a:endParaRPr lang="en-US" dirty="0">
+              <a:solidFill>
+                <a:schemeClr val="accent4">
+                  <a:lumMod val="75000"/>
+                </a:schemeClr>
+              </a:solidFill>
+            </a:endParaRPr>
+          </a:p>
+        </p:txBody>
+      </p:sp>
+      <p:sp>
+        <p:nvSpPr>
+          <p:cNvPr id="7" name="Symbol zastępczy tekstu 6"/>
+          <p:cNvSpPr>
+            <a:spLocks noGrp="1"/>
+          </p:cNvSpPr>
+          <p:nvPr>
+            <p:ph type="body" sz="half" idx="2"/>
+          </p:nvPr>
+        </p:nvSpPr>
+        <p:spPr>
+          <a:xfrm>
+            <a:off x="500034" y="5715016"/>
+            <a:ext cx="8215370" cy="4691063"/>
+          </a:xfrm>
+        </p:spPr>
+        <p:txBody>
+          <a:bodyPr>
+            <a:normAutofit/>
+          </a:bodyPr>
+          <a:lstStyle/>
+          <a:p>
+            <a:pPr algn="just"/>
+            <a:r>
+              <a:rPr lang="pl-PL" sz="1800" dirty="0" smtClean="0">
+                <a:latin typeface="Century Gothic" pitchFamily="34" charset="0"/>
+              </a:rPr>
+              <a:t>Dogodny system zapisu i uczestnictwa w zdalnych warsztatach.</a:t>
+            </a:r>
+            <a:endParaRPr lang="en-US" sz="1800" dirty="0" smtClean="0">
+              <a:latin typeface="Century Gothic" pitchFamily="34" charset="0"/>
+            </a:endParaRPr>
+          </a:p>
+          <a:p>
+            <a:endParaRPr lang="en-US" dirty="0"/>
+          </a:p>
+        </p:txBody>
+      </p:sp>
+      <p:sp>
+        <p:nvSpPr>
+          <p:cNvPr id="6" name="Dowolny kształt 5"/>
+          <p:cNvSpPr/>
+          <p:nvPr/>
+        </p:nvSpPr>
+        <p:spPr>
+          <a:xfrm>
+            <a:off x="7381690" y="-340097"/>
+            <a:ext cx="2199992" cy="3467477"/>
+          </a:xfrm>
+          <a:custGeom>
+            <a:avLst/>
+            <a:gdLst>
+              <a:gd name="connsiteX0" fmla="*/ 0 w 2199992"/>
+              <a:gd name="connsiteY0" fmla="*/ 54321 h 3467477"/>
+              <a:gd name="connsiteX1" fmla="*/ 81482 w 2199992"/>
+              <a:gd name="connsiteY1" fmla="*/ 0 h 3467477"/>
+              <a:gd name="connsiteX2" fmla="*/ 307818 w 2199992"/>
+              <a:gd name="connsiteY2" fmla="*/ 298765 h 3467477"/>
+              <a:gd name="connsiteX3" fmla="*/ 914400 w 2199992"/>
+              <a:gd name="connsiteY3" fmla="*/ 2009870 h 3467477"/>
+              <a:gd name="connsiteX4" fmla="*/ 1376127 w 2199992"/>
+              <a:gd name="connsiteY4" fmla="*/ 3041965 h 3467477"/>
+              <a:gd name="connsiteX5" fmla="*/ 2181886 w 2199992"/>
+              <a:gd name="connsiteY5" fmla="*/ 3295462 h 3467477"/>
+              <a:gd name="connsiteX6" fmla="*/ 2199992 w 2199992"/>
+              <a:gd name="connsiteY6" fmla="*/ 3467477 h 3467477"/>
+              <a:gd name="connsiteX7" fmla="*/ 63375 w 2199992"/>
+              <a:gd name="connsiteY7" fmla="*/ 3349782 h 3467477"/>
+              <a:gd name="connsiteX8" fmla="*/ 0 w 2199992"/>
+              <a:gd name="connsiteY8" fmla="*/ 54321 h 3467477"/>
+              <a:gd name="connsiteX0" fmla="*/ 0 w 2199992"/>
+              <a:gd name="connsiteY0" fmla="*/ 54321 h 3467477"/>
+              <a:gd name="connsiteX1" fmla="*/ 81482 w 2199992"/>
+              <a:gd name="connsiteY1" fmla="*/ 0 h 3467477"/>
+              <a:gd name="connsiteX2" fmla="*/ 307818 w 2199992"/>
+              <a:gd name="connsiteY2" fmla="*/ 298765 h 3467477"/>
+              <a:gd name="connsiteX3" fmla="*/ 914400 w 2199992"/>
+              <a:gd name="connsiteY3" fmla="*/ 2009870 h 3467477"/>
+              <a:gd name="connsiteX4" fmla="*/ 1376127 w 2199992"/>
+              <a:gd name="connsiteY4" fmla="*/ 3041965 h 3467477"/>
+              <a:gd name="connsiteX5" fmla="*/ 2181886 w 2199992"/>
+              <a:gd name="connsiteY5" fmla="*/ 3295462 h 3467477"/>
+              <a:gd name="connsiteX6" fmla="*/ 2199992 w 2199992"/>
+              <a:gd name="connsiteY6" fmla="*/ 3467477 h 3467477"/>
+              <a:gd name="connsiteX7" fmla="*/ 63375 w 2199992"/>
+              <a:gd name="connsiteY7" fmla="*/ 3349782 h 3467477"/>
+              <a:gd name="connsiteX8" fmla="*/ 0 w 2199992"/>
+              <a:gd name="connsiteY8" fmla="*/ 54321 h 3467477"/>
+              <a:gd name="connsiteX0" fmla="*/ 0 w 2199992"/>
+              <a:gd name="connsiteY0" fmla="*/ 54321 h 3467477"/>
+              <a:gd name="connsiteX1" fmla="*/ 81482 w 2199992"/>
+              <a:gd name="connsiteY1" fmla="*/ 0 h 3467477"/>
+              <a:gd name="connsiteX2" fmla="*/ 307818 w 2199992"/>
+              <a:gd name="connsiteY2" fmla="*/ 298765 h 3467477"/>
+              <a:gd name="connsiteX3" fmla="*/ 914400 w 2199992"/>
+              <a:gd name="connsiteY3" fmla="*/ 2009870 h 3467477"/>
+              <a:gd name="connsiteX4" fmla="*/ 1376127 w 2199992"/>
+              <a:gd name="connsiteY4" fmla="*/ 3041965 h 3467477"/>
+              <a:gd name="connsiteX5" fmla="*/ 2181886 w 2199992"/>
+              <a:gd name="connsiteY5" fmla="*/ 3295462 h 3467477"/>
+              <a:gd name="connsiteX6" fmla="*/ 2199992 w 2199992"/>
+              <a:gd name="connsiteY6" fmla="*/ 3467477 h 3467477"/>
+              <a:gd name="connsiteX7" fmla="*/ 63375 w 2199992"/>
+              <a:gd name="connsiteY7" fmla="*/ 3349782 h 3467477"/>
+              <a:gd name="connsiteX8" fmla="*/ 0 w 2199992"/>
+              <a:gd name="connsiteY8" fmla="*/ 54321 h 3467477"/>
+              <a:gd name="connsiteX0" fmla="*/ 0 w 2199992"/>
+              <a:gd name="connsiteY0" fmla="*/ 54321 h 3467477"/>
+              <a:gd name="connsiteX1" fmla="*/ 81482 w 2199992"/>
+              <a:gd name="connsiteY1" fmla="*/ 0 h 3467477"/>
+              <a:gd name="connsiteX2" fmla="*/ 307818 w 2199992"/>
+              <a:gd name="connsiteY2" fmla="*/ 298765 h 3467477"/>
+              <a:gd name="connsiteX3" fmla="*/ 914400 w 2199992"/>
+              <a:gd name="connsiteY3" fmla="*/ 2009870 h 3467477"/>
+              <a:gd name="connsiteX4" fmla="*/ 1376127 w 2199992"/>
+              <a:gd name="connsiteY4" fmla="*/ 3041965 h 3467477"/>
+              <a:gd name="connsiteX5" fmla="*/ 2181886 w 2199992"/>
+              <a:gd name="connsiteY5" fmla="*/ 3295462 h 3467477"/>
+              <a:gd name="connsiteX6" fmla="*/ 2199992 w 2199992"/>
+              <a:gd name="connsiteY6" fmla="*/ 3467477 h 3467477"/>
+              <a:gd name="connsiteX7" fmla="*/ 63375 w 2199992"/>
+              <a:gd name="connsiteY7" fmla="*/ 3349782 h 3467477"/>
+              <a:gd name="connsiteX8" fmla="*/ 0 w 2199992"/>
+              <a:gd name="connsiteY8" fmla="*/ 54321 h 3467477"/>
+              <a:gd name="connsiteX0" fmla="*/ 0 w 2199992"/>
+              <a:gd name="connsiteY0" fmla="*/ 54321 h 3467477"/>
+              <a:gd name="connsiteX1" fmla="*/ 81482 w 2199992"/>
+              <a:gd name="connsiteY1" fmla="*/ 0 h 3467477"/>
+              <a:gd name="connsiteX2" fmla="*/ 307818 w 2199992"/>
+              <a:gd name="connsiteY2" fmla="*/ 298765 h 3467477"/>
+              <a:gd name="connsiteX3" fmla="*/ 914400 w 2199992"/>
+              <a:gd name="connsiteY3" fmla="*/ 2009870 h 3467477"/>
+              <a:gd name="connsiteX4" fmla="*/ 1376127 w 2199992"/>
+              <a:gd name="connsiteY4" fmla="*/ 3041965 h 3467477"/>
+              <a:gd name="connsiteX5" fmla="*/ 2181886 w 2199992"/>
+              <a:gd name="connsiteY5" fmla="*/ 3295462 h 3467477"/>
+              <a:gd name="connsiteX6" fmla="*/ 2199992 w 2199992"/>
+              <a:gd name="connsiteY6" fmla="*/ 3467477 h 3467477"/>
+              <a:gd name="connsiteX7" fmla="*/ 63375 w 2199992"/>
+              <a:gd name="connsiteY7" fmla="*/ 3349782 h 3467477"/>
+              <a:gd name="connsiteX8" fmla="*/ 0 w 2199992"/>
+              <a:gd name="connsiteY8" fmla="*/ 54321 h 3467477"/>
+              <a:gd name="connsiteX0" fmla="*/ 0 w 2199992"/>
+              <a:gd name="connsiteY0" fmla="*/ 54321 h 3467477"/>
+              <a:gd name="connsiteX1" fmla="*/ 81482 w 2199992"/>
+              <a:gd name="connsiteY1" fmla="*/ 0 h 3467477"/>
+              <a:gd name="connsiteX2" fmla="*/ 307818 w 2199992"/>
+              <a:gd name="connsiteY2" fmla="*/ 298765 h 3467477"/>
+              <a:gd name="connsiteX3" fmla="*/ 914400 w 2199992"/>
+              <a:gd name="connsiteY3" fmla="*/ 2009870 h 3467477"/>
+              <a:gd name="connsiteX4" fmla="*/ 1376127 w 2199992"/>
+              <a:gd name="connsiteY4" fmla="*/ 3041965 h 3467477"/>
+              <a:gd name="connsiteX5" fmla="*/ 2181886 w 2199992"/>
+              <a:gd name="connsiteY5" fmla="*/ 3295462 h 3467477"/>
+              <a:gd name="connsiteX6" fmla="*/ 2199992 w 2199992"/>
+              <a:gd name="connsiteY6" fmla="*/ 3467477 h 3467477"/>
+              <a:gd name="connsiteX7" fmla="*/ 63375 w 2199992"/>
+              <a:gd name="connsiteY7" fmla="*/ 3349782 h 3467477"/>
+              <a:gd name="connsiteX8" fmla="*/ 0 w 2199992"/>
+              <a:gd name="connsiteY8" fmla="*/ 54321 h 3467477"/>
+              <a:gd name="connsiteX0" fmla="*/ 0 w 2199992"/>
+              <a:gd name="connsiteY0" fmla="*/ 54321 h 3467477"/>
+              <a:gd name="connsiteX1" fmla="*/ 81482 w 2199992"/>
+              <a:gd name="connsiteY1" fmla="*/ 0 h 3467477"/>
+              <a:gd name="connsiteX2" fmla="*/ 307818 w 2199992"/>
+              <a:gd name="connsiteY2" fmla="*/ 298765 h 3467477"/>
+              <a:gd name="connsiteX3" fmla="*/ 914400 w 2199992"/>
+              <a:gd name="connsiteY3" fmla="*/ 2009870 h 3467477"/>
+              <a:gd name="connsiteX4" fmla="*/ 1376127 w 2199992"/>
+              <a:gd name="connsiteY4" fmla="*/ 3041965 h 3467477"/>
+              <a:gd name="connsiteX5" fmla="*/ 2181886 w 2199992"/>
+              <a:gd name="connsiteY5" fmla="*/ 3295462 h 3467477"/>
+              <a:gd name="connsiteX6" fmla="*/ 2199992 w 2199992"/>
+              <a:gd name="connsiteY6" fmla="*/ 3467477 h 3467477"/>
+              <a:gd name="connsiteX7" fmla="*/ 63375 w 2199992"/>
+              <a:gd name="connsiteY7" fmla="*/ 3349782 h 3467477"/>
+              <a:gd name="connsiteX8" fmla="*/ 0 w 2199992"/>
+              <a:gd name="connsiteY8" fmla="*/ 54321 h 3467477"/>
+              <a:gd name="connsiteX0" fmla="*/ 0 w 2199992"/>
+              <a:gd name="connsiteY0" fmla="*/ 54321 h 3467477"/>
+              <a:gd name="connsiteX1" fmla="*/ 81482 w 2199992"/>
+              <a:gd name="connsiteY1" fmla="*/ 0 h 3467477"/>
+              <a:gd name="connsiteX2" fmla="*/ 307818 w 2199992"/>
+              <a:gd name="connsiteY2" fmla="*/ 298765 h 3467477"/>
+              <a:gd name="connsiteX3" fmla="*/ 914400 w 2199992"/>
+              <a:gd name="connsiteY3" fmla="*/ 2009870 h 3467477"/>
+              <a:gd name="connsiteX4" fmla="*/ 1376127 w 2199992"/>
+              <a:gd name="connsiteY4" fmla="*/ 3041965 h 3467477"/>
+              <a:gd name="connsiteX5" fmla="*/ 2181886 w 2199992"/>
+              <a:gd name="connsiteY5" fmla="*/ 3295462 h 3467477"/>
+              <a:gd name="connsiteX6" fmla="*/ 2199992 w 2199992"/>
+              <a:gd name="connsiteY6" fmla="*/ 3467477 h 3467477"/>
+              <a:gd name="connsiteX7" fmla="*/ 63375 w 2199992"/>
+              <a:gd name="connsiteY7" fmla="*/ 3349782 h 3467477"/>
+              <a:gd name="connsiteX8" fmla="*/ 0 w 2199992"/>
+              <a:gd name="connsiteY8" fmla="*/ 54321 h 3467477"/>
+            </a:gdLst>
+            <a:ahLst/>
+            <a:cxnLst>
+              <a:cxn ang="0">
+                <a:pos x="connsiteX0" y="connsiteY0"/>
+              </a:cxn>
+              <a:cxn ang="0">
+                <a:pos x="connsiteX1" y="connsiteY1"/>
+              </a:cxn>
+              <a:cxn ang="0">
+                <a:pos x="connsiteX2" y="connsiteY2"/>
+              </a:cxn>
+              <a:cxn ang="0">
+                <a:pos x="connsiteX3" y="connsiteY3"/>
+              </a:cxn>
+              <a:cxn ang="0">
+                <a:pos x="connsiteX4" y="connsiteY4"/>
+              </a:cxn>
+              <a:cxn ang="0">
+                <a:pos x="connsiteX5" y="connsiteY5"/>
+              </a:cxn>
+              <a:cxn ang="0">
+                <a:pos x="connsiteX6" y="connsiteY6"/>
+              </a:cxn>
+              <a:cxn ang="0">
+                <a:pos x="connsiteX7" y="connsiteY7"/>
+              </a:cxn>
+              <a:cxn ang="0">
+                <a:pos x="connsiteX8" y="connsiteY8"/>
+              </a:cxn>
+            </a:cxnLst>
+            <a:rect l="l" t="t" r="r" b="b"/>
+            <a:pathLst>
+              <a:path w="2199992" h="3467477">
+                <a:moveTo>
+                  <a:pt x="0" y="54321"/>
+                </a:moveTo>
+                <a:lnTo>
+                  <a:pt x="81482" y="0"/>
+                </a:lnTo>
+                <a:cubicBezTo>
+                  <a:pt x="156927" y="99588"/>
+                  <a:pt x="258950" y="110646"/>
+                  <a:pt x="307818" y="298765"/>
+                </a:cubicBezTo>
+                <a:cubicBezTo>
+                  <a:pt x="649189" y="852884"/>
+                  <a:pt x="798572" y="1609432"/>
+                  <a:pt x="914400" y="2009870"/>
+                </a:cubicBezTo>
+                <a:cubicBezTo>
+                  <a:pt x="1068309" y="2353902"/>
+                  <a:pt x="1154999" y="2815068"/>
+                  <a:pt x="1376127" y="3041965"/>
+                </a:cubicBezTo>
+                <a:cubicBezTo>
+                  <a:pt x="1591496" y="3250527"/>
+                  <a:pt x="1913300" y="3210963"/>
+                  <a:pt x="2181886" y="3295462"/>
+                </a:cubicBezTo>
+                <a:lnTo>
+                  <a:pt x="2199992" y="3467477"/>
+                </a:lnTo>
+                <a:lnTo>
+                  <a:pt x="63375" y="3349782"/>
+                </a:lnTo>
+                <a:lnTo>
+                  <a:pt x="0" y="54321"/>
+                </a:lnTo>
+                <a:close/>
+              </a:path>
+            </a:pathLst>
+          </a:custGeom>
+          <a:solidFill>
+            <a:schemeClr val="bg1"/>
+          </a:solidFill>
+          <a:ln>
+            <a:noFill/>
+          </a:ln>
+        </p:spPr>
+        <p:style>
+          <a:lnRef idx="2">
+            <a:schemeClr val="accent1">
+              <a:shade val="50000"/>
+            </a:schemeClr>
+          </a:lnRef>
+          <a:fillRef idx="1">
+            <a:schemeClr val="accent1"/>
+          </a:fillRef>
+          <a:effectRef idx="0">
+            <a:schemeClr val="accent1"/>
+          </a:effectRef>
+          <a:fontRef idx="minor">
+            <a:schemeClr val="lt1"/>
+          </a:fontRef>
+        </p:style>
+        <p:txBody>
+          <a:bodyPr rtlCol="0" anchor="ctr"/>
+          <a:lstStyle/>
+          <a:p>
+            <a:pPr algn="ctr"/>
+            <a:endParaRPr lang="en-US"/>
+          </a:p>
+        </p:txBody>
+      </p:sp>
+      <p:pic>
+        <p:nvPicPr>
+          <p:cNvPr id="2050" name="Picture 2"/>
+          <p:cNvPicPr>
+            <a:picLocks noGrp="1" noChangeAspect="1" noChangeArrowheads="1"/>
+          </p:cNvPicPr>
+          <p:nvPr>
+            <p:ph idx="1"/>
+          </p:nvPr>
+        </p:nvPicPr>
+        <p:blipFill>
+          <a:blip r:embed="rId3"/>
+          <a:srcRect/>
+          <a:stretch>
+            <a:fillRect/>
+          </a:stretch>
+        </p:blipFill>
+        <p:spPr bwMode="auto">
+          <a:xfrm>
+            <a:off x="500063" y="988739"/>
+            <a:ext cx="7480300" cy="4237585"/>
+          </a:xfrm>
+          <a:prstGeom prst="rect">
+            <a:avLst/>
+          </a:prstGeom>
+          <a:noFill/>
+          <a:ln w="9525">
+            <a:noFill/>
+            <a:miter lim="800000"/>
+            <a:headEnd/>
+            <a:tailEnd/>
+          </a:ln>
+          <a:effectLst/>
+        </p:spPr>
+      </p:pic>
+    </p:spTree>
+  </p:cSld>
+  <p:clrMapOvr>
+    <a:masterClrMapping/>
+  </p:clrMapOvr>
+  <p:timing>
+    <p:tnLst>
+      <p:par>
+        <p:cTn id="1" dur="indefinite" restart="never" nodeType="tmRoot"/>
+      </p:par>
+    </p:tnLst>
+  </p:timing>
+</p:sld>
+</file>
+
+<file path=ppt/slides/slide6.xml><?xml version="1.0" encoding="utf-8"?>
+<p:sld xmlns:a="http://schemas.openxmlformats.org/drawingml/2006/main" xmlns:r="http://schemas.openxmlformats.org/officeDocument/2006/relationships" xmlns:p="http://schemas.openxmlformats.org/presentationml/2006/main">
+  <p:cSld>
+    <p:spTree>
+      <p:nvGrpSpPr>
+        <p:cNvPr id="1" name=""/>
+        <p:cNvGrpSpPr/>
+        <p:nvPr/>
+      </p:nvGrpSpPr>
+      <p:grpSpPr>
+        <a:xfrm>
+          <a:off x="0" y="0"/>
+          <a:ext cx="0" cy="0"/>
+          <a:chOff x="0" y="0"/>
+          <a:chExt cx="0" cy="0"/>
+        </a:xfrm>
+      </p:grpSpPr>
       <p:sp>
         <p:nvSpPr>
           <p:cNvPr id="2" name="Tytuł 1"/>
@@ -3938,12 +4853,53 @@
           </a:xfrm>
         </p:spPr>
         <p:txBody>
-          <a:bodyPr/>
-          <a:lstStyle/>
-          <a:p>
-            <a:endParaRPr lang="en-US" dirty="0">
+          <a:bodyPr>
+            <a:normAutofit lnSpcReduction="10000"/>
+          </a:bodyPr>
+          <a:lstStyle/>
+          <a:p>
+            <a:pPr>
+              <a:buNone/>
+            </a:pPr>
+            <a:r>
+              <a:rPr lang="pl-PL" dirty="0" smtClean="0">
+                <a:latin typeface="Century Gothic" pitchFamily="34" charset="0"/>
+              </a:rPr>
+              <a:t>Monika (24) – studentka </a:t>
+            </a:r>
+            <a:r>
+              <a:rPr lang="pl-PL" dirty="0" err="1" smtClean="0">
+                <a:latin typeface="Century Gothic" pitchFamily="34" charset="0"/>
+              </a:rPr>
+              <a:t>wzrnictwa</a:t>
+            </a:r>
+            <a:endParaRPr lang="pl-PL" dirty="0">
               <a:latin typeface="Century Gothic" pitchFamily="34" charset="0"/>
             </a:endParaRPr>
+          </a:p>
+          <a:p>
+            <a:r>
+              <a:rPr lang="pl-PL" dirty="0" smtClean="0">
+                <a:latin typeface="Century Gothic" pitchFamily="34" charset="0"/>
+              </a:rPr>
+              <a:t>Chęć poznania nowych technik wyrazu artystycznego</a:t>
+            </a:r>
+          </a:p>
+          <a:p>
+            <a:r>
+              <a:rPr lang="pl-PL" dirty="0" smtClean="0">
+                <a:latin typeface="Century Gothic" pitchFamily="34" charset="0"/>
+              </a:rPr>
+              <a:t>Potrzeba rozwoju mimo pandemicznych obostrzeń</a:t>
+            </a:r>
+          </a:p>
+          <a:p>
+            <a:r>
+              <a:rPr lang="pl-PL" dirty="0" smtClean="0">
+                <a:latin typeface="Century Gothic" pitchFamily="34" charset="0"/>
+              </a:rPr>
+              <a:t>Możliwość podzielenia się swoimi własnymi umiejętnościami w postaci organizacji własnych warsztatów</a:t>
+            </a:r>
           </a:p>
         </p:txBody>
       </p:sp>
@@ -3988,7 +4944,7 @@
 </p:sld>
 </file>
 
-<file path=ppt/slides/slide5.xml><?xml version="1.0" encoding="utf-8"?>
+<file path=ppt/slides/slide7.xml><?xml version="1.0" encoding="utf-8"?>
 <p:sld xmlns:a="http://schemas.openxmlformats.org/drawingml/2006/main" xmlns:r="http://schemas.openxmlformats.org/officeDocument/2006/relationships" xmlns:p="http://schemas.openxmlformats.org/presentationml/2006/main">
   <p:cSld>
     <p:spTree>

--- a/Szydełko – platforma warsztatów rękodzieła online.pptx
+++ b/Szydełko – platforma warsztatów rękodzieła online.pptx
@@ -10,8 +10,9 @@
     <p:sldId id="259" r:id="rId4"/>
     <p:sldId id="261" r:id="rId5"/>
     <p:sldId id="262" r:id="rId6"/>
-    <p:sldId id="258" r:id="rId7"/>
-    <p:sldId id="260" r:id="rId8"/>
+    <p:sldId id="263" r:id="rId7"/>
+    <p:sldId id="258" r:id="rId8"/>
+    <p:sldId id="260" r:id="rId9"/>
   </p:sldIdLst>
   <p:sldSz cx="9144000" cy="6858000" type="screen4x3"/>
   <p:notesSz cx="6858000" cy="9144000"/>
@@ -111,6 +112,2462 @@
     </a:lvl9pPr>
   </p:defaultTextStyle>
 </p:presentation>
+</file>
+
+<file path=ppt/diagrams/colors1.xml><?xml version="1.0" encoding="utf-8"?>
+<dgm:colorsDef xmlns:dgm="http://schemas.openxmlformats.org/drawingml/2006/diagram" xmlns:a="http://schemas.openxmlformats.org/drawingml/2006/main" uniqueId="urn:microsoft.com/office/officeart/2005/8/colors/accent4_1">
+  <dgm:title val=""/>
+  <dgm:desc val=""/>
+  <dgm:catLst>
+    <dgm:cat type="accent4" pri="11100"/>
+  </dgm:catLst>
+  <dgm:styleLbl name="node0">
+    <dgm:fillClrLst meth="repeat">
+      <a:schemeClr val="lt1"/>
+    </dgm:fillClrLst>
+    <dgm:linClrLst meth="repeat">
+      <a:schemeClr val="accent4">
+        <a:shade val="80000"/>
+      </a:schemeClr>
+    </dgm:linClrLst>
+    <dgm:effectClrLst/>
+    <dgm:txLinClrLst/>
+    <dgm:txFillClrLst meth="repeat">
+      <a:schemeClr val="dk1"/>
+    </dgm:txFillClrLst>
+    <dgm:txEffectClrLst/>
+  </dgm:styleLbl>
+  <dgm:styleLbl name="node1">
+    <dgm:fillClrLst meth="repeat">
+      <a:schemeClr val="lt1"/>
+    </dgm:fillClrLst>
+    <dgm:linClrLst meth="repeat">
+      <a:schemeClr val="accent4">
+        <a:shade val="80000"/>
+      </a:schemeClr>
+    </dgm:linClrLst>
+    <dgm:effectClrLst/>
+    <dgm:txLinClrLst/>
+    <dgm:txFillClrLst meth="repeat">
+      <a:schemeClr val="dk1"/>
+    </dgm:txFillClrLst>
+    <dgm:txEffectClrLst/>
+  </dgm:styleLbl>
+  <dgm:styleLbl name="alignNode1">
+    <dgm:fillClrLst meth="repeat">
+      <a:schemeClr val="lt1"/>
+    </dgm:fillClrLst>
+    <dgm:linClrLst meth="repeat">
+      <a:schemeClr val="accent4">
+        <a:shade val="80000"/>
+      </a:schemeClr>
+    </dgm:linClrLst>
+    <dgm:effectClrLst/>
+    <dgm:txLinClrLst/>
+    <dgm:txFillClrLst meth="repeat">
+      <a:schemeClr val="dk1"/>
+    </dgm:txFillClrLst>
+    <dgm:txEffectClrLst/>
+  </dgm:styleLbl>
+  <dgm:styleLbl name="lnNode1">
+    <dgm:fillClrLst meth="repeat">
+      <a:schemeClr val="lt1"/>
+    </dgm:fillClrLst>
+    <dgm:linClrLst meth="repeat">
+      <a:schemeClr val="accent4">
+        <a:shade val="80000"/>
+      </a:schemeClr>
+    </dgm:linClrLst>
+    <dgm:effectClrLst/>
+    <dgm:txLinClrLst/>
+    <dgm:txFillClrLst meth="repeat">
+      <a:schemeClr val="dk1"/>
+    </dgm:txFillClrLst>
+    <dgm:txEffectClrLst/>
+  </dgm:styleLbl>
+  <dgm:styleLbl name="vennNode1">
+    <dgm:fillClrLst meth="repeat">
+      <a:schemeClr val="lt1">
+        <a:alpha val="50000"/>
+      </a:schemeClr>
+    </dgm:fillClrLst>
+    <dgm:linClrLst meth="repeat">
+      <a:schemeClr val="accent4">
+        <a:shade val="80000"/>
+      </a:schemeClr>
+    </dgm:linClrLst>
+    <dgm:effectClrLst/>
+    <dgm:txLinClrLst/>
+    <dgm:txFillClrLst/>
+    <dgm:txEffectClrLst/>
+  </dgm:styleLbl>
+  <dgm:styleLbl name="node2">
+    <dgm:fillClrLst meth="repeat">
+      <a:schemeClr val="lt1"/>
+    </dgm:fillClrLst>
+    <dgm:linClrLst meth="repeat">
+      <a:schemeClr val="accent4">
+        <a:shade val="80000"/>
+      </a:schemeClr>
+    </dgm:linClrLst>
+    <dgm:effectClrLst/>
+    <dgm:txLinClrLst/>
+    <dgm:txFillClrLst meth="repeat">
+      <a:schemeClr val="dk1"/>
+    </dgm:txFillClrLst>
+    <dgm:txEffectClrLst/>
+  </dgm:styleLbl>
+  <dgm:styleLbl name="node3">
+    <dgm:fillClrLst meth="repeat">
+      <a:schemeClr val="lt1"/>
+    </dgm:fillClrLst>
+    <dgm:linClrLst meth="repeat">
+      <a:schemeClr val="accent4">
+        <a:shade val="80000"/>
+      </a:schemeClr>
+    </dgm:linClrLst>
+    <dgm:effectClrLst/>
+    <dgm:txLinClrLst/>
+    <dgm:txFillClrLst meth="repeat">
+      <a:schemeClr val="dk1"/>
+    </dgm:txFillClrLst>
+    <dgm:txEffectClrLst/>
+  </dgm:styleLbl>
+  <dgm:styleLbl name="node4">
+    <dgm:fillClrLst meth="repeat">
+      <a:schemeClr val="lt1"/>
+    </dgm:fillClrLst>
+    <dgm:linClrLst meth="repeat">
+      <a:schemeClr val="accent4">
+        <a:shade val="80000"/>
+      </a:schemeClr>
+    </dgm:linClrLst>
+    <dgm:effectClrLst/>
+    <dgm:txLinClrLst/>
+    <dgm:txFillClrLst meth="repeat">
+      <a:schemeClr val="dk1"/>
+    </dgm:txFillClrLst>
+    <dgm:txEffectClrLst/>
+  </dgm:styleLbl>
+  <dgm:styleLbl name="fgImgPlace1">
+    <dgm:fillClrLst meth="repeat">
+      <a:schemeClr val="accent4">
+        <a:tint val="40000"/>
+      </a:schemeClr>
+    </dgm:fillClrLst>
+    <dgm:linClrLst meth="repeat">
+      <a:schemeClr val="accent4">
+        <a:shade val="80000"/>
+      </a:schemeClr>
+    </dgm:linClrLst>
+    <dgm:effectClrLst/>
+    <dgm:txLinClrLst/>
+    <dgm:txFillClrLst meth="repeat">
+      <a:schemeClr val="lt1"/>
+    </dgm:txFillClrLst>
+    <dgm:txEffectClrLst/>
+  </dgm:styleLbl>
+  <dgm:styleLbl name="alignImgPlace1">
+    <dgm:fillClrLst meth="repeat">
+      <a:schemeClr val="accent4">
+        <a:tint val="40000"/>
+      </a:schemeClr>
+    </dgm:fillClrLst>
+    <dgm:linClrLst meth="repeat">
+      <a:schemeClr val="accent4">
+        <a:shade val="80000"/>
+      </a:schemeClr>
+    </dgm:linClrLst>
+    <dgm:effectClrLst/>
+    <dgm:txLinClrLst/>
+    <dgm:txFillClrLst meth="repeat">
+      <a:schemeClr val="lt1"/>
+    </dgm:txFillClrLst>
+    <dgm:txEffectClrLst/>
+  </dgm:styleLbl>
+  <dgm:styleLbl name="bgImgPlace1">
+    <dgm:fillClrLst meth="repeat">
+      <a:schemeClr val="accent4">
+        <a:tint val="40000"/>
+      </a:schemeClr>
+    </dgm:fillClrLst>
+    <dgm:linClrLst meth="repeat">
+      <a:schemeClr val="accent4">
+        <a:shade val="80000"/>
+      </a:schemeClr>
+    </dgm:linClrLst>
+    <dgm:effectClrLst/>
+    <dgm:txLinClrLst/>
+    <dgm:txFillClrLst meth="repeat">
+      <a:schemeClr val="lt1"/>
+    </dgm:txFillClrLst>
+    <dgm:txEffectClrLst/>
+  </dgm:styleLbl>
+  <dgm:styleLbl name="sibTrans2D1">
+    <dgm:fillClrLst meth="repeat">
+      <a:schemeClr val="accent4">
+        <a:tint val="60000"/>
+      </a:schemeClr>
+    </dgm:fillClrLst>
+    <dgm:linClrLst meth="repeat">
+      <a:schemeClr val="accent4">
+        <a:tint val="60000"/>
+      </a:schemeClr>
+    </dgm:linClrLst>
+    <dgm:effectClrLst/>
+    <dgm:txLinClrLst/>
+    <dgm:txFillClrLst meth="repeat">
+      <a:schemeClr val="dk1"/>
+    </dgm:txFillClrLst>
+    <dgm:txEffectClrLst/>
+  </dgm:styleLbl>
+  <dgm:styleLbl name="fgSibTrans2D1">
+    <dgm:fillClrLst meth="repeat">
+      <a:schemeClr val="accent4">
+        <a:tint val="60000"/>
+      </a:schemeClr>
+    </dgm:fillClrLst>
+    <dgm:linClrLst meth="repeat">
+      <a:schemeClr val="accent4">
+        <a:tint val="60000"/>
+      </a:schemeClr>
+    </dgm:linClrLst>
+    <dgm:effectClrLst/>
+    <dgm:txLinClrLst/>
+    <dgm:txFillClrLst meth="repeat">
+      <a:schemeClr val="dk1"/>
+    </dgm:txFillClrLst>
+    <dgm:txEffectClrLst/>
+  </dgm:styleLbl>
+  <dgm:styleLbl name="bgSibTrans2D1">
+    <dgm:fillClrLst meth="repeat">
+      <a:schemeClr val="accent4">
+        <a:tint val="60000"/>
+      </a:schemeClr>
+    </dgm:fillClrLst>
+    <dgm:linClrLst meth="repeat">
+      <a:schemeClr val="accent4">
+        <a:tint val="60000"/>
+      </a:schemeClr>
+    </dgm:linClrLst>
+    <dgm:effectClrLst/>
+    <dgm:txLinClrLst/>
+    <dgm:txFillClrLst meth="repeat">
+      <a:schemeClr val="dk1"/>
+    </dgm:txFillClrLst>
+    <dgm:txEffectClrLst/>
+  </dgm:styleLbl>
+  <dgm:styleLbl name="sibTrans1D1">
+    <dgm:fillClrLst meth="repeat">
+      <a:schemeClr val="accent4"/>
+    </dgm:fillClrLst>
+    <dgm:linClrLst meth="repeat">
+      <a:schemeClr val="accent4"/>
+    </dgm:linClrLst>
+    <dgm:effectClrLst/>
+    <dgm:txLinClrLst/>
+    <dgm:txFillClrLst meth="repeat">
+      <a:schemeClr val="tx1"/>
+    </dgm:txFillClrLst>
+    <dgm:txEffectClrLst/>
+  </dgm:styleLbl>
+  <dgm:styleLbl name="callout">
+    <dgm:fillClrLst meth="repeat">
+      <a:schemeClr val="accent4"/>
+    </dgm:fillClrLst>
+    <dgm:linClrLst meth="repeat">
+      <a:schemeClr val="accent4"/>
+    </dgm:linClrLst>
+    <dgm:effectClrLst/>
+    <dgm:txLinClrLst/>
+    <dgm:txFillClrLst meth="repeat">
+      <a:schemeClr val="tx1"/>
+    </dgm:txFillClrLst>
+    <dgm:txEffectClrLst/>
+  </dgm:styleLbl>
+  <dgm:styleLbl name="asst0">
+    <dgm:fillClrLst meth="repeat">
+      <a:schemeClr val="lt1"/>
+    </dgm:fillClrLst>
+    <dgm:linClrLst meth="repeat">
+      <a:schemeClr val="accent4">
+        <a:shade val="80000"/>
+      </a:schemeClr>
+    </dgm:linClrLst>
+    <dgm:effectClrLst/>
+    <dgm:txLinClrLst/>
+    <dgm:txFillClrLst meth="repeat">
+      <a:schemeClr val="dk1"/>
+    </dgm:txFillClrLst>
+    <dgm:txEffectClrLst/>
+  </dgm:styleLbl>
+  <dgm:styleLbl name="asst1">
+    <dgm:fillClrLst meth="repeat">
+      <a:schemeClr val="lt1"/>
+    </dgm:fillClrLst>
+    <dgm:linClrLst meth="repeat">
+      <a:schemeClr val="accent4">
+        <a:shade val="80000"/>
+      </a:schemeClr>
+    </dgm:linClrLst>
+    <dgm:effectClrLst/>
+    <dgm:txLinClrLst/>
+    <dgm:txFillClrLst meth="repeat">
+      <a:schemeClr val="dk1"/>
+    </dgm:txFillClrLst>
+    <dgm:txEffectClrLst/>
+  </dgm:styleLbl>
+  <dgm:styleLbl name="asst2">
+    <dgm:fillClrLst meth="repeat">
+      <a:schemeClr val="lt1"/>
+    </dgm:fillClrLst>
+    <dgm:linClrLst meth="repeat">
+      <a:schemeClr val="accent4">
+        <a:shade val="80000"/>
+      </a:schemeClr>
+    </dgm:linClrLst>
+    <dgm:effectClrLst/>
+    <dgm:txLinClrLst/>
+    <dgm:txFillClrLst meth="repeat">
+      <a:schemeClr val="dk1"/>
+    </dgm:txFillClrLst>
+    <dgm:txEffectClrLst/>
+  </dgm:styleLbl>
+  <dgm:styleLbl name="asst3">
+    <dgm:fillClrLst meth="repeat">
+      <a:schemeClr val="lt1"/>
+    </dgm:fillClrLst>
+    <dgm:linClrLst meth="repeat">
+      <a:schemeClr val="accent4">
+        <a:shade val="80000"/>
+      </a:schemeClr>
+    </dgm:linClrLst>
+    <dgm:effectClrLst/>
+    <dgm:txLinClrLst/>
+    <dgm:txFillClrLst meth="repeat">
+      <a:schemeClr val="dk1"/>
+    </dgm:txFillClrLst>
+    <dgm:txEffectClrLst/>
+  </dgm:styleLbl>
+  <dgm:styleLbl name="asst4">
+    <dgm:fillClrLst meth="repeat">
+      <a:schemeClr val="lt1"/>
+    </dgm:fillClrLst>
+    <dgm:linClrLst meth="repeat">
+      <a:schemeClr val="accent4">
+        <a:shade val="80000"/>
+      </a:schemeClr>
+    </dgm:linClrLst>
+    <dgm:effectClrLst/>
+    <dgm:txLinClrLst/>
+    <dgm:txFillClrLst meth="repeat">
+      <a:schemeClr val="dk1"/>
+    </dgm:txFillClrLst>
+    <dgm:txEffectClrLst/>
+  </dgm:styleLbl>
+  <dgm:styleLbl name="parChTrans2D1">
+    <dgm:fillClrLst meth="repeat">
+      <a:schemeClr val="accent4">
+        <a:tint val="60000"/>
+      </a:schemeClr>
+    </dgm:fillClrLst>
+    <dgm:linClrLst meth="repeat">
+      <a:schemeClr val="accent4">
+        <a:tint val="60000"/>
+      </a:schemeClr>
+    </dgm:linClrLst>
+    <dgm:effectClrLst/>
+    <dgm:txLinClrLst/>
+    <dgm:txFillClrLst/>
+    <dgm:txEffectClrLst/>
+  </dgm:styleLbl>
+  <dgm:styleLbl name="parChTrans2D2">
+    <dgm:fillClrLst meth="repeat">
+      <a:schemeClr val="accent4"/>
+    </dgm:fillClrLst>
+    <dgm:linClrLst meth="repeat">
+      <a:schemeClr val="accent4"/>
+    </dgm:linClrLst>
+    <dgm:effectClrLst/>
+    <dgm:txLinClrLst/>
+    <dgm:txFillClrLst/>
+    <dgm:txEffectClrLst/>
+  </dgm:styleLbl>
+  <dgm:styleLbl name="parChTrans2D3">
+    <dgm:fillClrLst meth="repeat">
+      <a:schemeClr val="accent4"/>
+    </dgm:fillClrLst>
+    <dgm:linClrLst meth="repeat">
+      <a:schemeClr val="accent4"/>
+    </dgm:linClrLst>
+    <dgm:effectClrLst/>
+    <dgm:txLinClrLst/>
+    <dgm:txFillClrLst/>
+    <dgm:txEffectClrLst/>
+  </dgm:styleLbl>
+  <dgm:styleLbl name="parChTrans2D4">
+    <dgm:fillClrLst meth="repeat">
+      <a:schemeClr val="accent4"/>
+    </dgm:fillClrLst>
+    <dgm:linClrLst meth="repeat">
+      <a:schemeClr val="accent4"/>
+    </dgm:linClrLst>
+    <dgm:effectClrLst/>
+    <dgm:txLinClrLst/>
+    <dgm:txFillClrLst meth="repeat">
+      <a:schemeClr val="lt1"/>
+    </dgm:txFillClrLst>
+    <dgm:txEffectClrLst/>
+  </dgm:styleLbl>
+  <dgm:styleLbl name="parChTrans1D1">
+    <dgm:fillClrLst meth="repeat">
+      <a:schemeClr val="accent4"/>
+    </dgm:fillClrLst>
+    <dgm:linClrLst meth="repeat">
+      <a:schemeClr val="accent4">
+        <a:shade val="60000"/>
+      </a:schemeClr>
+    </dgm:linClrLst>
+    <dgm:effectClrLst/>
+    <dgm:txLinClrLst/>
+    <dgm:txFillClrLst meth="repeat">
+      <a:schemeClr val="tx1"/>
+    </dgm:txFillClrLst>
+    <dgm:txEffectClrLst/>
+  </dgm:styleLbl>
+  <dgm:styleLbl name="parChTrans1D2">
+    <dgm:fillClrLst meth="repeat">
+      <a:schemeClr val="accent4"/>
+    </dgm:fillClrLst>
+    <dgm:linClrLst meth="repeat">
+      <a:schemeClr val="accent4">
+        <a:shade val="60000"/>
+      </a:schemeClr>
+    </dgm:linClrLst>
+    <dgm:effectClrLst/>
+    <dgm:txLinClrLst/>
+    <dgm:txFillClrLst meth="repeat">
+      <a:schemeClr val="tx1"/>
+    </dgm:txFillClrLst>
+    <dgm:txEffectClrLst/>
+  </dgm:styleLbl>
+  <dgm:styleLbl name="parChTrans1D3">
+    <dgm:fillClrLst meth="repeat">
+      <a:schemeClr val="accent4"/>
+    </dgm:fillClrLst>
+    <dgm:linClrLst meth="repeat">
+      <a:schemeClr val="accent4">
+        <a:shade val="80000"/>
+      </a:schemeClr>
+    </dgm:linClrLst>
+    <dgm:effectClrLst/>
+    <dgm:txLinClrLst/>
+    <dgm:txFillClrLst meth="repeat">
+      <a:schemeClr val="tx1"/>
+    </dgm:txFillClrLst>
+    <dgm:txEffectClrLst/>
+  </dgm:styleLbl>
+  <dgm:styleLbl name="parChTrans1D4">
+    <dgm:fillClrLst meth="repeat">
+      <a:schemeClr val="accent4"/>
+    </dgm:fillClrLst>
+    <dgm:linClrLst meth="repeat">
+      <a:schemeClr val="accent4">
+        <a:shade val="80000"/>
+      </a:schemeClr>
+    </dgm:linClrLst>
+    <dgm:effectClrLst/>
+    <dgm:txLinClrLst/>
+    <dgm:txFillClrLst meth="repeat">
+      <a:schemeClr val="tx1"/>
+    </dgm:txFillClrLst>
+    <dgm:txEffectClrLst/>
+  </dgm:styleLbl>
+  <dgm:styleLbl name="fgAcc1">
+    <dgm:fillClrLst meth="repeat">
+      <a:schemeClr val="accent4">
+        <a:alpha val="90000"/>
+        <a:tint val="40000"/>
+      </a:schemeClr>
+    </dgm:fillClrLst>
+    <dgm:linClrLst meth="repeat">
+      <a:schemeClr val="accent4"/>
+    </dgm:linClrLst>
+    <dgm:effectClrLst/>
+    <dgm:txLinClrLst/>
+    <dgm:txFillClrLst meth="repeat">
+      <a:schemeClr val="dk1"/>
+    </dgm:txFillClrLst>
+    <dgm:txEffectClrLst/>
+  </dgm:styleLbl>
+  <dgm:styleLbl name="conFgAcc1">
+    <dgm:fillClrLst meth="repeat">
+      <a:schemeClr val="accent4">
+        <a:alpha val="90000"/>
+        <a:tint val="40000"/>
+      </a:schemeClr>
+    </dgm:fillClrLst>
+    <dgm:linClrLst meth="repeat">
+      <a:schemeClr val="accent4"/>
+    </dgm:linClrLst>
+    <dgm:effectClrLst/>
+    <dgm:txLinClrLst/>
+    <dgm:txFillClrLst meth="repeat">
+      <a:schemeClr val="dk1"/>
+    </dgm:txFillClrLst>
+    <dgm:txEffectClrLst/>
+  </dgm:styleLbl>
+  <dgm:styleLbl name="alignAcc1">
+    <dgm:fillClrLst meth="repeat">
+      <a:schemeClr val="accent4">
+        <a:alpha val="90000"/>
+        <a:tint val="40000"/>
+      </a:schemeClr>
+    </dgm:fillClrLst>
+    <dgm:linClrLst meth="repeat">
+      <a:schemeClr val="accent4"/>
+    </dgm:linClrLst>
+    <dgm:effectClrLst/>
+    <dgm:txLinClrLst/>
+    <dgm:txFillClrLst meth="repeat">
+      <a:schemeClr val="dk1"/>
+    </dgm:txFillClrLst>
+    <dgm:txEffectClrLst/>
+  </dgm:styleLbl>
+  <dgm:styleLbl name="trAlignAcc1">
+    <dgm:fillClrLst meth="repeat">
+      <a:schemeClr val="accent4">
+        <a:alpha val="40000"/>
+        <a:tint val="40000"/>
+      </a:schemeClr>
+    </dgm:fillClrLst>
+    <dgm:linClrLst meth="repeat">
+      <a:schemeClr val="accent4"/>
+    </dgm:linClrLst>
+    <dgm:effectClrLst/>
+    <dgm:txLinClrLst/>
+    <dgm:txFillClrLst meth="repeat">
+      <a:schemeClr val="dk1"/>
+    </dgm:txFillClrLst>
+    <dgm:txEffectClrLst/>
+  </dgm:styleLbl>
+  <dgm:styleLbl name="bgAcc1">
+    <dgm:fillClrLst meth="repeat">
+      <a:schemeClr val="accent4">
+        <a:alpha val="90000"/>
+        <a:tint val="40000"/>
+      </a:schemeClr>
+    </dgm:fillClrLst>
+    <dgm:linClrLst meth="repeat">
+      <a:schemeClr val="accent4"/>
+    </dgm:linClrLst>
+    <dgm:effectClrLst/>
+    <dgm:txLinClrLst/>
+    <dgm:txFillClrLst meth="repeat">
+      <a:schemeClr val="dk1"/>
+    </dgm:txFillClrLst>
+    <dgm:txEffectClrLst/>
+  </dgm:styleLbl>
+  <dgm:styleLbl name="solidFgAcc1">
+    <dgm:fillClrLst meth="repeat">
+      <a:schemeClr val="lt1"/>
+    </dgm:fillClrLst>
+    <dgm:linClrLst meth="repeat">
+      <a:schemeClr val="accent4"/>
+    </dgm:linClrLst>
+    <dgm:effectClrLst/>
+    <dgm:txLinClrLst/>
+    <dgm:txFillClrLst meth="repeat">
+      <a:schemeClr val="dk1"/>
+    </dgm:txFillClrLst>
+    <dgm:txEffectClrLst/>
+  </dgm:styleLbl>
+  <dgm:styleLbl name="solidAlignAcc1">
+    <dgm:fillClrLst meth="repeat">
+      <a:schemeClr val="lt1"/>
+    </dgm:fillClrLst>
+    <dgm:linClrLst meth="repeat">
+      <a:schemeClr val="accent4"/>
+    </dgm:linClrLst>
+    <dgm:effectClrLst/>
+    <dgm:txLinClrLst/>
+    <dgm:txFillClrLst meth="repeat">
+      <a:schemeClr val="dk1"/>
+    </dgm:txFillClrLst>
+    <dgm:txEffectClrLst/>
+  </dgm:styleLbl>
+  <dgm:styleLbl name="solidBgAcc1">
+    <dgm:fillClrLst meth="repeat">
+      <a:schemeClr val="lt1"/>
+    </dgm:fillClrLst>
+    <dgm:linClrLst meth="repeat">
+      <a:schemeClr val="accent4"/>
+    </dgm:linClrLst>
+    <dgm:effectClrLst/>
+    <dgm:txLinClrLst/>
+    <dgm:txFillClrLst meth="repeat">
+      <a:schemeClr val="dk1"/>
+    </dgm:txFillClrLst>
+    <dgm:txEffectClrLst/>
+  </dgm:styleLbl>
+  <dgm:styleLbl name="fgAccFollowNode1">
+    <dgm:fillClrLst meth="repeat">
+      <a:schemeClr val="lt1">
+        <a:alpha val="90000"/>
+        <a:tint val="40000"/>
+      </a:schemeClr>
+    </dgm:fillClrLst>
+    <dgm:linClrLst meth="repeat">
+      <a:schemeClr val="accent4">
+        <a:alpha val="90000"/>
+      </a:schemeClr>
+    </dgm:linClrLst>
+    <dgm:effectClrLst/>
+    <dgm:txLinClrLst/>
+    <dgm:txFillClrLst meth="repeat">
+      <a:schemeClr val="dk1"/>
+    </dgm:txFillClrLst>
+    <dgm:txEffectClrLst/>
+  </dgm:styleLbl>
+  <dgm:styleLbl name="alignAccFollowNode1">
+    <dgm:fillClrLst meth="repeat">
+      <a:schemeClr val="lt1">
+        <a:alpha val="90000"/>
+        <a:tint val="40000"/>
+      </a:schemeClr>
+    </dgm:fillClrLst>
+    <dgm:linClrLst meth="repeat">
+      <a:schemeClr val="accent4">
+        <a:alpha val="90000"/>
+      </a:schemeClr>
+    </dgm:linClrLst>
+    <dgm:effectClrLst/>
+    <dgm:txLinClrLst/>
+    <dgm:txFillClrLst meth="repeat">
+      <a:schemeClr val="dk1"/>
+    </dgm:txFillClrLst>
+    <dgm:txEffectClrLst/>
+  </dgm:styleLbl>
+  <dgm:styleLbl name="bgAccFollowNode1">
+    <dgm:fillClrLst meth="repeat">
+      <a:schemeClr val="lt1">
+        <a:alpha val="90000"/>
+        <a:tint val="40000"/>
+      </a:schemeClr>
+    </dgm:fillClrLst>
+    <dgm:linClrLst meth="repeat">
+      <a:schemeClr val="accent4">
+        <a:alpha val="90000"/>
+      </a:schemeClr>
+    </dgm:linClrLst>
+    <dgm:effectClrLst/>
+    <dgm:txLinClrLst/>
+    <dgm:txFillClrLst meth="repeat">
+      <a:schemeClr val="dk1"/>
+    </dgm:txFillClrLst>
+    <dgm:txEffectClrLst/>
+  </dgm:styleLbl>
+  <dgm:styleLbl name="fgAcc0">
+    <dgm:fillClrLst meth="repeat">
+      <a:schemeClr val="accent4">
+        <a:alpha val="90000"/>
+        <a:tint val="40000"/>
+      </a:schemeClr>
+    </dgm:fillClrLst>
+    <dgm:linClrLst meth="repeat">
+      <a:schemeClr val="accent4"/>
+    </dgm:linClrLst>
+    <dgm:effectClrLst/>
+    <dgm:txLinClrLst/>
+    <dgm:txFillClrLst meth="repeat">
+      <a:schemeClr val="dk1"/>
+    </dgm:txFillClrLst>
+    <dgm:txEffectClrLst/>
+  </dgm:styleLbl>
+  <dgm:styleLbl name="fgAcc2">
+    <dgm:fillClrLst meth="repeat">
+      <a:schemeClr val="accent4">
+        <a:alpha val="90000"/>
+        <a:tint val="40000"/>
+      </a:schemeClr>
+    </dgm:fillClrLst>
+    <dgm:linClrLst meth="repeat">
+      <a:schemeClr val="accent4"/>
+    </dgm:linClrLst>
+    <dgm:effectClrLst/>
+    <dgm:txLinClrLst/>
+    <dgm:txFillClrLst meth="repeat">
+      <a:schemeClr val="dk1"/>
+    </dgm:txFillClrLst>
+    <dgm:txEffectClrLst/>
+  </dgm:styleLbl>
+  <dgm:styleLbl name="fgAcc3">
+    <dgm:fillClrLst meth="repeat">
+      <a:schemeClr val="accent4">
+        <a:alpha val="90000"/>
+        <a:tint val="40000"/>
+      </a:schemeClr>
+    </dgm:fillClrLst>
+    <dgm:linClrLst meth="repeat">
+      <a:schemeClr val="accent4"/>
+    </dgm:linClrLst>
+    <dgm:effectClrLst/>
+    <dgm:txLinClrLst/>
+    <dgm:txFillClrLst meth="repeat">
+      <a:schemeClr val="dk1"/>
+    </dgm:txFillClrLst>
+    <dgm:txEffectClrLst/>
+  </dgm:styleLbl>
+  <dgm:styleLbl name="fgAcc4">
+    <dgm:fillClrLst meth="repeat">
+      <a:schemeClr val="accent4">
+        <a:alpha val="90000"/>
+        <a:tint val="40000"/>
+      </a:schemeClr>
+    </dgm:fillClrLst>
+    <dgm:linClrLst meth="repeat">
+      <a:schemeClr val="accent4"/>
+    </dgm:linClrLst>
+    <dgm:effectClrLst/>
+    <dgm:txLinClrLst/>
+    <dgm:txFillClrLst meth="repeat">
+      <a:schemeClr val="dk1"/>
+    </dgm:txFillClrLst>
+    <dgm:txEffectClrLst/>
+  </dgm:styleLbl>
+  <dgm:styleLbl name="bgShp">
+    <dgm:fillClrLst meth="repeat">
+      <a:schemeClr val="accent4">
+        <a:tint val="40000"/>
+      </a:schemeClr>
+    </dgm:fillClrLst>
+    <dgm:linClrLst meth="repeat">
+      <a:schemeClr val="accent4"/>
+    </dgm:linClrLst>
+    <dgm:effectClrLst/>
+    <dgm:txLinClrLst/>
+    <dgm:txFillClrLst meth="repeat">
+      <a:schemeClr val="dk1"/>
+    </dgm:txFillClrLst>
+    <dgm:txEffectClrLst/>
+  </dgm:styleLbl>
+  <dgm:styleLbl name="dkBgShp">
+    <dgm:fillClrLst meth="repeat">
+      <a:schemeClr val="accent4">
+        <a:shade val="80000"/>
+      </a:schemeClr>
+    </dgm:fillClrLst>
+    <dgm:linClrLst meth="repeat">
+      <a:schemeClr val="accent4"/>
+    </dgm:linClrLst>
+    <dgm:effectClrLst/>
+    <dgm:txLinClrLst/>
+    <dgm:txFillClrLst meth="repeat">
+      <a:schemeClr val="lt1"/>
+    </dgm:txFillClrLst>
+    <dgm:txEffectClrLst/>
+  </dgm:styleLbl>
+  <dgm:styleLbl name="trBgShp">
+    <dgm:fillClrLst meth="repeat">
+      <a:schemeClr val="accent4">
+        <a:tint val="50000"/>
+        <a:alpha val="40000"/>
+      </a:schemeClr>
+    </dgm:fillClrLst>
+    <dgm:linClrLst meth="repeat">
+      <a:schemeClr val="accent4"/>
+    </dgm:linClrLst>
+    <dgm:effectClrLst/>
+    <dgm:txLinClrLst/>
+    <dgm:txFillClrLst meth="repeat">
+      <a:schemeClr val="lt1"/>
+    </dgm:txFillClrLst>
+    <dgm:txEffectClrLst/>
+  </dgm:styleLbl>
+  <dgm:styleLbl name="fgShp">
+    <dgm:fillClrLst meth="repeat">
+      <a:schemeClr val="accent4">
+        <a:tint val="60000"/>
+      </a:schemeClr>
+    </dgm:fillClrLst>
+    <dgm:linClrLst meth="repeat">
+      <a:schemeClr val="lt1"/>
+    </dgm:linClrLst>
+    <dgm:effectClrLst/>
+    <dgm:txLinClrLst/>
+    <dgm:txFillClrLst meth="repeat">
+      <a:schemeClr val="dk1"/>
+    </dgm:txFillClrLst>
+    <dgm:txEffectClrLst/>
+  </dgm:styleLbl>
+  <dgm:styleLbl name="revTx">
+    <dgm:fillClrLst meth="repeat">
+      <a:schemeClr val="lt1">
+        <a:alpha val="0"/>
+      </a:schemeClr>
+    </dgm:fillClrLst>
+    <dgm:linClrLst meth="repeat">
+      <a:schemeClr val="dk1">
+        <a:alpha val="0"/>
+      </a:schemeClr>
+    </dgm:linClrLst>
+    <dgm:effectClrLst/>
+    <dgm:txLinClrLst/>
+    <dgm:txFillClrLst meth="repeat">
+      <a:schemeClr val="tx1"/>
+    </dgm:txFillClrLst>
+    <dgm:txEffectClrLst/>
+  </dgm:styleLbl>
+</dgm:colorsDef>
+</file>
+
+<file path=ppt/diagrams/data1.xml><?xml version="1.0" encoding="utf-8"?>
+<dgm:dataModel xmlns:dgm="http://schemas.openxmlformats.org/drawingml/2006/diagram" xmlns:a="http://schemas.openxmlformats.org/drawingml/2006/main">
+  <dgm:ptLst>
+    <dgm:pt modelId="{63032EFB-7FA1-42D2-A5F4-810AA8C11F54}" type="doc">
+      <dgm:prSet loTypeId="urn:microsoft.com/office/officeart/2005/8/layout/radial5" loCatId="relationship" qsTypeId="urn:microsoft.com/office/officeart/2005/8/quickstyle/simple1" qsCatId="simple" csTypeId="urn:microsoft.com/office/officeart/2005/8/colors/accent4_1" csCatId="accent4" phldr="1"/>
+      <dgm:spPr/>
+      <dgm:t>
+        <a:bodyPr/>
+        <a:lstStyle/>
+        <a:p>
+          <a:endParaRPr lang="en-US"/>
+        </a:p>
+      </dgm:t>
+    </dgm:pt>
+    <dgm:pt modelId="{C8976CEA-B35F-49EC-ADDF-9C4804BD3020}">
+      <dgm:prSet phldrT="[Tekst]"/>
+      <dgm:spPr>
+        <a:solidFill>
+          <a:schemeClr val="accent4">
+            <a:lumMod val="75000"/>
+          </a:schemeClr>
+        </a:solidFill>
+      </dgm:spPr>
+      <dgm:t>
+        <a:bodyPr/>
+        <a:lstStyle/>
+        <a:p>
+          <a:r>
+            <a:rPr lang="pl-PL" dirty="0" smtClean="0">
+              <a:solidFill>
+                <a:schemeClr val="bg1"/>
+              </a:solidFill>
+              <a:latin typeface="Century Gothic" pitchFamily="34" charset="0"/>
+            </a:rPr>
+            <a:t>Monika (24) – studentka wzornictwa</a:t>
+          </a:r>
+          <a:endParaRPr lang="en-US" dirty="0">
+            <a:solidFill>
+              <a:schemeClr val="bg1"/>
+            </a:solidFill>
+          </a:endParaRPr>
+        </a:p>
+      </dgm:t>
+    </dgm:pt>
+    <dgm:pt modelId="{4279E7DA-32D1-44C9-8E5A-1513DD6BEF52}" type="parTrans" cxnId="{38DBBAF3-F64F-432C-95B3-DCF3CCE31963}">
+      <dgm:prSet/>
+      <dgm:spPr/>
+      <dgm:t>
+        <a:bodyPr/>
+        <a:lstStyle/>
+        <a:p>
+          <a:endParaRPr lang="en-US"/>
+        </a:p>
+      </dgm:t>
+    </dgm:pt>
+    <dgm:pt modelId="{67FE6507-B184-4067-8A72-A1D47F65A1C0}" type="sibTrans" cxnId="{38DBBAF3-F64F-432C-95B3-DCF3CCE31963}">
+      <dgm:prSet/>
+      <dgm:spPr/>
+      <dgm:t>
+        <a:bodyPr/>
+        <a:lstStyle/>
+        <a:p>
+          <a:endParaRPr lang="en-US"/>
+        </a:p>
+      </dgm:t>
+    </dgm:pt>
+    <dgm:pt modelId="{A39F9646-B20F-48FD-8F73-3D19590CA58D}">
+      <dgm:prSet phldrT="[Tekst]" custT="1"/>
+      <dgm:spPr/>
+      <dgm:t>
+        <a:bodyPr/>
+        <a:lstStyle/>
+        <a:p>
+          <a:r>
+            <a:rPr lang="pl-PL" sz="1400" dirty="0" smtClean="0">
+              <a:latin typeface="Century Gothic" pitchFamily="34" charset="0"/>
+            </a:rPr>
+            <a:t>Chęć zarobienia jako prowadząca warsztaty. </a:t>
+          </a:r>
+          <a:endParaRPr lang="en-US" sz="1400" dirty="0"/>
+        </a:p>
+      </dgm:t>
+    </dgm:pt>
+    <dgm:pt modelId="{9695CD6A-6655-4EFE-9462-8AFA51D0B408}" type="parTrans" cxnId="{02056296-4C9F-476A-994F-C52D3FE39F29}">
+      <dgm:prSet/>
+      <dgm:spPr/>
+      <dgm:t>
+        <a:bodyPr/>
+        <a:lstStyle/>
+        <a:p>
+          <a:endParaRPr lang="en-US"/>
+        </a:p>
+      </dgm:t>
+    </dgm:pt>
+    <dgm:pt modelId="{5193D716-CF7D-438A-BEAD-14FFE4A81561}" type="sibTrans" cxnId="{02056296-4C9F-476A-994F-C52D3FE39F29}">
+      <dgm:prSet/>
+      <dgm:spPr/>
+      <dgm:t>
+        <a:bodyPr/>
+        <a:lstStyle/>
+        <a:p>
+          <a:endParaRPr lang="en-US"/>
+        </a:p>
+      </dgm:t>
+    </dgm:pt>
+    <dgm:pt modelId="{7B22FC35-83AC-4B81-82C0-FF5DD0C85635}">
+      <dgm:prSet phldrT="[Tekst]" custT="1"/>
+      <dgm:spPr/>
+      <dgm:t>
+        <a:bodyPr/>
+        <a:lstStyle/>
+        <a:p>
+          <a:r>
+            <a:rPr lang="pl-PL" sz="1400" dirty="0" smtClean="0">
+              <a:latin typeface="Century Gothic" pitchFamily="34" charset="0"/>
+            </a:rPr>
+            <a:t>Chęć poznania nowych technik wyrazu artystycznego.</a:t>
+          </a:r>
+          <a:endParaRPr lang="en-US" sz="1400" dirty="0"/>
+        </a:p>
+      </dgm:t>
+    </dgm:pt>
+    <dgm:pt modelId="{448418BE-AD8B-439B-8073-312A71736407}" type="parTrans" cxnId="{55CF74AE-4553-439D-B0A1-37C92A4AD640}">
+      <dgm:prSet/>
+      <dgm:spPr/>
+      <dgm:t>
+        <a:bodyPr/>
+        <a:lstStyle/>
+        <a:p>
+          <a:endParaRPr lang="en-US"/>
+        </a:p>
+      </dgm:t>
+    </dgm:pt>
+    <dgm:pt modelId="{F0E92027-0127-410F-80BF-C0B5C39677C2}" type="sibTrans" cxnId="{55CF74AE-4553-439D-B0A1-37C92A4AD640}">
+      <dgm:prSet/>
+      <dgm:spPr/>
+      <dgm:t>
+        <a:bodyPr/>
+        <a:lstStyle/>
+        <a:p>
+          <a:endParaRPr lang="en-US"/>
+        </a:p>
+      </dgm:t>
+    </dgm:pt>
+    <dgm:pt modelId="{E7800012-2A4A-43A5-B1CC-1AB37EBD7C9B}">
+      <dgm:prSet phldrT="[Tekst]" custT="1"/>
+      <dgm:spPr/>
+      <dgm:t>
+        <a:bodyPr/>
+        <a:lstStyle/>
+        <a:p>
+          <a:r>
+            <a:rPr lang="pl-PL" sz="1400" dirty="0" smtClean="0">
+              <a:latin typeface="Century Gothic" pitchFamily="34" charset="0"/>
+            </a:rPr>
+            <a:t>Możliwość podzielenia się swoimi własnymi umiejętnościami.</a:t>
+          </a:r>
+          <a:endParaRPr lang="en-US" sz="1400" dirty="0"/>
+        </a:p>
+      </dgm:t>
+    </dgm:pt>
+    <dgm:pt modelId="{FC7C3C21-7483-4030-AC7C-D205FDDA830A}" type="parTrans" cxnId="{24BC7A62-BC31-4F8E-BE31-6602FF1C38CC}">
+      <dgm:prSet/>
+      <dgm:spPr/>
+      <dgm:t>
+        <a:bodyPr/>
+        <a:lstStyle/>
+        <a:p>
+          <a:endParaRPr lang="en-US"/>
+        </a:p>
+      </dgm:t>
+    </dgm:pt>
+    <dgm:pt modelId="{F1CEB7C5-9C24-4358-802E-DBBAA84B2E37}" type="sibTrans" cxnId="{24BC7A62-BC31-4F8E-BE31-6602FF1C38CC}">
+      <dgm:prSet/>
+      <dgm:spPr/>
+      <dgm:t>
+        <a:bodyPr/>
+        <a:lstStyle/>
+        <a:p>
+          <a:endParaRPr lang="en-US"/>
+        </a:p>
+      </dgm:t>
+    </dgm:pt>
+    <dgm:pt modelId="{0E82276C-F384-4FAF-862E-7B525E3BA1E4}">
+      <dgm:prSet phldrT="[Tekst]" custT="1"/>
+      <dgm:spPr/>
+      <dgm:t>
+        <a:bodyPr/>
+        <a:lstStyle/>
+        <a:p>
+          <a:r>
+            <a:rPr lang="pl-PL" sz="1400" dirty="0" smtClean="0">
+              <a:latin typeface="Century Gothic" pitchFamily="34" charset="0"/>
+            </a:rPr>
+            <a:t>Potrzeba rozwoju mimo pandemicznych obostrzeń.</a:t>
+          </a:r>
+          <a:endParaRPr lang="en-US" sz="1400" dirty="0"/>
+        </a:p>
+      </dgm:t>
+    </dgm:pt>
+    <dgm:pt modelId="{F10A7316-2D51-4F6D-BB31-0A0AECD8C6E8}" type="parTrans" cxnId="{B878B8F2-3459-42FD-BF47-ACBB15CD8471}">
+      <dgm:prSet/>
+      <dgm:spPr/>
+      <dgm:t>
+        <a:bodyPr/>
+        <a:lstStyle/>
+        <a:p>
+          <a:endParaRPr lang="en-US"/>
+        </a:p>
+      </dgm:t>
+    </dgm:pt>
+    <dgm:pt modelId="{6699341D-C7BF-4E5E-AA66-19D5E7DC1199}" type="sibTrans" cxnId="{B878B8F2-3459-42FD-BF47-ACBB15CD8471}">
+      <dgm:prSet/>
+      <dgm:spPr/>
+      <dgm:t>
+        <a:bodyPr/>
+        <a:lstStyle/>
+        <a:p>
+          <a:endParaRPr lang="en-US"/>
+        </a:p>
+      </dgm:t>
+    </dgm:pt>
+    <dgm:pt modelId="{B9DF208E-C0BA-4D7B-92B7-FCDEDB798D4A}" type="pres">
+      <dgm:prSet presAssocID="{63032EFB-7FA1-42D2-A5F4-810AA8C11F54}" presName="Name0" presStyleCnt="0">
+        <dgm:presLayoutVars>
+          <dgm:chMax val="1"/>
+          <dgm:dir/>
+          <dgm:animLvl val="ctr"/>
+          <dgm:resizeHandles val="exact"/>
+        </dgm:presLayoutVars>
+      </dgm:prSet>
+      <dgm:spPr/>
+    </dgm:pt>
+    <dgm:pt modelId="{7623A68E-26E9-462B-BBCE-4698DE1EB55F}" type="pres">
+      <dgm:prSet presAssocID="{C8976CEA-B35F-49EC-ADDF-9C4804BD3020}" presName="centerShape" presStyleLbl="node0" presStyleIdx="0" presStyleCnt="1"/>
+      <dgm:spPr/>
+      <dgm:t>
+        <a:bodyPr/>
+        <a:lstStyle/>
+        <a:p>
+          <a:endParaRPr lang="en-US"/>
+        </a:p>
+      </dgm:t>
+    </dgm:pt>
+    <dgm:pt modelId="{7061BECC-5982-477E-8CBF-CEB14B92AFE0}" type="pres">
+      <dgm:prSet presAssocID="{9695CD6A-6655-4EFE-9462-8AFA51D0B408}" presName="parTrans" presStyleLbl="sibTrans2D1" presStyleIdx="0" presStyleCnt="4"/>
+      <dgm:spPr/>
+    </dgm:pt>
+    <dgm:pt modelId="{E5CD6B80-3161-49AF-9679-B73F6FD905C0}" type="pres">
+      <dgm:prSet presAssocID="{9695CD6A-6655-4EFE-9462-8AFA51D0B408}" presName="connectorText" presStyleLbl="sibTrans2D1" presStyleIdx="0" presStyleCnt="4"/>
+      <dgm:spPr/>
+    </dgm:pt>
+    <dgm:pt modelId="{DE19CCFC-34FF-448F-BAA9-8CE13D057F74}" type="pres">
+      <dgm:prSet presAssocID="{A39F9646-B20F-48FD-8F73-3D19590CA58D}" presName="node" presStyleLbl="node1" presStyleIdx="0" presStyleCnt="4" custScaleX="154669" custScaleY="155128" custRadScaleRad="124936" custRadScaleInc="178689">
+        <dgm:presLayoutVars>
+          <dgm:bulletEnabled val="1"/>
+        </dgm:presLayoutVars>
+      </dgm:prSet>
+      <dgm:spPr/>
+      <dgm:t>
+        <a:bodyPr/>
+        <a:lstStyle/>
+        <a:p>
+          <a:endParaRPr lang="en-US"/>
+        </a:p>
+      </dgm:t>
+    </dgm:pt>
+    <dgm:pt modelId="{2580A709-3D9D-47C9-912B-EA1F36D34581}" type="pres">
+      <dgm:prSet presAssocID="{448418BE-AD8B-439B-8073-312A71736407}" presName="parTrans" presStyleLbl="sibTrans2D1" presStyleIdx="1" presStyleCnt="4"/>
+      <dgm:spPr/>
+    </dgm:pt>
+    <dgm:pt modelId="{D766E90F-9806-4486-AD3E-1B0D37C20856}" type="pres">
+      <dgm:prSet presAssocID="{448418BE-AD8B-439B-8073-312A71736407}" presName="connectorText" presStyleLbl="sibTrans2D1" presStyleIdx="1" presStyleCnt="4"/>
+      <dgm:spPr/>
+    </dgm:pt>
+    <dgm:pt modelId="{1A3C9DF4-F8D6-4882-AAAD-4441AB752647}" type="pres">
+      <dgm:prSet presAssocID="{7B22FC35-83AC-4B81-82C0-FF5DD0C85635}" presName="node" presStyleLbl="node1" presStyleIdx="1" presStyleCnt="4" custScaleX="154669" custScaleY="155128" custRadScaleRad="111842" custRadScaleInc="113658">
+        <dgm:presLayoutVars>
+          <dgm:bulletEnabled val="1"/>
+        </dgm:presLayoutVars>
+      </dgm:prSet>
+      <dgm:spPr/>
+      <dgm:t>
+        <a:bodyPr/>
+        <a:lstStyle/>
+        <a:p>
+          <a:endParaRPr lang="en-US"/>
+        </a:p>
+      </dgm:t>
+    </dgm:pt>
+    <dgm:pt modelId="{A91F6B0F-3722-4D4B-A386-772CF853DABE}" type="pres">
+      <dgm:prSet presAssocID="{FC7C3C21-7483-4030-AC7C-D205FDDA830A}" presName="parTrans" presStyleLbl="sibTrans2D1" presStyleIdx="2" presStyleCnt="4"/>
+      <dgm:spPr/>
+    </dgm:pt>
+    <dgm:pt modelId="{2EE8ADA1-AA74-414F-B1D9-73FC62E5D34A}" type="pres">
+      <dgm:prSet presAssocID="{FC7C3C21-7483-4030-AC7C-D205FDDA830A}" presName="connectorText" presStyleLbl="sibTrans2D1" presStyleIdx="2" presStyleCnt="4"/>
+      <dgm:spPr/>
+    </dgm:pt>
+    <dgm:pt modelId="{E03B2288-250F-4E95-B9CC-85500C19C279}" type="pres">
+      <dgm:prSet presAssocID="{E7800012-2A4A-43A5-B1CC-1AB37EBD7C9B}" presName="node" presStyleLbl="node1" presStyleIdx="2" presStyleCnt="4" custScaleX="154669" custScaleY="155128" custRadScaleRad="105250" custRadScaleInc="75900">
+        <dgm:presLayoutVars>
+          <dgm:bulletEnabled val="1"/>
+        </dgm:presLayoutVars>
+      </dgm:prSet>
+      <dgm:spPr/>
+      <dgm:t>
+        <a:bodyPr/>
+        <a:lstStyle/>
+        <a:p>
+          <a:endParaRPr lang="en-US"/>
+        </a:p>
+      </dgm:t>
+    </dgm:pt>
+    <dgm:pt modelId="{0206D933-CB8F-4984-A7CE-E8B9CCB97CF4}" type="pres">
+      <dgm:prSet presAssocID="{F10A7316-2D51-4F6D-BB31-0A0AECD8C6E8}" presName="parTrans" presStyleLbl="sibTrans2D1" presStyleIdx="3" presStyleCnt="4"/>
+      <dgm:spPr/>
+    </dgm:pt>
+    <dgm:pt modelId="{AE9DBD74-4242-4982-B722-7B0936F6BF7F}" type="pres">
+      <dgm:prSet presAssocID="{F10A7316-2D51-4F6D-BB31-0A0AECD8C6E8}" presName="connectorText" presStyleLbl="sibTrans2D1" presStyleIdx="3" presStyleCnt="4"/>
+      <dgm:spPr/>
+    </dgm:pt>
+    <dgm:pt modelId="{3B2D83F4-FDE1-4EE8-A4BE-C5FBFD45FFB4}" type="pres">
+      <dgm:prSet presAssocID="{0E82276C-F384-4FAF-862E-7B525E3BA1E4}" presName="node" presStyleLbl="node1" presStyleIdx="3" presStyleCnt="4" custScaleX="154669" custScaleY="155128" custRadScaleRad="129874" custRadScaleInc="17208">
+        <dgm:presLayoutVars>
+          <dgm:bulletEnabled val="1"/>
+        </dgm:presLayoutVars>
+      </dgm:prSet>
+      <dgm:spPr/>
+      <dgm:t>
+        <a:bodyPr/>
+        <a:lstStyle/>
+        <a:p>
+          <a:endParaRPr lang="en-US"/>
+        </a:p>
+      </dgm:t>
+    </dgm:pt>
+  </dgm:ptLst>
+  <dgm:cxnLst>
+    <dgm:cxn modelId="{81B700B7-0BCD-46E9-B11D-8646E3D351B9}" type="presOf" srcId="{F10A7316-2D51-4F6D-BB31-0A0AECD8C6E8}" destId="{0206D933-CB8F-4984-A7CE-E8B9CCB97CF4}" srcOrd="0" destOrd="0" presId="urn:microsoft.com/office/officeart/2005/8/layout/radial5"/>
+    <dgm:cxn modelId="{CD2873BD-4880-419C-B8CD-84ADBD948F8F}" type="presOf" srcId="{F10A7316-2D51-4F6D-BB31-0A0AECD8C6E8}" destId="{AE9DBD74-4242-4982-B722-7B0936F6BF7F}" srcOrd="1" destOrd="0" presId="urn:microsoft.com/office/officeart/2005/8/layout/radial5"/>
+    <dgm:cxn modelId="{B878B8F2-3459-42FD-BF47-ACBB15CD8471}" srcId="{C8976CEA-B35F-49EC-ADDF-9C4804BD3020}" destId="{0E82276C-F384-4FAF-862E-7B525E3BA1E4}" srcOrd="3" destOrd="0" parTransId="{F10A7316-2D51-4F6D-BB31-0A0AECD8C6E8}" sibTransId="{6699341D-C7BF-4E5E-AA66-19D5E7DC1199}"/>
+    <dgm:cxn modelId="{38DBBAF3-F64F-432C-95B3-DCF3CCE31963}" srcId="{63032EFB-7FA1-42D2-A5F4-810AA8C11F54}" destId="{C8976CEA-B35F-49EC-ADDF-9C4804BD3020}" srcOrd="0" destOrd="0" parTransId="{4279E7DA-32D1-44C9-8E5A-1513DD6BEF52}" sibTransId="{67FE6507-B184-4067-8A72-A1D47F65A1C0}"/>
+    <dgm:cxn modelId="{F5D3A6E4-EA1B-46E6-83B0-4FCAEC67B6BA}" type="presOf" srcId="{9695CD6A-6655-4EFE-9462-8AFA51D0B408}" destId="{E5CD6B80-3161-49AF-9679-B73F6FD905C0}" srcOrd="1" destOrd="0" presId="urn:microsoft.com/office/officeart/2005/8/layout/radial5"/>
+    <dgm:cxn modelId="{7A264B76-982D-4868-8C09-9195D2337534}" type="presOf" srcId="{C8976CEA-B35F-49EC-ADDF-9C4804BD3020}" destId="{7623A68E-26E9-462B-BBCE-4698DE1EB55F}" srcOrd="0" destOrd="0" presId="urn:microsoft.com/office/officeart/2005/8/layout/radial5"/>
+    <dgm:cxn modelId="{C05CD9AD-25CD-4448-9909-C6A4F1A32876}" type="presOf" srcId="{448418BE-AD8B-439B-8073-312A71736407}" destId="{2580A709-3D9D-47C9-912B-EA1F36D34581}" srcOrd="0" destOrd="0" presId="urn:microsoft.com/office/officeart/2005/8/layout/radial5"/>
+    <dgm:cxn modelId="{7A3BBD77-D6FA-4188-B8CF-BBBA7B031BB1}" type="presOf" srcId="{E7800012-2A4A-43A5-B1CC-1AB37EBD7C9B}" destId="{E03B2288-250F-4E95-B9CC-85500C19C279}" srcOrd="0" destOrd="0" presId="urn:microsoft.com/office/officeart/2005/8/layout/radial5"/>
+    <dgm:cxn modelId="{087CA309-FE84-41BE-8611-3ABE9CA01214}" type="presOf" srcId="{A39F9646-B20F-48FD-8F73-3D19590CA58D}" destId="{DE19CCFC-34FF-448F-BAA9-8CE13D057F74}" srcOrd="0" destOrd="0" presId="urn:microsoft.com/office/officeart/2005/8/layout/radial5"/>
+    <dgm:cxn modelId="{02056296-4C9F-476A-994F-C52D3FE39F29}" srcId="{C8976CEA-B35F-49EC-ADDF-9C4804BD3020}" destId="{A39F9646-B20F-48FD-8F73-3D19590CA58D}" srcOrd="0" destOrd="0" parTransId="{9695CD6A-6655-4EFE-9462-8AFA51D0B408}" sibTransId="{5193D716-CF7D-438A-BEAD-14FFE4A81561}"/>
+    <dgm:cxn modelId="{E691D7C2-5E00-48BE-961E-34AF3031F402}" type="presOf" srcId="{FC7C3C21-7483-4030-AC7C-D205FDDA830A}" destId="{2EE8ADA1-AA74-414F-B1D9-73FC62E5D34A}" srcOrd="1" destOrd="0" presId="urn:microsoft.com/office/officeart/2005/8/layout/radial5"/>
+    <dgm:cxn modelId="{55CF74AE-4553-439D-B0A1-37C92A4AD640}" srcId="{C8976CEA-B35F-49EC-ADDF-9C4804BD3020}" destId="{7B22FC35-83AC-4B81-82C0-FF5DD0C85635}" srcOrd="1" destOrd="0" parTransId="{448418BE-AD8B-439B-8073-312A71736407}" sibTransId="{F0E92027-0127-410F-80BF-C0B5C39677C2}"/>
+    <dgm:cxn modelId="{782EABA0-4C3E-4C92-A9EC-6E957DB5F4A0}" type="presOf" srcId="{FC7C3C21-7483-4030-AC7C-D205FDDA830A}" destId="{A91F6B0F-3722-4D4B-A386-772CF853DABE}" srcOrd="0" destOrd="0" presId="urn:microsoft.com/office/officeart/2005/8/layout/radial5"/>
+    <dgm:cxn modelId="{A65538CA-4611-472A-850B-79C8A383F2B6}" type="presOf" srcId="{63032EFB-7FA1-42D2-A5F4-810AA8C11F54}" destId="{B9DF208E-C0BA-4D7B-92B7-FCDEDB798D4A}" srcOrd="0" destOrd="0" presId="urn:microsoft.com/office/officeart/2005/8/layout/radial5"/>
+    <dgm:cxn modelId="{A6F9C822-5B14-41EE-8C20-F63DD6DE4BDA}" type="presOf" srcId="{448418BE-AD8B-439B-8073-312A71736407}" destId="{D766E90F-9806-4486-AD3E-1B0D37C20856}" srcOrd="1" destOrd="0" presId="urn:microsoft.com/office/officeart/2005/8/layout/radial5"/>
+    <dgm:cxn modelId="{24BC7A62-BC31-4F8E-BE31-6602FF1C38CC}" srcId="{C8976CEA-B35F-49EC-ADDF-9C4804BD3020}" destId="{E7800012-2A4A-43A5-B1CC-1AB37EBD7C9B}" srcOrd="2" destOrd="0" parTransId="{FC7C3C21-7483-4030-AC7C-D205FDDA830A}" sibTransId="{F1CEB7C5-9C24-4358-802E-DBBAA84B2E37}"/>
+    <dgm:cxn modelId="{D3597B64-3DBB-4F4F-94F4-2F4B919689DD}" type="presOf" srcId="{9695CD6A-6655-4EFE-9462-8AFA51D0B408}" destId="{7061BECC-5982-477E-8CBF-CEB14B92AFE0}" srcOrd="0" destOrd="0" presId="urn:microsoft.com/office/officeart/2005/8/layout/radial5"/>
+    <dgm:cxn modelId="{060E134A-5678-49E5-B474-04544C6A6111}" type="presOf" srcId="{0E82276C-F384-4FAF-862E-7B525E3BA1E4}" destId="{3B2D83F4-FDE1-4EE8-A4BE-C5FBFD45FFB4}" srcOrd="0" destOrd="0" presId="urn:microsoft.com/office/officeart/2005/8/layout/radial5"/>
+    <dgm:cxn modelId="{81F31693-5701-49EC-BC87-7F4E472A2967}" type="presOf" srcId="{7B22FC35-83AC-4B81-82C0-FF5DD0C85635}" destId="{1A3C9DF4-F8D6-4882-AAAD-4441AB752647}" srcOrd="0" destOrd="0" presId="urn:microsoft.com/office/officeart/2005/8/layout/radial5"/>
+    <dgm:cxn modelId="{8FB1A19E-A3C4-4828-AD34-0353C917008D}" type="presParOf" srcId="{B9DF208E-C0BA-4D7B-92B7-FCDEDB798D4A}" destId="{7623A68E-26E9-462B-BBCE-4698DE1EB55F}" srcOrd="0" destOrd="0" presId="urn:microsoft.com/office/officeart/2005/8/layout/radial5"/>
+    <dgm:cxn modelId="{844F7062-73EC-4EE1-BE58-350EFCB19D67}" type="presParOf" srcId="{B9DF208E-C0BA-4D7B-92B7-FCDEDB798D4A}" destId="{7061BECC-5982-477E-8CBF-CEB14B92AFE0}" srcOrd="1" destOrd="0" presId="urn:microsoft.com/office/officeart/2005/8/layout/radial5"/>
+    <dgm:cxn modelId="{CB35706D-D6F9-42A7-B936-AF6D4BE6BC02}" type="presParOf" srcId="{7061BECC-5982-477E-8CBF-CEB14B92AFE0}" destId="{E5CD6B80-3161-49AF-9679-B73F6FD905C0}" srcOrd="0" destOrd="0" presId="urn:microsoft.com/office/officeart/2005/8/layout/radial5"/>
+    <dgm:cxn modelId="{720785FF-22CF-4D5A-8CA6-F102CE56B63F}" type="presParOf" srcId="{B9DF208E-C0BA-4D7B-92B7-FCDEDB798D4A}" destId="{DE19CCFC-34FF-448F-BAA9-8CE13D057F74}" srcOrd="2" destOrd="0" presId="urn:microsoft.com/office/officeart/2005/8/layout/radial5"/>
+    <dgm:cxn modelId="{3A99A116-0F15-41DE-AA2C-63CFA4FF03ED}" type="presParOf" srcId="{B9DF208E-C0BA-4D7B-92B7-FCDEDB798D4A}" destId="{2580A709-3D9D-47C9-912B-EA1F36D34581}" srcOrd="3" destOrd="0" presId="urn:microsoft.com/office/officeart/2005/8/layout/radial5"/>
+    <dgm:cxn modelId="{DFDB1895-AE95-44E7-A4EC-D84C64C343DC}" type="presParOf" srcId="{2580A709-3D9D-47C9-912B-EA1F36D34581}" destId="{D766E90F-9806-4486-AD3E-1B0D37C20856}" srcOrd="0" destOrd="0" presId="urn:microsoft.com/office/officeart/2005/8/layout/radial5"/>
+    <dgm:cxn modelId="{C2C68973-2D30-4831-8E6C-B24AEA593E67}" type="presParOf" srcId="{B9DF208E-C0BA-4D7B-92B7-FCDEDB798D4A}" destId="{1A3C9DF4-F8D6-4882-AAAD-4441AB752647}" srcOrd="4" destOrd="0" presId="urn:microsoft.com/office/officeart/2005/8/layout/radial5"/>
+    <dgm:cxn modelId="{4405E91B-E578-4967-BF76-0054BBE163D9}" type="presParOf" srcId="{B9DF208E-C0BA-4D7B-92B7-FCDEDB798D4A}" destId="{A91F6B0F-3722-4D4B-A386-772CF853DABE}" srcOrd="5" destOrd="0" presId="urn:microsoft.com/office/officeart/2005/8/layout/radial5"/>
+    <dgm:cxn modelId="{F13AC092-9F74-417D-A1EE-D49992EAF7CA}" type="presParOf" srcId="{A91F6B0F-3722-4D4B-A386-772CF853DABE}" destId="{2EE8ADA1-AA74-414F-B1D9-73FC62E5D34A}" srcOrd="0" destOrd="0" presId="urn:microsoft.com/office/officeart/2005/8/layout/radial5"/>
+    <dgm:cxn modelId="{A111D335-2C43-4910-83B9-BE5E92BA6855}" type="presParOf" srcId="{B9DF208E-C0BA-4D7B-92B7-FCDEDB798D4A}" destId="{E03B2288-250F-4E95-B9CC-85500C19C279}" srcOrd="6" destOrd="0" presId="urn:microsoft.com/office/officeart/2005/8/layout/radial5"/>
+    <dgm:cxn modelId="{3E7D06CA-ADBE-45E7-8905-5E36EABEBB2D}" type="presParOf" srcId="{B9DF208E-C0BA-4D7B-92B7-FCDEDB798D4A}" destId="{0206D933-CB8F-4984-A7CE-E8B9CCB97CF4}" srcOrd="7" destOrd="0" presId="urn:microsoft.com/office/officeart/2005/8/layout/radial5"/>
+    <dgm:cxn modelId="{F3884F0B-614C-42DC-ABAE-593A3248E56D}" type="presParOf" srcId="{0206D933-CB8F-4984-A7CE-E8B9CCB97CF4}" destId="{AE9DBD74-4242-4982-B722-7B0936F6BF7F}" srcOrd="0" destOrd="0" presId="urn:microsoft.com/office/officeart/2005/8/layout/radial5"/>
+    <dgm:cxn modelId="{C65D993E-AB09-47F4-995E-DEF7FAB55381}" type="presParOf" srcId="{B9DF208E-C0BA-4D7B-92B7-FCDEDB798D4A}" destId="{3B2D83F4-FDE1-4EE8-A4BE-C5FBFD45FFB4}" srcOrd="8" destOrd="0" presId="urn:microsoft.com/office/officeart/2005/8/layout/radial5"/>
+  </dgm:cxnLst>
+  <dgm:bg/>
+  <dgm:whole/>
+</dgm:dataModel>
+</file>
+
+<file path=ppt/diagrams/layout1.xml><?xml version="1.0" encoding="utf-8"?>
+<dgm:layoutDef xmlns:dgm="http://schemas.openxmlformats.org/drawingml/2006/diagram" xmlns:a="http://schemas.openxmlformats.org/drawingml/2006/main" uniqueId="urn:microsoft.com/office/officeart/2005/8/layout/radial5">
+  <dgm:title val=""/>
+  <dgm:desc val=""/>
+  <dgm:catLst>
+    <dgm:cat type="relationship" pri="23000"/>
+    <dgm:cat type="cycle" pri="11000"/>
+  </dgm:catLst>
+  <dgm:sampData>
+    <dgm:dataModel>
+      <dgm:ptLst>
+        <dgm:pt modelId="0" type="doc"/>
+        <dgm:pt modelId="1">
+          <dgm:prSet phldr="1"/>
+        </dgm:pt>
+        <dgm:pt modelId="11">
+          <dgm:prSet phldr="1"/>
+        </dgm:pt>
+        <dgm:pt modelId="12">
+          <dgm:prSet phldr="1"/>
+        </dgm:pt>
+        <dgm:pt modelId="13">
+          <dgm:prSet phldr="1"/>
+        </dgm:pt>
+        <dgm:pt modelId="14">
+          <dgm:prSet phldr="1"/>
+        </dgm:pt>
+      </dgm:ptLst>
+      <dgm:cxnLst>
+        <dgm:cxn modelId="2" srcId="0" destId="1" srcOrd="0" destOrd="0"/>
+        <dgm:cxn modelId="3" srcId="1" destId="11" srcOrd="0" destOrd="0"/>
+        <dgm:cxn modelId="4" srcId="1" destId="12" srcOrd="1" destOrd="0"/>
+        <dgm:cxn modelId="5" srcId="1" destId="13" srcOrd="2" destOrd="0"/>
+        <dgm:cxn modelId="6" srcId="1" destId="14" srcOrd="3" destOrd="0"/>
+      </dgm:cxnLst>
+      <dgm:bg/>
+      <dgm:whole/>
+    </dgm:dataModel>
+  </dgm:sampData>
+  <dgm:styleData>
+    <dgm:dataModel>
+      <dgm:ptLst>
+        <dgm:pt modelId="0" type="doc"/>
+        <dgm:pt modelId="1"/>
+        <dgm:pt modelId="11"/>
+        <dgm:pt modelId="12"/>
+        <dgm:pt modelId="13"/>
+      </dgm:ptLst>
+      <dgm:cxnLst>
+        <dgm:cxn modelId="2" srcId="0" destId="1" srcOrd="0" destOrd="0"/>
+        <dgm:cxn modelId="15" srcId="1" destId="11" srcOrd="0" destOrd="0"/>
+        <dgm:cxn modelId="16" srcId="1" destId="12" srcOrd="1" destOrd="0"/>
+        <dgm:cxn modelId="17" srcId="1" destId="13" srcOrd="2" destOrd="0"/>
+      </dgm:cxnLst>
+      <dgm:bg/>
+      <dgm:whole/>
+    </dgm:dataModel>
+  </dgm:styleData>
+  <dgm:clrData>
+    <dgm:dataModel>
+      <dgm:ptLst>
+        <dgm:pt modelId="0" type="doc"/>
+        <dgm:pt modelId="1"/>
+        <dgm:pt modelId="11"/>
+        <dgm:pt modelId="12"/>
+        <dgm:pt modelId="13"/>
+        <dgm:pt modelId="14"/>
+        <dgm:pt modelId="15"/>
+        <dgm:pt modelId="16"/>
+      </dgm:ptLst>
+      <dgm:cxnLst>
+        <dgm:cxn modelId="2" srcId="0" destId="1" srcOrd="0" destOrd="0"/>
+        <dgm:cxn modelId="16" srcId="1" destId="11" srcOrd="0" destOrd="0"/>
+        <dgm:cxn modelId="17" srcId="1" destId="12" srcOrd="1" destOrd="0"/>
+        <dgm:cxn modelId="18" srcId="1" destId="13" srcOrd="2" destOrd="0"/>
+        <dgm:cxn modelId="19" srcId="1" destId="14" srcOrd="3" destOrd="0"/>
+        <dgm:cxn modelId="20" srcId="1" destId="15" srcOrd="4" destOrd="0"/>
+        <dgm:cxn modelId="21" srcId="1" destId="16" srcOrd="5" destOrd="0"/>
+      </dgm:cxnLst>
+      <dgm:bg/>
+      <dgm:whole/>
+    </dgm:dataModel>
+  </dgm:clrData>
+  <dgm:layoutNode name="Name0">
+    <dgm:varLst>
+      <dgm:chMax val="1"/>
+      <dgm:dir/>
+      <dgm:animLvl val="ctr"/>
+      <dgm:resizeHandles val="exact"/>
+    </dgm:varLst>
+    <dgm:choose name="Name1">
+      <dgm:if name="Name2" func="var" arg="dir" op="equ" val="norm">
+        <dgm:alg type="cycle">
+          <dgm:param type="stAng" val="0"/>
+          <dgm:param type="spanAng" val="360"/>
+          <dgm:param type="ctrShpMap" val="fNode"/>
+        </dgm:alg>
+      </dgm:if>
+      <dgm:else name="Name3">
+        <dgm:alg type="cycle">
+          <dgm:param type="stAng" val="0"/>
+          <dgm:param type="spanAng" val="-360"/>
+          <dgm:param type="ctrShpMap" val="fNode"/>
+        </dgm:alg>
+      </dgm:else>
+    </dgm:choose>
+    <dgm:shape xmlns:r="http://schemas.openxmlformats.org/officeDocument/2006/relationships" r:blip="">
+      <dgm:adjLst/>
+    </dgm:shape>
+    <dgm:presOf/>
+    <dgm:constrLst>
+      <dgm:constr type="w" for="ch" forName="centerShape" refType="w"/>
+      <dgm:constr type="w" for="ch" forName="parTrans" refType="w" refFor="ch" refForName="centerShape" fact="0.4"/>
+      <dgm:constr type="w" for="ch" forName="node" refType="w" refFor="ch" refForName="centerShape" op="equ" fact="1.25"/>
+      <dgm:constr type="sp" refType="w" refFor="ch" refForName="centerShape" op="equ" fact="0.4"/>
+      <dgm:constr type="sibSp" refType="w" refFor="ch" refForName="node" fact="0.3"/>
+      <dgm:constr type="primFontSz" for="ch" forName="centerShape" val="65"/>
+      <dgm:constr type="primFontSz" for="des" forName="node" op="equ" val="65"/>
+      <dgm:constr type="primFontSz" for="des" forName="node" refType="primFontSz" refFor="ch" refForName="centerShape" op="lte"/>
+      <dgm:constr type="primFontSz" for="des" forName="connectorText" op="equ" val="55"/>
+      <dgm:constr type="primFontSz" for="des" forName="connectorText" refType="primFontSz" refFor="ch" refForName="centerShape" op="lte" fact="0.8"/>
+      <dgm:constr type="primFontSz" for="des" forName="connectorText" refType="primFontSz" refFor="des" refForName="node" op="lte"/>
+    </dgm:constrLst>
+    <dgm:choose name="Name4">
+      <dgm:if name="Name5" axis="ch ch" ptType="node node" st="1 1" cnt="1 0" func="cnt" op="lte" val="6">
+        <dgm:ruleLst>
+          <dgm:rule type="w" for="ch" forName="node" val="NaN" fact="1" max="NaN"/>
+        </dgm:ruleLst>
+      </dgm:if>
+      <dgm:if name="Name6" axis="ch ch" ptType="node node" st="1 1" cnt="1 0" func="cnt" op="lte" val="8">
+        <dgm:ruleLst>
+          <dgm:rule type="w" for="ch" forName="node" val="NaN" fact="0.9" max="NaN"/>
+        </dgm:ruleLst>
+      </dgm:if>
+      <dgm:if name="Name7" axis="ch ch" ptType="node node" st="1 1" cnt="1 0" func="cnt" op="lte" val="10">
+        <dgm:ruleLst>
+          <dgm:rule type="w" for="ch" forName="node" val="NaN" fact="0.8" max="NaN"/>
+        </dgm:ruleLst>
+      </dgm:if>
+      <dgm:if name="Name8" axis="ch ch" ptType="node node" st="1 1" cnt="1 0" func="cnt" op="lte" val="12">
+        <dgm:ruleLst>
+          <dgm:rule type="w" for="ch" forName="node" val="NaN" fact="0.7" max="NaN"/>
+        </dgm:ruleLst>
+      </dgm:if>
+      <dgm:if name="Name9" axis="ch ch" ptType="node node" st="1 1" cnt="1 0" func="cnt" op="lte" val="14">
+        <dgm:ruleLst>
+          <dgm:rule type="w" for="ch" forName="node" val="NaN" fact="0.6" max="NaN"/>
+        </dgm:ruleLst>
+      </dgm:if>
+      <dgm:else name="Name10">
+        <dgm:ruleLst>
+          <dgm:rule type="w" for="ch" forName="node" val="NaN" fact="0.5" max="NaN"/>
+        </dgm:ruleLst>
+      </dgm:else>
+    </dgm:choose>
+    <dgm:forEach name="Name11" axis="ch" ptType="node" cnt="1">
+      <dgm:layoutNode name="centerShape" styleLbl="node0">
+        <dgm:alg type="tx"/>
+        <dgm:shape xmlns:r="http://schemas.openxmlformats.org/officeDocument/2006/relationships" type="ellipse" r:blip="">
+          <dgm:adjLst/>
+        </dgm:shape>
+        <dgm:presOf axis="self"/>
+        <dgm:constrLst>
+          <dgm:constr type="h" refType="w"/>
+          <dgm:constr type="tMarg" refType="primFontSz" fact="0.1"/>
+          <dgm:constr type="bMarg" refType="primFontSz" fact="0.1"/>
+          <dgm:constr type="lMarg" refType="primFontSz" fact="0.1"/>
+          <dgm:constr type="rMarg" refType="primFontSz" fact="0.1"/>
+        </dgm:constrLst>
+        <dgm:ruleLst>
+          <dgm:rule type="primFontSz" val="5" fact="NaN" max="NaN"/>
+        </dgm:ruleLst>
+      </dgm:layoutNode>
+      <dgm:forEach name="Name12" axis="ch">
+        <dgm:forEach name="Name13" axis="self" ptType="parTrans">
+          <dgm:layoutNode name="parTrans" styleLbl="sibTrans2D1">
+            <dgm:alg type="conn">
+              <dgm:param type="begPts" val="auto"/>
+              <dgm:param type="endPts" val="auto"/>
+            </dgm:alg>
+            <dgm:shape xmlns:r="http://schemas.openxmlformats.org/officeDocument/2006/relationships" type="conn" r:blip="">
+              <dgm:adjLst/>
+            </dgm:shape>
+            <dgm:presOf axis="self"/>
+            <dgm:constrLst>
+              <dgm:constr type="h" refType="w" fact="0.85"/>
+            </dgm:constrLst>
+            <dgm:ruleLst/>
+            <dgm:layoutNode name="connectorText">
+              <dgm:alg type="tx">
+                <dgm:param type="autoTxRot" val="grav"/>
+              </dgm:alg>
+              <dgm:shape xmlns:r="http://schemas.openxmlformats.org/officeDocument/2006/relationships" type="conn" r:blip="" hideGeom="1">
+                <dgm:adjLst/>
+              </dgm:shape>
+              <dgm:presOf axis="self"/>
+              <dgm:constrLst>
+                <dgm:constr type="lMarg"/>
+                <dgm:constr type="rMarg"/>
+                <dgm:constr type="tMarg"/>
+                <dgm:constr type="bMarg"/>
+              </dgm:constrLst>
+              <dgm:ruleLst>
+                <dgm:rule type="primFontSz" val="5" fact="NaN" max="NaN"/>
+              </dgm:ruleLst>
+            </dgm:layoutNode>
+          </dgm:layoutNode>
+        </dgm:forEach>
+        <dgm:forEach name="Name14" axis="self" ptType="node">
+          <dgm:layoutNode name="node" styleLbl="node1">
+            <dgm:varLst>
+              <dgm:bulletEnabled val="1"/>
+            </dgm:varLst>
+            <dgm:alg type="tx">
+              <dgm:param type="txAnchorVertCh" val="mid"/>
+            </dgm:alg>
+            <dgm:shape xmlns:r="http://schemas.openxmlformats.org/officeDocument/2006/relationships" type="ellipse" r:blip="">
+              <dgm:adjLst/>
+            </dgm:shape>
+            <dgm:presOf axis="desOrSelf" ptType="node"/>
+            <dgm:constrLst>
+              <dgm:constr type="h" refType="w"/>
+              <dgm:constr type="tMarg" refType="primFontSz" fact="0.1"/>
+              <dgm:constr type="bMarg" refType="primFontSz" fact="0.1"/>
+              <dgm:constr type="lMarg" refType="primFontSz" fact="0.1"/>
+              <dgm:constr type="rMarg" refType="primFontSz" fact="0.1"/>
+            </dgm:constrLst>
+            <dgm:ruleLst>
+              <dgm:rule type="w" val="INF" fact="NaN" max="NaN"/>
+              <dgm:rule type="primFontSz" val="5" fact="NaN" max="NaN"/>
+            </dgm:ruleLst>
+          </dgm:layoutNode>
+        </dgm:forEach>
+      </dgm:forEach>
+    </dgm:forEach>
+  </dgm:layoutNode>
+</dgm:layoutDef>
+</file>
+
+<file path=ppt/diagrams/quickStyle1.xml><?xml version="1.0" encoding="utf-8"?>
+<dgm:styleDef xmlns:dgm="http://schemas.openxmlformats.org/drawingml/2006/diagram" xmlns:a="http://schemas.openxmlformats.org/drawingml/2006/main" uniqueId="urn:microsoft.com/office/officeart/2005/8/quickstyle/simple1">
+  <dgm:title val=""/>
+  <dgm:desc val=""/>
+  <dgm:catLst>
+    <dgm:cat type="simple" pri="10100"/>
+  </dgm:catLst>
+  <dgm:scene3d>
+    <a:camera prst="orthographicFront"/>
+    <a:lightRig rig="threePt" dir="t"/>
+  </dgm:scene3d>
+  <dgm:styleLbl name="node0">
+    <dgm:scene3d>
+      <a:camera prst="orthographicFront"/>
+      <a:lightRig rig="threePt" dir="t"/>
+    </dgm:scene3d>
+    <dgm:sp3d/>
+    <dgm:txPr/>
+    <dgm:style>
+      <a:lnRef idx="2">
+        <a:scrgbClr r="0" g="0" b="0"/>
+      </a:lnRef>
+      <a:fillRef idx="1">
+        <a:scrgbClr r="0" g="0" b="0"/>
+      </a:fillRef>
+      <a:effectRef idx="0">
+        <a:scrgbClr r="0" g="0" b="0"/>
+      </a:effectRef>
+      <a:fontRef idx="minor">
+        <a:schemeClr val="lt1"/>
+      </a:fontRef>
+    </dgm:style>
+  </dgm:styleLbl>
+  <dgm:styleLbl name="lnNode1">
+    <dgm:scene3d>
+      <a:camera prst="orthographicFront"/>
+      <a:lightRig rig="threePt" dir="t"/>
+    </dgm:scene3d>
+    <dgm:sp3d/>
+    <dgm:txPr/>
+    <dgm:style>
+      <a:lnRef idx="2">
+        <a:scrgbClr r="0" g="0" b="0"/>
+      </a:lnRef>
+      <a:fillRef idx="1">
+        <a:scrgbClr r="0" g="0" b="0"/>
+      </a:fillRef>
+      <a:effectRef idx="0">
+        <a:scrgbClr r="0" g="0" b="0"/>
+      </a:effectRef>
+      <a:fontRef idx="minor">
+        <a:schemeClr val="lt1"/>
+      </a:fontRef>
+    </dgm:style>
+  </dgm:styleLbl>
+  <dgm:styleLbl name="vennNode1">
+    <dgm:scene3d>
+      <a:camera prst="orthographicFront"/>
+      <a:lightRig rig="threePt" dir="t"/>
+    </dgm:scene3d>
+    <dgm:sp3d/>
+    <dgm:txPr/>
+    <dgm:style>
+      <a:lnRef idx="2">
+        <a:scrgbClr r="0" g="0" b="0"/>
+      </a:lnRef>
+      <a:fillRef idx="1">
+        <a:scrgbClr r="0" g="0" b="0"/>
+      </a:fillRef>
+      <a:effectRef idx="0">
+        <a:scrgbClr r="0" g="0" b="0"/>
+      </a:effectRef>
+      <a:fontRef idx="minor">
+        <a:schemeClr val="tx1"/>
+      </a:fontRef>
+    </dgm:style>
+  </dgm:styleLbl>
+  <dgm:styleLbl name="alignNode1">
+    <dgm:scene3d>
+      <a:camera prst="orthographicFront"/>
+      <a:lightRig rig="threePt" dir="t"/>
+    </dgm:scene3d>
+    <dgm:sp3d/>
+    <dgm:txPr/>
+    <dgm:style>
+      <a:lnRef idx="2">
+        <a:scrgbClr r="0" g="0" b="0"/>
+      </a:lnRef>
+      <a:fillRef idx="1">
+        <a:scrgbClr r="0" g="0" b="0"/>
+      </a:fillRef>
+      <a:effectRef idx="0">
+        <a:scrgbClr r="0" g="0" b="0"/>
+      </a:effectRef>
+      <a:fontRef idx="minor">
+        <a:schemeClr val="lt1"/>
+      </a:fontRef>
+    </dgm:style>
+  </dgm:styleLbl>
+  <dgm:styleLbl name="node1">
+    <dgm:scene3d>
+      <a:camera prst="orthographicFront"/>
+      <a:lightRig rig="threePt" dir="t"/>
+    </dgm:scene3d>
+    <dgm:sp3d/>
+    <dgm:txPr/>
+    <dgm:style>
+      <a:lnRef idx="2">
+        <a:scrgbClr r="0" g="0" b="0"/>
+      </a:lnRef>
+      <a:fillRef idx="1">
+        <a:scrgbClr r="0" g="0" b="0"/>
+      </a:fillRef>
+      <a:effectRef idx="0">
+        <a:scrgbClr r="0" g="0" b="0"/>
+      </a:effectRef>
+      <a:fontRef idx="minor">
+        <a:schemeClr val="lt1"/>
+      </a:fontRef>
+    </dgm:style>
+  </dgm:styleLbl>
+  <dgm:styleLbl name="node2">
+    <dgm:scene3d>
+      <a:camera prst="orthographicFront"/>
+      <a:lightRig rig="threePt" dir="t"/>
+    </dgm:scene3d>
+    <dgm:sp3d/>
+    <dgm:txPr/>
+    <dgm:style>
+      <a:lnRef idx="2">
+        <a:scrgbClr r="0" g="0" b="0"/>
+      </a:lnRef>
+      <a:fillRef idx="1">
+        <a:scrgbClr r="0" g="0" b="0"/>
+      </a:fillRef>
+      <a:effectRef idx="0">
+        <a:scrgbClr r="0" g="0" b="0"/>
+      </a:effectRef>
+      <a:fontRef idx="minor">
+        <a:schemeClr val="lt1"/>
+      </a:fontRef>
+    </dgm:style>
+  </dgm:styleLbl>
+  <dgm:styleLbl name="node3">
+    <dgm:scene3d>
+      <a:camera prst="orthographicFront"/>
+      <a:lightRig rig="threePt" dir="t"/>
+    </dgm:scene3d>
+    <dgm:sp3d/>
+    <dgm:txPr/>
+    <dgm:style>
+      <a:lnRef idx="2">
+        <a:scrgbClr r="0" g="0" b="0"/>
+      </a:lnRef>
+      <a:fillRef idx="1">
+        <a:scrgbClr r="0" g="0" b="0"/>
+      </a:fillRef>
+      <a:effectRef idx="0">
+        <a:scrgbClr r="0" g="0" b="0"/>
+      </a:effectRef>
+      <a:fontRef idx="minor">
+        <a:schemeClr val="lt1"/>
+      </a:fontRef>
+    </dgm:style>
+  </dgm:styleLbl>
+  <dgm:styleLbl name="node4">
+    <dgm:scene3d>
+      <a:camera prst="orthographicFront"/>
+      <a:lightRig rig="threePt" dir="t"/>
+    </dgm:scene3d>
+    <dgm:sp3d/>
+    <dgm:txPr/>
+    <dgm:style>
+      <a:lnRef idx="2">
+        <a:scrgbClr r="0" g="0" b="0"/>
+      </a:lnRef>
+      <a:fillRef idx="1">
+        <a:scrgbClr r="0" g="0" b="0"/>
+      </a:fillRef>
+      <a:effectRef idx="0">
+        <a:scrgbClr r="0" g="0" b="0"/>
+      </a:effectRef>
+      <a:fontRef idx="minor">
+        <a:schemeClr val="lt1"/>
+      </a:fontRef>
+    </dgm:style>
+  </dgm:styleLbl>
+  <dgm:styleLbl name="fgImgPlace1">
+    <dgm:scene3d>
+      <a:camera prst="orthographicFront"/>
+      <a:lightRig rig="threePt" dir="t"/>
+    </dgm:scene3d>
+    <dgm:sp3d/>
+    <dgm:txPr/>
+    <dgm:style>
+      <a:lnRef idx="2">
+        <a:scrgbClr r="0" g="0" b="0"/>
+      </a:lnRef>
+      <a:fillRef idx="1">
+        <a:scrgbClr r="0" g="0" b="0"/>
+      </a:fillRef>
+      <a:effectRef idx="0">
+        <a:scrgbClr r="0" g="0" b="0"/>
+      </a:effectRef>
+      <a:fontRef idx="minor"/>
+    </dgm:style>
+  </dgm:styleLbl>
+  <dgm:styleLbl name="alignImgPlace1">
+    <dgm:scene3d>
+      <a:camera prst="orthographicFront"/>
+      <a:lightRig rig="threePt" dir="t"/>
+    </dgm:scene3d>
+    <dgm:sp3d/>
+    <dgm:txPr/>
+    <dgm:style>
+      <a:lnRef idx="2">
+        <a:scrgbClr r="0" g="0" b="0"/>
+      </a:lnRef>
+      <a:fillRef idx="1">
+        <a:scrgbClr r="0" g="0" b="0"/>
+      </a:fillRef>
+      <a:effectRef idx="0">
+        <a:scrgbClr r="0" g="0" b="0"/>
+      </a:effectRef>
+      <a:fontRef idx="minor"/>
+    </dgm:style>
+  </dgm:styleLbl>
+  <dgm:styleLbl name="bgImgPlace1">
+    <dgm:scene3d>
+      <a:camera prst="orthographicFront"/>
+      <a:lightRig rig="threePt" dir="t"/>
+    </dgm:scene3d>
+    <dgm:sp3d/>
+    <dgm:txPr/>
+    <dgm:style>
+      <a:lnRef idx="2">
+        <a:scrgbClr r="0" g="0" b="0"/>
+      </a:lnRef>
+      <a:fillRef idx="1">
+        <a:scrgbClr r="0" g="0" b="0"/>
+      </a:fillRef>
+      <a:effectRef idx="0">
+        <a:scrgbClr r="0" g="0" b="0"/>
+      </a:effectRef>
+      <a:fontRef idx="minor"/>
+    </dgm:style>
+  </dgm:styleLbl>
+  <dgm:styleLbl name="sibTrans2D1">
+    <dgm:scene3d>
+      <a:camera prst="orthographicFront"/>
+      <a:lightRig rig="threePt" dir="t"/>
+    </dgm:scene3d>
+    <dgm:sp3d/>
+    <dgm:txPr/>
+    <dgm:style>
+      <a:lnRef idx="0">
+        <a:scrgbClr r="0" g="0" b="0"/>
+      </a:lnRef>
+      <a:fillRef idx="1">
+        <a:scrgbClr r="0" g="0" b="0"/>
+      </a:fillRef>
+      <a:effectRef idx="0">
+        <a:scrgbClr r="0" g="0" b="0"/>
+      </a:effectRef>
+      <a:fontRef idx="minor">
+        <a:schemeClr val="lt1"/>
+      </a:fontRef>
+    </dgm:style>
+  </dgm:styleLbl>
+  <dgm:styleLbl name="fgSibTrans2D1">
+    <dgm:scene3d>
+      <a:camera prst="orthographicFront"/>
+      <a:lightRig rig="threePt" dir="t"/>
+    </dgm:scene3d>
+    <dgm:sp3d/>
+    <dgm:txPr/>
+    <dgm:style>
+      <a:lnRef idx="0">
+        <a:scrgbClr r="0" g="0" b="0"/>
+      </a:lnRef>
+      <a:fillRef idx="1">
+        <a:scrgbClr r="0" g="0" b="0"/>
+      </a:fillRef>
+      <a:effectRef idx="0">
+        <a:scrgbClr r="0" g="0" b="0"/>
+      </a:effectRef>
+      <a:fontRef idx="minor">
+        <a:schemeClr val="lt1"/>
+      </a:fontRef>
+    </dgm:style>
+  </dgm:styleLbl>
+  <dgm:styleLbl name="bgSibTrans2D1">
+    <dgm:scene3d>
+      <a:camera prst="orthographicFront"/>
+      <a:lightRig rig="threePt" dir="t"/>
+    </dgm:scene3d>
+    <dgm:sp3d/>
+    <dgm:txPr/>
+    <dgm:style>
+      <a:lnRef idx="0">
+        <a:scrgbClr r="0" g="0" b="0"/>
+      </a:lnRef>
+      <a:fillRef idx="1">
+        <a:scrgbClr r="0" g="0" b="0"/>
+      </a:fillRef>
+      <a:effectRef idx="0">
+        <a:scrgbClr r="0" g="0" b="0"/>
+      </a:effectRef>
+      <a:fontRef idx="minor">
+        <a:schemeClr val="lt1"/>
+      </a:fontRef>
+    </dgm:style>
+  </dgm:styleLbl>
+  <dgm:styleLbl name="sibTrans1D1">
+    <dgm:scene3d>
+      <a:camera prst="orthographicFront"/>
+      <a:lightRig rig="threePt" dir="t"/>
+    </dgm:scene3d>
+    <dgm:sp3d/>
+    <dgm:txPr/>
+    <dgm:style>
+      <a:lnRef idx="1">
+        <a:scrgbClr r="0" g="0" b="0"/>
+      </a:lnRef>
+      <a:fillRef idx="0">
+        <a:scrgbClr r="0" g="0" b="0"/>
+      </a:fillRef>
+      <a:effectRef idx="0">
+        <a:scrgbClr r="0" g="0" b="0"/>
+      </a:effectRef>
+      <a:fontRef idx="minor"/>
+    </dgm:style>
+  </dgm:styleLbl>
+  <dgm:styleLbl name="callout">
+    <dgm:scene3d>
+      <a:camera prst="orthographicFront"/>
+      <a:lightRig rig="threePt" dir="t"/>
+    </dgm:scene3d>
+    <dgm:sp3d/>
+    <dgm:txPr/>
+    <dgm:style>
+      <a:lnRef idx="2">
+        <a:scrgbClr r="0" g="0" b="0"/>
+      </a:lnRef>
+      <a:fillRef idx="1">
+        <a:scrgbClr r="0" g="0" b="0"/>
+      </a:fillRef>
+      <a:effectRef idx="0">
+        <a:scrgbClr r="0" g="0" b="0"/>
+      </a:effectRef>
+      <a:fontRef idx="minor"/>
+    </dgm:style>
+  </dgm:styleLbl>
+  <dgm:styleLbl name="asst0">
+    <dgm:scene3d>
+      <a:camera prst="orthographicFront"/>
+      <a:lightRig rig="threePt" dir="t"/>
+    </dgm:scene3d>
+    <dgm:sp3d/>
+    <dgm:txPr/>
+    <dgm:style>
+      <a:lnRef idx="2">
+        <a:scrgbClr r="0" g="0" b="0"/>
+      </a:lnRef>
+      <a:fillRef idx="1">
+        <a:scrgbClr r="0" g="0" b="0"/>
+      </a:fillRef>
+      <a:effectRef idx="0">
+        <a:scrgbClr r="0" g="0" b="0"/>
+      </a:effectRef>
+      <a:fontRef idx="minor">
+        <a:schemeClr val="lt1"/>
+      </a:fontRef>
+    </dgm:style>
+  </dgm:styleLbl>
+  <dgm:styleLbl name="asst1">
+    <dgm:scene3d>
+      <a:camera prst="orthographicFront"/>
+      <a:lightRig rig="threePt" dir="t"/>
+    </dgm:scene3d>
+    <dgm:sp3d/>
+    <dgm:txPr/>
+    <dgm:style>
+      <a:lnRef idx="2">
+        <a:scrgbClr r="0" g="0" b="0"/>
+      </a:lnRef>
+      <a:fillRef idx="1">
+        <a:scrgbClr r="0" g="0" b="0"/>
+      </a:fillRef>
+      <a:effectRef idx="0">
+        <a:scrgbClr r="0" g="0" b="0"/>
+      </a:effectRef>
+      <a:fontRef idx="minor">
+        <a:schemeClr val="lt1"/>
+      </a:fontRef>
+    </dgm:style>
+  </dgm:styleLbl>
+  <dgm:styleLbl name="asst2">
+    <dgm:scene3d>
+      <a:camera prst="orthographicFront"/>
+      <a:lightRig rig="threePt" dir="t"/>
+    </dgm:scene3d>
+    <dgm:sp3d/>
+    <dgm:txPr/>
+    <dgm:style>
+      <a:lnRef idx="2">
+        <a:scrgbClr r="0" g="0" b="0"/>
+      </a:lnRef>
+      <a:fillRef idx="1">
+        <a:scrgbClr r="0" g="0" b="0"/>
+      </a:fillRef>
+      <a:effectRef idx="0">
+        <a:scrgbClr r="0" g="0" b="0"/>
+      </a:effectRef>
+      <a:fontRef idx="minor">
+        <a:schemeClr val="lt1"/>
+      </a:fontRef>
+    </dgm:style>
+  </dgm:styleLbl>
+  <dgm:styleLbl name="asst3">
+    <dgm:scene3d>
+      <a:camera prst="orthographicFront"/>
+      <a:lightRig rig="threePt" dir="t"/>
+    </dgm:scene3d>
+    <dgm:sp3d/>
+    <dgm:txPr/>
+    <dgm:style>
+      <a:lnRef idx="2">
+        <a:scrgbClr r="0" g="0" b="0"/>
+      </a:lnRef>
+      <a:fillRef idx="1">
+        <a:scrgbClr r="0" g="0" b="0"/>
+      </a:fillRef>
+      <a:effectRef idx="0">
+        <a:scrgbClr r="0" g="0" b="0"/>
+      </a:effectRef>
+      <a:fontRef idx="minor">
+        <a:schemeClr val="lt1"/>
+      </a:fontRef>
+    </dgm:style>
+  </dgm:styleLbl>
+  <dgm:styleLbl name="asst4">
+    <dgm:scene3d>
+      <a:camera prst="orthographicFront"/>
+      <a:lightRig rig="threePt" dir="t"/>
+    </dgm:scene3d>
+    <dgm:sp3d/>
+    <dgm:txPr/>
+    <dgm:style>
+      <a:lnRef idx="2">
+        <a:scrgbClr r="0" g="0" b="0"/>
+      </a:lnRef>
+      <a:fillRef idx="1">
+        <a:scrgbClr r="0" g="0" b="0"/>
+      </a:fillRef>
+      <a:effectRef idx="0">
+        <a:scrgbClr r="0" g="0" b="0"/>
+      </a:effectRef>
+      <a:fontRef idx="minor">
+        <a:schemeClr val="lt1"/>
+      </a:fontRef>
+    </dgm:style>
+  </dgm:styleLbl>
+  <dgm:styleLbl name="parChTrans2D1">
+    <dgm:scene3d>
+      <a:camera prst="orthographicFront"/>
+      <a:lightRig rig="threePt" dir="t"/>
+    </dgm:scene3d>
+    <dgm:sp3d/>
+    <dgm:txPr/>
+    <dgm:style>
+      <a:lnRef idx="2">
+        <a:scrgbClr r="0" g="0" b="0"/>
+      </a:lnRef>
+      <a:fillRef idx="1">
+        <a:scrgbClr r="0" g="0" b="0"/>
+      </a:fillRef>
+      <a:effectRef idx="0">
+        <a:scrgbClr r="0" g="0" b="0"/>
+      </a:effectRef>
+      <a:fontRef idx="minor">
+        <a:schemeClr val="lt1"/>
+      </a:fontRef>
+    </dgm:style>
+  </dgm:styleLbl>
+  <dgm:styleLbl name="parChTrans2D2">
+    <dgm:scene3d>
+      <a:camera prst="orthographicFront"/>
+      <a:lightRig rig="threePt" dir="t"/>
+    </dgm:scene3d>
+    <dgm:sp3d/>
+    <dgm:txPr/>
+    <dgm:style>
+      <a:lnRef idx="2">
+        <a:scrgbClr r="0" g="0" b="0"/>
+      </a:lnRef>
+      <a:fillRef idx="1">
+        <a:scrgbClr r="0" g="0" b="0"/>
+      </a:fillRef>
+      <a:effectRef idx="0">
+        <a:scrgbClr r="0" g="0" b="0"/>
+      </a:effectRef>
+      <a:fontRef idx="minor">
+        <a:schemeClr val="lt1"/>
+      </a:fontRef>
+    </dgm:style>
+  </dgm:styleLbl>
+  <dgm:styleLbl name="parChTrans2D3">
+    <dgm:scene3d>
+      <a:camera prst="orthographicFront"/>
+      <a:lightRig rig="threePt" dir="t"/>
+    </dgm:scene3d>
+    <dgm:sp3d/>
+    <dgm:txPr/>
+    <dgm:style>
+      <a:lnRef idx="2">
+        <a:scrgbClr r="0" g="0" b="0"/>
+      </a:lnRef>
+      <a:fillRef idx="1">
+        <a:scrgbClr r="0" g="0" b="0"/>
+      </a:fillRef>
+      <a:effectRef idx="0">
+        <a:scrgbClr r="0" g="0" b="0"/>
+      </a:effectRef>
+      <a:fontRef idx="minor">
+        <a:schemeClr val="lt1"/>
+      </a:fontRef>
+    </dgm:style>
+  </dgm:styleLbl>
+  <dgm:styleLbl name="parChTrans2D4">
+    <dgm:scene3d>
+      <a:camera prst="orthographicFront"/>
+      <a:lightRig rig="threePt" dir="t"/>
+    </dgm:scene3d>
+    <dgm:sp3d/>
+    <dgm:txPr/>
+    <dgm:style>
+      <a:lnRef idx="2">
+        <a:scrgbClr r="0" g="0" b="0"/>
+      </a:lnRef>
+      <a:fillRef idx="1">
+        <a:scrgbClr r="0" g="0" b="0"/>
+      </a:fillRef>
+      <a:effectRef idx="0">
+        <a:scrgbClr r="0" g="0" b="0"/>
+      </a:effectRef>
+      <a:fontRef idx="minor">
+        <a:schemeClr val="lt1"/>
+      </a:fontRef>
+    </dgm:style>
+  </dgm:styleLbl>
+  <dgm:styleLbl name="parChTrans1D1">
+    <dgm:scene3d>
+      <a:camera prst="orthographicFront"/>
+      <a:lightRig rig="threePt" dir="t"/>
+    </dgm:scene3d>
+    <dgm:sp3d/>
+    <dgm:txPr/>
+    <dgm:style>
+      <a:lnRef idx="2">
+        <a:scrgbClr r="0" g="0" b="0"/>
+      </a:lnRef>
+      <a:fillRef idx="0">
+        <a:scrgbClr r="0" g="0" b="0"/>
+      </a:fillRef>
+      <a:effectRef idx="0">
+        <a:scrgbClr r="0" g="0" b="0"/>
+      </a:effectRef>
+      <a:fontRef idx="minor"/>
+    </dgm:style>
+  </dgm:styleLbl>
+  <dgm:styleLbl name="parChTrans1D2">
+    <dgm:scene3d>
+      <a:camera prst="orthographicFront"/>
+      <a:lightRig rig="threePt" dir="t"/>
+    </dgm:scene3d>
+    <dgm:sp3d/>
+    <dgm:txPr/>
+    <dgm:style>
+      <a:lnRef idx="2">
+        <a:scrgbClr r="0" g="0" b="0"/>
+      </a:lnRef>
+      <a:fillRef idx="0">
+        <a:scrgbClr r="0" g="0" b="0"/>
+      </a:fillRef>
+      <a:effectRef idx="0">
+        <a:scrgbClr r="0" g="0" b="0"/>
+      </a:effectRef>
+      <a:fontRef idx="minor"/>
+    </dgm:style>
+  </dgm:styleLbl>
+  <dgm:styleLbl name="parChTrans1D3">
+    <dgm:scene3d>
+      <a:camera prst="orthographicFront"/>
+      <a:lightRig rig="threePt" dir="t"/>
+    </dgm:scene3d>
+    <dgm:sp3d/>
+    <dgm:txPr/>
+    <dgm:style>
+      <a:lnRef idx="2">
+        <a:scrgbClr r="0" g="0" b="0"/>
+      </a:lnRef>
+      <a:fillRef idx="0">
+        <a:scrgbClr r="0" g="0" b="0"/>
+      </a:fillRef>
+      <a:effectRef idx="0">
+        <a:scrgbClr r="0" g="0" b="0"/>
+      </a:effectRef>
+      <a:fontRef idx="minor"/>
+    </dgm:style>
+  </dgm:styleLbl>
+  <dgm:styleLbl name="parChTrans1D4">
+    <dgm:scene3d>
+      <a:camera prst="orthographicFront"/>
+      <a:lightRig rig="threePt" dir="t"/>
+    </dgm:scene3d>
+    <dgm:sp3d/>
+    <dgm:txPr/>
+    <dgm:style>
+      <a:lnRef idx="2">
+        <a:scrgbClr r="0" g="0" b="0"/>
+      </a:lnRef>
+      <a:fillRef idx="0">
+        <a:scrgbClr r="0" g="0" b="0"/>
+      </a:fillRef>
+      <a:effectRef idx="0">
+        <a:scrgbClr r="0" g="0" b="0"/>
+      </a:effectRef>
+      <a:fontRef idx="minor"/>
+    </dgm:style>
+  </dgm:styleLbl>
+  <dgm:styleLbl name="fgAcc1">
+    <dgm:scene3d>
+      <a:camera prst="orthographicFront"/>
+      <a:lightRig rig="threePt" dir="t"/>
+    </dgm:scene3d>
+    <dgm:sp3d/>
+    <dgm:txPr/>
+    <dgm:style>
+      <a:lnRef idx="2">
+        <a:scrgbClr r="0" g="0" b="0"/>
+      </a:lnRef>
+      <a:fillRef idx="1">
+        <a:scrgbClr r="0" g="0" b="0"/>
+      </a:fillRef>
+      <a:effectRef idx="0">
+        <a:scrgbClr r="0" g="0" b="0"/>
+      </a:effectRef>
+      <a:fontRef idx="minor"/>
+    </dgm:style>
+  </dgm:styleLbl>
+  <dgm:styleLbl name="conFgAcc1">
+    <dgm:scene3d>
+      <a:camera prst="orthographicFront"/>
+      <a:lightRig rig="threePt" dir="t"/>
+    </dgm:scene3d>
+    <dgm:sp3d/>
+    <dgm:txPr/>
+    <dgm:style>
+      <a:lnRef idx="2">
+        <a:scrgbClr r="0" g="0" b="0"/>
+      </a:lnRef>
+      <a:fillRef idx="1">
+        <a:scrgbClr r="0" g="0" b="0"/>
+      </a:fillRef>
+      <a:effectRef idx="0">
+        <a:scrgbClr r="0" g="0" b="0"/>
+      </a:effectRef>
+      <a:fontRef idx="minor"/>
+    </dgm:style>
+  </dgm:styleLbl>
+  <dgm:styleLbl name="alignAcc1">
+    <dgm:scene3d>
+      <a:camera prst="orthographicFront"/>
+      <a:lightRig rig="threePt" dir="t"/>
+    </dgm:scene3d>
+    <dgm:sp3d/>
+    <dgm:txPr/>
+    <dgm:style>
+      <a:lnRef idx="2">
+        <a:scrgbClr r="0" g="0" b="0"/>
+      </a:lnRef>
+      <a:fillRef idx="1">
+        <a:scrgbClr r="0" g="0" b="0"/>
+      </a:fillRef>
+      <a:effectRef idx="0">
+        <a:scrgbClr r="0" g="0" b="0"/>
+      </a:effectRef>
+      <a:fontRef idx="minor"/>
+    </dgm:style>
+  </dgm:styleLbl>
+  <dgm:styleLbl name="trAlignAcc1">
+    <dgm:scene3d>
+      <a:camera prst="orthographicFront"/>
+      <a:lightRig rig="threePt" dir="t"/>
+    </dgm:scene3d>
+    <dgm:sp3d/>
+    <dgm:txPr/>
+    <dgm:style>
+      <a:lnRef idx="1">
+        <a:scrgbClr r="0" g="0" b="0"/>
+      </a:lnRef>
+      <a:fillRef idx="1">
+        <a:scrgbClr r="0" g="0" b="0"/>
+      </a:fillRef>
+      <a:effectRef idx="0">
+        <a:scrgbClr r="0" g="0" b="0"/>
+      </a:effectRef>
+      <a:fontRef idx="minor"/>
+    </dgm:style>
+  </dgm:styleLbl>
+  <dgm:styleLbl name="bgAcc1">
+    <dgm:scene3d>
+      <a:camera prst="orthographicFront"/>
+      <a:lightRig rig="threePt" dir="t"/>
+    </dgm:scene3d>
+    <dgm:sp3d/>
+    <dgm:txPr/>
+    <dgm:style>
+      <a:lnRef idx="2">
+        <a:scrgbClr r="0" g="0" b="0"/>
+      </a:lnRef>
+      <a:fillRef idx="1">
+        <a:scrgbClr r="0" g="0" b="0"/>
+      </a:fillRef>
+      <a:effectRef idx="0">
+        <a:scrgbClr r="0" g="0" b="0"/>
+      </a:effectRef>
+      <a:fontRef idx="minor"/>
+    </dgm:style>
+  </dgm:styleLbl>
+  <dgm:styleLbl name="solidFgAcc1">
+    <dgm:scene3d>
+      <a:camera prst="orthographicFront"/>
+      <a:lightRig rig="threePt" dir="t"/>
+    </dgm:scene3d>
+    <dgm:sp3d/>
+    <dgm:txPr/>
+    <dgm:style>
+      <a:lnRef idx="2">
+        <a:scrgbClr r="0" g="0" b="0"/>
+      </a:lnRef>
+      <a:fillRef idx="1">
+        <a:scrgbClr r="0" g="0" b="0"/>
+      </a:fillRef>
+      <a:effectRef idx="0">
+        <a:scrgbClr r="0" g="0" b="0"/>
+      </a:effectRef>
+      <a:fontRef idx="minor"/>
+    </dgm:style>
+  </dgm:styleLbl>
+  <dgm:styleLbl name="solidAlignAcc1">
+    <dgm:scene3d>
+      <a:camera prst="orthographicFront"/>
+      <a:lightRig rig="threePt" dir="t"/>
+    </dgm:scene3d>
+    <dgm:sp3d/>
+    <dgm:txPr/>
+    <dgm:style>
+      <a:lnRef idx="2">
+        <a:scrgbClr r="0" g="0" b="0"/>
+      </a:lnRef>
+      <a:fillRef idx="1">
+        <a:scrgbClr r="0" g="0" b="0"/>
+      </a:fillRef>
+      <a:effectRef idx="0">
+        <a:scrgbClr r="0" g="0" b="0"/>
+      </a:effectRef>
+      <a:fontRef idx="minor"/>
+    </dgm:style>
+  </dgm:styleLbl>
+  <dgm:styleLbl name="solidBgAcc1">
+    <dgm:scene3d>
+      <a:camera prst="orthographicFront"/>
+      <a:lightRig rig="threePt" dir="t"/>
+    </dgm:scene3d>
+    <dgm:sp3d/>
+    <dgm:txPr/>
+    <dgm:style>
+      <a:lnRef idx="2">
+        <a:scrgbClr r="0" g="0" b="0"/>
+      </a:lnRef>
+      <a:fillRef idx="1">
+        <a:scrgbClr r="0" g="0" b="0"/>
+      </a:fillRef>
+      <a:effectRef idx="0">
+        <a:scrgbClr r="0" g="0" b="0"/>
+      </a:effectRef>
+      <a:fontRef idx="minor"/>
+    </dgm:style>
+  </dgm:styleLbl>
+  <dgm:styleLbl name="fgAccFollowNode1">
+    <dgm:scene3d>
+      <a:camera prst="orthographicFront"/>
+      <a:lightRig rig="threePt" dir="t"/>
+    </dgm:scene3d>
+    <dgm:sp3d/>
+    <dgm:txPr/>
+    <dgm:style>
+      <a:lnRef idx="2">
+        <a:scrgbClr r="0" g="0" b="0"/>
+      </a:lnRef>
+      <a:fillRef idx="1">
+        <a:scrgbClr r="0" g="0" b="0"/>
+      </a:fillRef>
+      <a:effectRef idx="0">
+        <a:scrgbClr r="0" g="0" b="0"/>
+      </a:effectRef>
+      <a:fontRef idx="minor"/>
+    </dgm:style>
+  </dgm:styleLbl>
+  <dgm:styleLbl name="alignAccFollowNode1">
+    <dgm:scene3d>
+      <a:camera prst="orthographicFront"/>
+      <a:lightRig rig="threePt" dir="t"/>
+    </dgm:scene3d>
+    <dgm:sp3d/>
+    <dgm:txPr/>
+    <dgm:style>
+      <a:lnRef idx="2">
+        <a:scrgbClr r="0" g="0" b="0"/>
+      </a:lnRef>
+      <a:fillRef idx="1">
+        <a:scrgbClr r="0" g="0" b="0"/>
+      </a:fillRef>
+      <a:effectRef idx="0">
+        <a:scrgbClr r="0" g="0" b="0"/>
+      </a:effectRef>
+      <a:fontRef idx="minor"/>
+    </dgm:style>
+  </dgm:styleLbl>
+  <dgm:styleLbl name="bgAccFollowNode1">
+    <dgm:scene3d>
+      <a:camera prst="orthographicFront"/>
+      <a:lightRig rig="threePt" dir="t"/>
+    </dgm:scene3d>
+    <dgm:sp3d/>
+    <dgm:txPr/>
+    <dgm:style>
+      <a:lnRef idx="2">
+        <a:scrgbClr r="0" g="0" b="0"/>
+      </a:lnRef>
+      <a:fillRef idx="1">
+        <a:scrgbClr r="0" g="0" b="0"/>
+      </a:fillRef>
+      <a:effectRef idx="0">
+        <a:scrgbClr r="0" g="0" b="0"/>
+      </a:effectRef>
+      <a:fontRef idx="minor"/>
+    </dgm:style>
+  </dgm:styleLbl>
+  <dgm:styleLbl name="fgAcc0">
+    <dgm:scene3d>
+      <a:camera prst="orthographicFront"/>
+      <a:lightRig rig="threePt" dir="t"/>
+    </dgm:scene3d>
+    <dgm:sp3d/>
+    <dgm:txPr/>
+    <dgm:style>
+      <a:lnRef idx="2">
+        <a:scrgbClr r="0" g="0" b="0"/>
+      </a:lnRef>
+      <a:fillRef idx="1">
+        <a:scrgbClr r="0" g="0" b="0"/>
+      </a:fillRef>
+      <a:effectRef idx="0">
+        <a:scrgbClr r="0" g="0" b="0"/>
+      </a:effectRef>
+      <a:fontRef idx="minor"/>
+    </dgm:style>
+  </dgm:styleLbl>
+  <dgm:styleLbl name="fgAcc2">
+    <dgm:scene3d>
+      <a:camera prst="orthographicFront"/>
+      <a:lightRig rig="threePt" dir="t"/>
+    </dgm:scene3d>
+    <dgm:sp3d/>
+    <dgm:txPr/>
+    <dgm:style>
+      <a:lnRef idx="2">
+        <a:scrgbClr r="0" g="0" b="0"/>
+      </a:lnRef>
+      <a:fillRef idx="1">
+        <a:scrgbClr r="0" g="0" b="0"/>
+      </a:fillRef>
+      <a:effectRef idx="0">
+        <a:scrgbClr r="0" g="0" b="0"/>
+      </a:effectRef>
+      <a:fontRef idx="minor"/>
+    </dgm:style>
+  </dgm:styleLbl>
+  <dgm:styleLbl name="fgAcc3">
+    <dgm:scene3d>
+      <a:camera prst="orthographicFront"/>
+      <a:lightRig rig="threePt" dir="t"/>
+    </dgm:scene3d>
+    <dgm:sp3d/>
+    <dgm:txPr/>
+    <dgm:style>
+      <a:lnRef idx="2">
+        <a:scrgbClr r="0" g="0" b="0"/>
+      </a:lnRef>
+      <a:fillRef idx="1">
+        <a:scrgbClr r="0" g="0" b="0"/>
+      </a:fillRef>
+      <a:effectRef idx="0">
+        <a:scrgbClr r="0" g="0" b="0"/>
+      </a:effectRef>
+      <a:fontRef idx="minor"/>
+    </dgm:style>
+  </dgm:styleLbl>
+  <dgm:styleLbl name="fgAcc4">
+    <dgm:scene3d>
+      <a:camera prst="orthographicFront"/>
+      <a:lightRig rig="threePt" dir="t"/>
+    </dgm:scene3d>
+    <dgm:sp3d/>
+    <dgm:txPr/>
+    <dgm:style>
+      <a:lnRef idx="2">
+        <a:scrgbClr r="0" g="0" b="0"/>
+      </a:lnRef>
+      <a:fillRef idx="1">
+        <a:scrgbClr r="0" g="0" b="0"/>
+      </a:fillRef>
+      <a:effectRef idx="0">
+        <a:scrgbClr r="0" g="0" b="0"/>
+      </a:effectRef>
+      <a:fontRef idx="minor"/>
+    </dgm:style>
+  </dgm:styleLbl>
+  <dgm:styleLbl name="bgShp">
+    <dgm:scene3d>
+      <a:camera prst="orthographicFront"/>
+      <a:lightRig rig="threePt" dir="t"/>
+    </dgm:scene3d>
+    <dgm:sp3d/>
+    <dgm:txPr/>
+    <dgm:style>
+      <a:lnRef idx="0">
+        <a:scrgbClr r="0" g="0" b="0"/>
+      </a:lnRef>
+      <a:fillRef idx="1">
+        <a:scrgbClr r="0" g="0" b="0"/>
+      </a:fillRef>
+      <a:effectRef idx="0">
+        <a:scrgbClr r="0" g="0" b="0"/>
+      </a:effectRef>
+      <a:fontRef idx="minor"/>
+    </dgm:style>
+  </dgm:styleLbl>
+  <dgm:styleLbl name="dkBgShp">
+    <dgm:scene3d>
+      <a:camera prst="orthographicFront"/>
+      <a:lightRig rig="threePt" dir="t"/>
+    </dgm:scene3d>
+    <dgm:sp3d/>
+    <dgm:txPr/>
+    <dgm:style>
+      <a:lnRef idx="0">
+        <a:scrgbClr r="0" g="0" b="0"/>
+      </a:lnRef>
+      <a:fillRef idx="1">
+        <a:scrgbClr r="0" g="0" b="0"/>
+      </a:fillRef>
+      <a:effectRef idx="0">
+        <a:scrgbClr r="0" g="0" b="0"/>
+      </a:effectRef>
+      <a:fontRef idx="minor"/>
+    </dgm:style>
+  </dgm:styleLbl>
+  <dgm:styleLbl name="trBgShp">
+    <dgm:scene3d>
+      <a:camera prst="orthographicFront"/>
+      <a:lightRig rig="threePt" dir="t"/>
+    </dgm:scene3d>
+    <dgm:sp3d/>
+    <dgm:txPr/>
+    <dgm:style>
+      <a:lnRef idx="0">
+        <a:scrgbClr r="0" g="0" b="0"/>
+      </a:lnRef>
+      <a:fillRef idx="1">
+        <a:scrgbClr r="0" g="0" b="0"/>
+      </a:fillRef>
+      <a:effectRef idx="0">
+        <a:scrgbClr r="0" g="0" b="0"/>
+      </a:effectRef>
+      <a:fontRef idx="minor"/>
+    </dgm:style>
+  </dgm:styleLbl>
+  <dgm:styleLbl name="fgShp">
+    <dgm:scene3d>
+      <a:camera prst="orthographicFront"/>
+      <a:lightRig rig="threePt" dir="t"/>
+    </dgm:scene3d>
+    <dgm:sp3d/>
+    <dgm:txPr/>
+    <dgm:style>
+      <a:lnRef idx="2">
+        <a:scrgbClr r="0" g="0" b="0"/>
+      </a:lnRef>
+      <a:fillRef idx="1">
+        <a:scrgbClr r="0" g="0" b="0"/>
+      </a:fillRef>
+      <a:effectRef idx="0">
+        <a:scrgbClr r="0" g="0" b="0"/>
+      </a:effectRef>
+      <a:fontRef idx="minor"/>
+    </dgm:style>
+  </dgm:styleLbl>
+  <dgm:styleLbl name="revTx">
+    <dgm:scene3d>
+      <a:camera prst="orthographicFront"/>
+      <a:lightRig rig="threePt" dir="t"/>
+    </dgm:scene3d>
+    <dgm:sp3d/>
+    <dgm:txPr/>
+    <dgm:style>
+      <a:lnRef idx="0">
+        <a:scrgbClr r="0" g="0" b="0"/>
+      </a:lnRef>
+      <a:fillRef idx="0">
+        <a:scrgbClr r="0" g="0" b="0"/>
+      </a:fillRef>
+      <a:effectRef idx="0">
+        <a:scrgbClr r="0" g="0" b="0"/>
+      </a:effectRef>
+      <a:fontRef idx="minor"/>
+    </dgm:style>
+  </dgm:styleLbl>
+</dgm:styleDef>
 </file>
 
 <file path=ppt/slideLayouts/slideLayout1.xml><?xml version="1.0" encoding="utf-8"?>
@@ -4435,7 +6892,13 @@
               <a:rPr lang="pl-PL" sz="1800" dirty="0" smtClean="0">
                 <a:latin typeface="Century Gothic" pitchFamily="34" charset="0"/>
               </a:rPr>
-              <a:t>Dogodny system zapisu i uczestnictwa w zdalnych warsztatach.</a:t>
+              <a:t>Dogodny system zapisu i uczestnictwa w zdalnych </a:t>
+            </a:r>
+            <a:r>
+              <a:rPr lang="pl-PL" sz="1800" dirty="0" smtClean="0">
+                <a:latin typeface="Century Gothic" pitchFamily="34" charset="0"/>
+              </a:rPr>
+              <a:t>warsztatach dla zarejestrowanych uczestników.</a:t>
             </a:r>
             <a:endParaRPr lang="en-US" sz="1800" dirty="0" smtClean="0">
               <a:latin typeface="Century Gothic" pitchFamily="34" charset="0"/>
@@ -4776,6 +7239,32 @@
           <a:chExt cx="0" cy="0"/>
         </a:xfrm>
       </p:grpSpPr>
+      <p:pic>
+        <p:nvPicPr>
+          <p:cNvPr id="5" name="Picture 3" descr="C:\Users\Maciej\Desktop\ika-dam-SLODHM36c9s-unsplash.jpg"/>
+          <p:cNvPicPr>
+            <a:picLocks noChangeAspect="1" noChangeArrowheads="1"/>
+          </p:cNvPicPr>
+          <p:nvPr/>
+        </p:nvPicPr>
+        <p:blipFill>
+          <a:blip r:embed="rId2"/>
+          <a:srcRect l="78996" t="13037" b="54370"/>
+          <a:stretch>
+            <a:fillRect/>
+          </a:stretch>
+        </p:blipFill>
+        <p:spPr bwMode="auto">
+          <a:xfrm>
+            <a:off x="7500958" y="-285776"/>
+            <a:ext cx="2071671" cy="3214710"/>
+          </a:xfrm>
+          <a:prstGeom prst="rect">
+            <a:avLst/>
+          </a:prstGeom>
+          <a:noFill/>
+        </p:spPr>
+      </p:pic>
       <p:sp>
         <p:nvSpPr>
           <p:cNvPr id="2" name="Tytuł 1"/>
@@ -4788,7 +7277,494 @@
         </p:nvSpPr>
         <p:spPr>
           <a:xfrm>
-            <a:off x="1142976" y="274638"/>
+            <a:off x="500034" y="5357826"/>
+            <a:ext cx="3008313" cy="447670"/>
+          </a:xfrm>
+        </p:spPr>
+        <p:txBody>
+          <a:bodyPr/>
+          <a:lstStyle/>
+          <a:p>
+            <a:r>
+              <a:rPr lang="pl-PL" dirty="0" smtClean="0">
+                <a:solidFill>
+                  <a:schemeClr val="accent4">
+                    <a:lumMod val="75000"/>
+                  </a:schemeClr>
+                </a:solidFill>
+              </a:rPr>
+              <a:t>Nasze rozwiązanie</a:t>
+            </a:r>
+            <a:endParaRPr lang="en-US" dirty="0">
+              <a:solidFill>
+                <a:schemeClr val="accent4">
+                  <a:lumMod val="75000"/>
+                </a:schemeClr>
+              </a:solidFill>
+            </a:endParaRPr>
+          </a:p>
+        </p:txBody>
+      </p:sp>
+      <p:sp>
+        <p:nvSpPr>
+          <p:cNvPr id="7" name="Symbol zastępczy tekstu 6"/>
+          <p:cNvSpPr>
+            <a:spLocks noGrp="1"/>
+          </p:cNvSpPr>
+          <p:nvPr>
+            <p:ph type="body" sz="half" idx="2"/>
+          </p:nvPr>
+        </p:nvSpPr>
+        <p:spPr>
+          <a:xfrm>
+            <a:off x="500034" y="5715016"/>
+            <a:ext cx="8215370" cy="4691063"/>
+          </a:xfrm>
+        </p:spPr>
+        <p:txBody>
+          <a:bodyPr>
+            <a:normAutofit/>
+          </a:bodyPr>
+          <a:lstStyle/>
+          <a:p>
+            <a:pPr algn="just"/>
+            <a:r>
+              <a:rPr lang="pl-PL" sz="1800" dirty="0" smtClean="0">
+                <a:latin typeface="Century Gothic" pitchFamily="34" charset="0"/>
+              </a:rPr>
+              <a:t>Platforma do zajęć </a:t>
+            </a:r>
+            <a:r>
+              <a:rPr lang="pl-PL" sz="1800" dirty="0" err="1" smtClean="0">
+                <a:latin typeface="Century Gothic" pitchFamily="34" charset="0"/>
+              </a:rPr>
+              <a:t>online</a:t>
+            </a:r>
+            <a:r>
+              <a:rPr lang="pl-PL" sz="1800" dirty="0" smtClean="0">
+                <a:latin typeface="Century Gothic" pitchFamily="34" charset="0"/>
+              </a:rPr>
+              <a:t> z możliwością udostępniania kursantom plików.</a:t>
+            </a:r>
+            <a:endParaRPr lang="en-US" sz="1800" dirty="0" smtClean="0">
+              <a:latin typeface="Century Gothic" pitchFamily="34" charset="0"/>
+            </a:endParaRPr>
+          </a:p>
+          <a:p>
+            <a:endParaRPr lang="en-US" dirty="0"/>
+          </a:p>
+        </p:txBody>
+      </p:sp>
+      <p:sp>
+        <p:nvSpPr>
+          <p:cNvPr id="6" name="Dowolny kształt 5"/>
+          <p:cNvSpPr/>
+          <p:nvPr/>
+        </p:nvSpPr>
+        <p:spPr>
+          <a:xfrm>
+            <a:off x="7381690" y="-340097"/>
+            <a:ext cx="2199992" cy="3467477"/>
+          </a:xfrm>
+          <a:custGeom>
+            <a:avLst/>
+            <a:gdLst>
+              <a:gd name="connsiteX0" fmla="*/ 0 w 2199992"/>
+              <a:gd name="connsiteY0" fmla="*/ 54321 h 3467477"/>
+              <a:gd name="connsiteX1" fmla="*/ 81482 w 2199992"/>
+              <a:gd name="connsiteY1" fmla="*/ 0 h 3467477"/>
+              <a:gd name="connsiteX2" fmla="*/ 307818 w 2199992"/>
+              <a:gd name="connsiteY2" fmla="*/ 298765 h 3467477"/>
+              <a:gd name="connsiteX3" fmla="*/ 914400 w 2199992"/>
+              <a:gd name="connsiteY3" fmla="*/ 2009870 h 3467477"/>
+              <a:gd name="connsiteX4" fmla="*/ 1376127 w 2199992"/>
+              <a:gd name="connsiteY4" fmla="*/ 3041965 h 3467477"/>
+              <a:gd name="connsiteX5" fmla="*/ 2181886 w 2199992"/>
+              <a:gd name="connsiteY5" fmla="*/ 3295462 h 3467477"/>
+              <a:gd name="connsiteX6" fmla="*/ 2199992 w 2199992"/>
+              <a:gd name="connsiteY6" fmla="*/ 3467477 h 3467477"/>
+              <a:gd name="connsiteX7" fmla="*/ 63375 w 2199992"/>
+              <a:gd name="connsiteY7" fmla="*/ 3349782 h 3467477"/>
+              <a:gd name="connsiteX8" fmla="*/ 0 w 2199992"/>
+              <a:gd name="connsiteY8" fmla="*/ 54321 h 3467477"/>
+              <a:gd name="connsiteX0" fmla="*/ 0 w 2199992"/>
+              <a:gd name="connsiteY0" fmla="*/ 54321 h 3467477"/>
+              <a:gd name="connsiteX1" fmla="*/ 81482 w 2199992"/>
+              <a:gd name="connsiteY1" fmla="*/ 0 h 3467477"/>
+              <a:gd name="connsiteX2" fmla="*/ 307818 w 2199992"/>
+              <a:gd name="connsiteY2" fmla="*/ 298765 h 3467477"/>
+              <a:gd name="connsiteX3" fmla="*/ 914400 w 2199992"/>
+              <a:gd name="connsiteY3" fmla="*/ 2009870 h 3467477"/>
+              <a:gd name="connsiteX4" fmla="*/ 1376127 w 2199992"/>
+              <a:gd name="connsiteY4" fmla="*/ 3041965 h 3467477"/>
+              <a:gd name="connsiteX5" fmla="*/ 2181886 w 2199992"/>
+              <a:gd name="connsiteY5" fmla="*/ 3295462 h 3467477"/>
+              <a:gd name="connsiteX6" fmla="*/ 2199992 w 2199992"/>
+              <a:gd name="connsiteY6" fmla="*/ 3467477 h 3467477"/>
+              <a:gd name="connsiteX7" fmla="*/ 63375 w 2199992"/>
+              <a:gd name="connsiteY7" fmla="*/ 3349782 h 3467477"/>
+              <a:gd name="connsiteX8" fmla="*/ 0 w 2199992"/>
+              <a:gd name="connsiteY8" fmla="*/ 54321 h 3467477"/>
+              <a:gd name="connsiteX0" fmla="*/ 0 w 2199992"/>
+              <a:gd name="connsiteY0" fmla="*/ 54321 h 3467477"/>
+              <a:gd name="connsiteX1" fmla="*/ 81482 w 2199992"/>
+              <a:gd name="connsiteY1" fmla="*/ 0 h 3467477"/>
+              <a:gd name="connsiteX2" fmla="*/ 307818 w 2199992"/>
+              <a:gd name="connsiteY2" fmla="*/ 298765 h 3467477"/>
+              <a:gd name="connsiteX3" fmla="*/ 914400 w 2199992"/>
+              <a:gd name="connsiteY3" fmla="*/ 2009870 h 3467477"/>
+              <a:gd name="connsiteX4" fmla="*/ 1376127 w 2199992"/>
+              <a:gd name="connsiteY4" fmla="*/ 3041965 h 3467477"/>
+              <a:gd name="connsiteX5" fmla="*/ 2181886 w 2199992"/>
+              <a:gd name="connsiteY5" fmla="*/ 3295462 h 3467477"/>
+              <a:gd name="connsiteX6" fmla="*/ 2199992 w 2199992"/>
+              <a:gd name="connsiteY6" fmla="*/ 3467477 h 3467477"/>
+              <a:gd name="connsiteX7" fmla="*/ 63375 w 2199992"/>
+              <a:gd name="connsiteY7" fmla="*/ 3349782 h 3467477"/>
+              <a:gd name="connsiteX8" fmla="*/ 0 w 2199992"/>
+              <a:gd name="connsiteY8" fmla="*/ 54321 h 3467477"/>
+              <a:gd name="connsiteX0" fmla="*/ 0 w 2199992"/>
+              <a:gd name="connsiteY0" fmla="*/ 54321 h 3467477"/>
+              <a:gd name="connsiteX1" fmla="*/ 81482 w 2199992"/>
+              <a:gd name="connsiteY1" fmla="*/ 0 h 3467477"/>
+              <a:gd name="connsiteX2" fmla="*/ 307818 w 2199992"/>
+              <a:gd name="connsiteY2" fmla="*/ 298765 h 3467477"/>
+              <a:gd name="connsiteX3" fmla="*/ 914400 w 2199992"/>
+              <a:gd name="connsiteY3" fmla="*/ 2009870 h 3467477"/>
+              <a:gd name="connsiteX4" fmla="*/ 1376127 w 2199992"/>
+              <a:gd name="connsiteY4" fmla="*/ 3041965 h 3467477"/>
+              <a:gd name="connsiteX5" fmla="*/ 2181886 w 2199992"/>
+              <a:gd name="connsiteY5" fmla="*/ 3295462 h 3467477"/>
+              <a:gd name="connsiteX6" fmla="*/ 2199992 w 2199992"/>
+              <a:gd name="connsiteY6" fmla="*/ 3467477 h 3467477"/>
+              <a:gd name="connsiteX7" fmla="*/ 63375 w 2199992"/>
+              <a:gd name="connsiteY7" fmla="*/ 3349782 h 3467477"/>
+              <a:gd name="connsiteX8" fmla="*/ 0 w 2199992"/>
+              <a:gd name="connsiteY8" fmla="*/ 54321 h 3467477"/>
+              <a:gd name="connsiteX0" fmla="*/ 0 w 2199992"/>
+              <a:gd name="connsiteY0" fmla="*/ 54321 h 3467477"/>
+              <a:gd name="connsiteX1" fmla="*/ 81482 w 2199992"/>
+              <a:gd name="connsiteY1" fmla="*/ 0 h 3467477"/>
+              <a:gd name="connsiteX2" fmla="*/ 307818 w 2199992"/>
+              <a:gd name="connsiteY2" fmla="*/ 298765 h 3467477"/>
+              <a:gd name="connsiteX3" fmla="*/ 914400 w 2199992"/>
+              <a:gd name="connsiteY3" fmla="*/ 2009870 h 3467477"/>
+              <a:gd name="connsiteX4" fmla="*/ 1376127 w 2199992"/>
+              <a:gd name="connsiteY4" fmla="*/ 3041965 h 3467477"/>
+              <a:gd name="connsiteX5" fmla="*/ 2181886 w 2199992"/>
+              <a:gd name="connsiteY5" fmla="*/ 3295462 h 3467477"/>
+              <a:gd name="connsiteX6" fmla="*/ 2199992 w 2199992"/>
+              <a:gd name="connsiteY6" fmla="*/ 3467477 h 3467477"/>
+              <a:gd name="connsiteX7" fmla="*/ 63375 w 2199992"/>
+              <a:gd name="connsiteY7" fmla="*/ 3349782 h 3467477"/>
+              <a:gd name="connsiteX8" fmla="*/ 0 w 2199992"/>
+              <a:gd name="connsiteY8" fmla="*/ 54321 h 3467477"/>
+              <a:gd name="connsiteX0" fmla="*/ 0 w 2199992"/>
+              <a:gd name="connsiteY0" fmla="*/ 54321 h 3467477"/>
+              <a:gd name="connsiteX1" fmla="*/ 81482 w 2199992"/>
+              <a:gd name="connsiteY1" fmla="*/ 0 h 3467477"/>
+              <a:gd name="connsiteX2" fmla="*/ 307818 w 2199992"/>
+              <a:gd name="connsiteY2" fmla="*/ 298765 h 3467477"/>
+              <a:gd name="connsiteX3" fmla="*/ 914400 w 2199992"/>
+              <a:gd name="connsiteY3" fmla="*/ 2009870 h 3467477"/>
+              <a:gd name="connsiteX4" fmla="*/ 1376127 w 2199992"/>
+              <a:gd name="connsiteY4" fmla="*/ 3041965 h 3467477"/>
+              <a:gd name="connsiteX5" fmla="*/ 2181886 w 2199992"/>
+              <a:gd name="connsiteY5" fmla="*/ 3295462 h 3467477"/>
+              <a:gd name="connsiteX6" fmla="*/ 2199992 w 2199992"/>
+              <a:gd name="connsiteY6" fmla="*/ 3467477 h 3467477"/>
+              <a:gd name="connsiteX7" fmla="*/ 63375 w 2199992"/>
+              <a:gd name="connsiteY7" fmla="*/ 3349782 h 3467477"/>
+              <a:gd name="connsiteX8" fmla="*/ 0 w 2199992"/>
+              <a:gd name="connsiteY8" fmla="*/ 54321 h 3467477"/>
+              <a:gd name="connsiteX0" fmla="*/ 0 w 2199992"/>
+              <a:gd name="connsiteY0" fmla="*/ 54321 h 3467477"/>
+              <a:gd name="connsiteX1" fmla="*/ 81482 w 2199992"/>
+              <a:gd name="connsiteY1" fmla="*/ 0 h 3467477"/>
+              <a:gd name="connsiteX2" fmla="*/ 307818 w 2199992"/>
+              <a:gd name="connsiteY2" fmla="*/ 298765 h 3467477"/>
+              <a:gd name="connsiteX3" fmla="*/ 914400 w 2199992"/>
+              <a:gd name="connsiteY3" fmla="*/ 2009870 h 3467477"/>
+              <a:gd name="connsiteX4" fmla="*/ 1376127 w 2199992"/>
+              <a:gd name="connsiteY4" fmla="*/ 3041965 h 3467477"/>
+              <a:gd name="connsiteX5" fmla="*/ 2181886 w 2199992"/>
+              <a:gd name="connsiteY5" fmla="*/ 3295462 h 3467477"/>
+              <a:gd name="connsiteX6" fmla="*/ 2199992 w 2199992"/>
+              <a:gd name="connsiteY6" fmla="*/ 3467477 h 3467477"/>
+              <a:gd name="connsiteX7" fmla="*/ 63375 w 2199992"/>
+              <a:gd name="connsiteY7" fmla="*/ 3349782 h 3467477"/>
+              <a:gd name="connsiteX8" fmla="*/ 0 w 2199992"/>
+              <a:gd name="connsiteY8" fmla="*/ 54321 h 3467477"/>
+              <a:gd name="connsiteX0" fmla="*/ 0 w 2199992"/>
+              <a:gd name="connsiteY0" fmla="*/ 54321 h 3467477"/>
+              <a:gd name="connsiteX1" fmla="*/ 81482 w 2199992"/>
+              <a:gd name="connsiteY1" fmla="*/ 0 h 3467477"/>
+              <a:gd name="connsiteX2" fmla="*/ 307818 w 2199992"/>
+              <a:gd name="connsiteY2" fmla="*/ 298765 h 3467477"/>
+              <a:gd name="connsiteX3" fmla="*/ 914400 w 2199992"/>
+              <a:gd name="connsiteY3" fmla="*/ 2009870 h 3467477"/>
+              <a:gd name="connsiteX4" fmla="*/ 1376127 w 2199992"/>
+              <a:gd name="connsiteY4" fmla="*/ 3041965 h 3467477"/>
+              <a:gd name="connsiteX5" fmla="*/ 2181886 w 2199992"/>
+              <a:gd name="connsiteY5" fmla="*/ 3295462 h 3467477"/>
+              <a:gd name="connsiteX6" fmla="*/ 2199992 w 2199992"/>
+              <a:gd name="connsiteY6" fmla="*/ 3467477 h 3467477"/>
+              <a:gd name="connsiteX7" fmla="*/ 63375 w 2199992"/>
+              <a:gd name="connsiteY7" fmla="*/ 3349782 h 3467477"/>
+              <a:gd name="connsiteX8" fmla="*/ 0 w 2199992"/>
+              <a:gd name="connsiteY8" fmla="*/ 54321 h 3467477"/>
+            </a:gdLst>
+            <a:ahLst/>
+            <a:cxnLst>
+              <a:cxn ang="0">
+                <a:pos x="connsiteX0" y="connsiteY0"/>
+              </a:cxn>
+              <a:cxn ang="0">
+                <a:pos x="connsiteX1" y="connsiteY1"/>
+              </a:cxn>
+              <a:cxn ang="0">
+                <a:pos x="connsiteX2" y="connsiteY2"/>
+              </a:cxn>
+              <a:cxn ang="0">
+                <a:pos x="connsiteX3" y="connsiteY3"/>
+              </a:cxn>
+              <a:cxn ang="0">
+                <a:pos x="connsiteX4" y="connsiteY4"/>
+              </a:cxn>
+              <a:cxn ang="0">
+                <a:pos x="connsiteX5" y="connsiteY5"/>
+              </a:cxn>
+              <a:cxn ang="0">
+                <a:pos x="connsiteX6" y="connsiteY6"/>
+              </a:cxn>
+              <a:cxn ang="0">
+                <a:pos x="connsiteX7" y="connsiteY7"/>
+              </a:cxn>
+              <a:cxn ang="0">
+                <a:pos x="connsiteX8" y="connsiteY8"/>
+              </a:cxn>
+            </a:cxnLst>
+            <a:rect l="l" t="t" r="r" b="b"/>
+            <a:pathLst>
+              <a:path w="2199992" h="3467477">
+                <a:moveTo>
+                  <a:pt x="0" y="54321"/>
+                </a:moveTo>
+                <a:lnTo>
+                  <a:pt x="81482" y="0"/>
+                </a:lnTo>
+                <a:cubicBezTo>
+                  <a:pt x="156927" y="99588"/>
+                  <a:pt x="258950" y="110646"/>
+                  <a:pt x="307818" y="298765"/>
+                </a:cubicBezTo>
+                <a:cubicBezTo>
+                  <a:pt x="649189" y="852884"/>
+                  <a:pt x="798572" y="1609432"/>
+                  <a:pt x="914400" y="2009870"/>
+                </a:cubicBezTo>
+                <a:cubicBezTo>
+                  <a:pt x="1068309" y="2353902"/>
+                  <a:pt x="1154999" y="2815068"/>
+                  <a:pt x="1376127" y="3041965"/>
+                </a:cubicBezTo>
+                <a:cubicBezTo>
+                  <a:pt x="1591496" y="3250527"/>
+                  <a:pt x="1913300" y="3210963"/>
+                  <a:pt x="2181886" y="3295462"/>
+                </a:cubicBezTo>
+                <a:lnTo>
+                  <a:pt x="2199992" y="3467477"/>
+                </a:lnTo>
+                <a:lnTo>
+                  <a:pt x="63375" y="3349782"/>
+                </a:lnTo>
+                <a:lnTo>
+                  <a:pt x="0" y="54321"/>
+                </a:lnTo>
+                <a:close/>
+              </a:path>
+            </a:pathLst>
+          </a:custGeom>
+          <a:solidFill>
+            <a:schemeClr val="bg1"/>
+          </a:solidFill>
+          <a:ln>
+            <a:noFill/>
+          </a:ln>
+        </p:spPr>
+        <p:style>
+          <a:lnRef idx="2">
+            <a:schemeClr val="accent1">
+              <a:shade val="50000"/>
+            </a:schemeClr>
+          </a:lnRef>
+          <a:fillRef idx="1">
+            <a:schemeClr val="accent1"/>
+          </a:fillRef>
+          <a:effectRef idx="0">
+            <a:schemeClr val="accent1"/>
+          </a:effectRef>
+          <a:fontRef idx="minor">
+            <a:schemeClr val="lt1"/>
+          </a:fontRef>
+        </p:style>
+        <p:txBody>
+          <a:bodyPr rtlCol="0" anchor="ctr"/>
+          <a:lstStyle/>
+          <a:p>
+            <a:pPr algn="ctr"/>
+            <a:endParaRPr lang="en-US"/>
+          </a:p>
+        </p:txBody>
+      </p:sp>
+      <p:pic>
+        <p:nvPicPr>
+          <p:cNvPr id="2050" name="Picture 2"/>
+          <p:cNvPicPr>
+            <a:picLocks noGrp="1" noChangeAspect="1" noChangeArrowheads="1"/>
+          </p:cNvPicPr>
+          <p:nvPr>
+            <p:ph idx="1"/>
+          </p:nvPr>
+        </p:nvPicPr>
+        <p:blipFill>
+          <a:blip r:embed="rId3"/>
+          <a:srcRect/>
+          <a:stretch>
+            <a:fillRect/>
+          </a:stretch>
+        </p:blipFill>
+        <p:spPr bwMode="auto">
+          <a:xfrm>
+            <a:off x="500063" y="988739"/>
+            <a:ext cx="7480300" cy="4237585"/>
+          </a:xfrm>
+          <a:prstGeom prst="rect">
+            <a:avLst/>
+          </a:prstGeom>
+          <a:noFill/>
+          <a:ln w="9525">
+            <a:noFill/>
+            <a:miter lim="800000"/>
+            <a:headEnd/>
+            <a:tailEnd/>
+          </a:ln>
+          <a:effectLst/>
+        </p:spPr>
+      </p:pic>
+    </p:spTree>
+  </p:cSld>
+  <p:clrMapOvr>
+    <a:masterClrMapping/>
+  </p:clrMapOvr>
+  <p:timing>
+    <p:tnLst>
+      <p:par>
+        <p:cTn id="1" dur="indefinite" restart="never" nodeType="tmRoot"/>
+      </p:par>
+    </p:tnLst>
+  </p:timing>
+</p:sld>
+</file>
+
+<file path=ppt/slides/slide7.xml><?xml version="1.0" encoding="utf-8"?>
+<p:sld xmlns:a="http://schemas.openxmlformats.org/drawingml/2006/main" xmlns:r="http://schemas.openxmlformats.org/officeDocument/2006/relationships" xmlns:p="http://schemas.openxmlformats.org/presentationml/2006/main">
+  <p:cSld>
+    <p:spTree>
+      <p:nvGrpSpPr>
+        <p:cNvPr id="1" name=""/>
+        <p:cNvGrpSpPr/>
+        <p:nvPr/>
+      </p:nvGrpSpPr>
+      <p:grpSpPr>
+        <a:xfrm>
+          <a:off x="0" y="0"/>
+          <a:ext cx="0" cy="0"/>
+          <a:chOff x="0" y="0"/>
+          <a:chExt cx="0" cy="0"/>
+        </a:xfrm>
+      </p:grpSpPr>
+      <p:pic>
+        <p:nvPicPr>
+          <p:cNvPr id="1026" name="Picture 2" descr="C:\Users\Maciej\Desktop\bruce-mars-hE8Mog4qK4Y-unsplash.jpg"/>
+          <p:cNvPicPr>
+            <a:picLocks noChangeAspect="1" noChangeArrowheads="1"/>
+          </p:cNvPicPr>
+          <p:nvPr/>
+        </p:nvPicPr>
+        <p:blipFill>
+          <a:blip r:embed="rId2" cstate="print"/>
+          <a:srcRect/>
+          <a:stretch>
+            <a:fillRect/>
+          </a:stretch>
+        </p:blipFill>
+        <p:spPr bwMode="auto">
+          <a:xfrm>
+            <a:off x="3786182" y="1357298"/>
+            <a:ext cx="2565444" cy="1710151"/>
+          </a:xfrm>
+          <a:prstGeom prst="ellipse">
+            <a:avLst/>
+          </a:prstGeom>
+          <a:ln w="63500" cap="rnd">
+            <a:solidFill>
+              <a:schemeClr val="accent4">
+                <a:lumMod val="75000"/>
+              </a:schemeClr>
+            </a:solidFill>
+          </a:ln>
+          <a:effectLst>
+            <a:outerShdw blurRad="381000" dist="292100" dir="5400000" sx="-80000" sy="-18000" rotWithShape="0">
+              <a:srgbClr val="000000">
+                <a:alpha val="22000"/>
+              </a:srgbClr>
+            </a:outerShdw>
+          </a:effectLst>
+          <a:scene3d>
+            <a:camera prst="orthographicFront"/>
+            <a:lightRig rig="contrasting" dir="t">
+              <a:rot lat="0" lon="0" rev="3000000"/>
+            </a:lightRig>
+          </a:scene3d>
+          <a:sp3d contourW="7620">
+            <a:bevelT w="95250" h="31750"/>
+            <a:contourClr>
+              <a:srgbClr val="333333"/>
+            </a:contourClr>
+          </a:sp3d>
+        </p:spPr>
+      </p:pic>
+      <p:graphicFrame>
+        <p:nvGraphicFramePr>
+          <p:cNvPr id="5" name="Diagram 4"/>
+          <p:cNvGraphicFramePr/>
+          <p:nvPr/>
+        </p:nvGraphicFramePr>
+        <p:xfrm>
+          <a:off x="428596" y="785794"/>
+          <a:ext cx="9358378" cy="5857916"/>
+        </p:xfrm>
+        <a:graphic>
+          <a:graphicData uri="http://schemas.openxmlformats.org/drawingml/2006/diagram">
+            <dgm:relIds xmlns:dgm="http://schemas.openxmlformats.org/drawingml/2006/diagram" xmlns:r="http://schemas.openxmlformats.org/officeDocument/2006/relationships" r:dm="rId3" r:lo="rId4" r:qs="rId5" r:cs="rId6"/>
+          </a:graphicData>
+        </a:graphic>
+      </p:graphicFrame>
+      <p:sp>
+        <p:nvSpPr>
+          <p:cNvPr id="2" name="Tytuł 1"/>
+          <p:cNvSpPr>
+            <a:spLocks noGrp="1"/>
+          </p:cNvSpPr>
+          <p:nvPr>
+            <p:ph type="title"/>
+          </p:nvPr>
+        </p:nvSpPr>
+        <p:spPr>
+          <a:xfrm>
+            <a:off x="1142976" y="0"/>
             <a:ext cx="7543824" cy="1143000"/>
           </a:xfrm>
         </p:spPr>
@@ -4833,73 +7809,6 @@
                 </a:schemeClr>
               </a:solidFill>
             </a:endParaRPr>
-          </a:p>
-        </p:txBody>
-      </p:sp>
-      <p:sp>
-        <p:nvSpPr>
-          <p:cNvPr id="3" name="Symbol zastępczy zawartości 2"/>
-          <p:cNvSpPr>
-            <a:spLocks noGrp="1"/>
-          </p:cNvSpPr>
-          <p:nvPr>
-            <p:ph idx="1"/>
-          </p:nvPr>
-        </p:nvSpPr>
-        <p:spPr>
-          <a:xfrm>
-            <a:off x="1142976" y="1600200"/>
-            <a:ext cx="7543824" cy="4525963"/>
-          </a:xfrm>
-        </p:spPr>
-        <p:txBody>
-          <a:bodyPr>
-            <a:normAutofit lnSpcReduction="10000"/>
-          </a:bodyPr>
-          <a:lstStyle/>
-          <a:p>
-            <a:pPr>
-              <a:buNone/>
-            </a:pPr>
-            <a:r>
-              <a:rPr lang="pl-PL" dirty="0" smtClean="0">
-                <a:latin typeface="Century Gothic" pitchFamily="34" charset="0"/>
-              </a:rPr>
-              <a:t>Monika (24) – studentka </a:t>
-            </a:r>
-            <a:r>
-              <a:rPr lang="pl-PL" dirty="0" err="1" smtClean="0">
-                <a:latin typeface="Century Gothic" pitchFamily="34" charset="0"/>
-              </a:rPr>
-              <a:t>wzrnictwa</a:t>
-            </a:r>
-            <a:endParaRPr lang="pl-PL" dirty="0">
-              <a:latin typeface="Century Gothic" pitchFamily="34" charset="0"/>
-            </a:endParaRPr>
-          </a:p>
-          <a:p>
-            <a:r>
-              <a:rPr lang="pl-PL" dirty="0" smtClean="0">
-                <a:latin typeface="Century Gothic" pitchFamily="34" charset="0"/>
-              </a:rPr>
-              <a:t>Chęć poznania nowych technik wyrazu artystycznego</a:t>
-            </a:r>
-          </a:p>
-          <a:p>
-            <a:r>
-              <a:rPr lang="pl-PL" dirty="0" smtClean="0">
-                <a:latin typeface="Century Gothic" pitchFamily="34" charset="0"/>
-              </a:rPr>
-              <a:t>Potrzeba rozwoju mimo pandemicznych obostrzeń</a:t>
-            </a:r>
-          </a:p>
-          <a:p>
-            <a:r>
-              <a:rPr lang="pl-PL" dirty="0" smtClean="0">
-                <a:latin typeface="Century Gothic" pitchFamily="34" charset="0"/>
-              </a:rPr>
-              <a:t>Możliwość podzielenia się swoimi własnymi umiejętnościami w postaci organizacji własnych warsztatów</a:t>
-            </a:r>
           </a:p>
         </p:txBody>
       </p:sp>
@@ -4912,16 +7821,16 @@
           <p:nvPr/>
         </p:nvPicPr>
         <p:blipFill>
-          <a:blip r:embed="rId2"/>
-          <a:srcRect r="84017"/>
+          <a:blip r:embed="rId7"/>
+          <a:srcRect t="24626" r="84017" b="5843"/>
           <a:stretch>
             <a:fillRect/>
           </a:stretch>
         </p:blipFill>
         <p:spPr bwMode="auto">
           <a:xfrm>
-            <a:off x="-719215" y="-2428908"/>
-            <a:ext cx="1576439" cy="9863216"/>
+            <a:off x="-719215" y="0"/>
+            <a:ext cx="1576439" cy="6858000"/>
           </a:xfrm>
           <a:prstGeom prst="rect">
             <a:avLst/>
@@ -4944,7 +7853,7 @@
 </p:sld>
 </file>
 
-<file path=ppt/slides/slide7.xml><?xml version="1.0" encoding="utf-8"?>
+<file path=ppt/slides/slide8.xml><?xml version="1.0" encoding="utf-8"?>
 <p:sld xmlns:a="http://schemas.openxmlformats.org/drawingml/2006/main" xmlns:r="http://schemas.openxmlformats.org/officeDocument/2006/relationships" xmlns:p="http://schemas.openxmlformats.org/presentationml/2006/main">
   <p:cSld>
     <p:spTree>
@@ -4997,15 +7906,15 @@
         </p:nvPicPr>
         <p:blipFill>
           <a:blip r:embed="rId2"/>
-          <a:srcRect r="84017"/>
+          <a:srcRect t="24626" r="84017" b="5843"/>
           <a:stretch>
             <a:fillRect/>
           </a:stretch>
         </p:blipFill>
         <p:spPr bwMode="auto">
           <a:xfrm>
-            <a:off x="-719215" y="-2428908"/>
-            <a:ext cx="1576439" cy="9863216"/>
+            <a:off x="-719215" y="0"/>
+            <a:ext cx="1576439" cy="6858000"/>
           </a:xfrm>
           <a:prstGeom prst="rect">
             <a:avLst/>

--- a/Szydełko – platforma warsztatów rękodzieła online.pptx
+++ b/Szydełko – platforma warsztatów rękodzieła online.pptx
@@ -1153,6 +1153,13 @@
         </dgm:presLayoutVars>
       </dgm:prSet>
       <dgm:spPr/>
+      <dgm:t>
+        <a:bodyPr/>
+        <a:lstStyle/>
+        <a:p>
+          <a:endParaRPr lang="en-US"/>
+        </a:p>
+      </dgm:t>
     </dgm:pt>
     <dgm:pt modelId="{7623A68E-26E9-462B-BBCE-4698DE1EB55F}" type="pres">
       <dgm:prSet presAssocID="{C8976CEA-B35F-49EC-ADDF-9C4804BD3020}" presName="centerShape" presStyleLbl="node0" presStyleIdx="0" presStyleCnt="1"/>
@@ -1168,10 +1175,24 @@
     <dgm:pt modelId="{7061BECC-5982-477E-8CBF-CEB14B92AFE0}" type="pres">
       <dgm:prSet presAssocID="{9695CD6A-6655-4EFE-9462-8AFA51D0B408}" presName="parTrans" presStyleLbl="sibTrans2D1" presStyleIdx="0" presStyleCnt="4"/>
       <dgm:spPr/>
+      <dgm:t>
+        <a:bodyPr/>
+        <a:lstStyle/>
+        <a:p>
+          <a:endParaRPr lang="en-US"/>
+        </a:p>
+      </dgm:t>
     </dgm:pt>
     <dgm:pt modelId="{E5CD6B80-3161-49AF-9679-B73F6FD905C0}" type="pres">
       <dgm:prSet presAssocID="{9695CD6A-6655-4EFE-9462-8AFA51D0B408}" presName="connectorText" presStyleLbl="sibTrans2D1" presStyleIdx="0" presStyleCnt="4"/>
       <dgm:spPr/>
+      <dgm:t>
+        <a:bodyPr/>
+        <a:lstStyle/>
+        <a:p>
+          <a:endParaRPr lang="en-US"/>
+        </a:p>
+      </dgm:t>
     </dgm:pt>
     <dgm:pt modelId="{DE19CCFC-34FF-448F-BAA9-8CE13D057F74}" type="pres">
       <dgm:prSet presAssocID="{A39F9646-B20F-48FD-8F73-3D19590CA58D}" presName="node" presStyleLbl="node1" presStyleIdx="0" presStyleCnt="4" custScaleX="154669" custScaleY="155128" custRadScaleRad="124936" custRadScaleInc="178689">
@@ -1191,13 +1212,27 @@
     <dgm:pt modelId="{2580A709-3D9D-47C9-912B-EA1F36D34581}" type="pres">
       <dgm:prSet presAssocID="{448418BE-AD8B-439B-8073-312A71736407}" presName="parTrans" presStyleLbl="sibTrans2D1" presStyleIdx="1" presStyleCnt="4"/>
       <dgm:spPr/>
+      <dgm:t>
+        <a:bodyPr/>
+        <a:lstStyle/>
+        <a:p>
+          <a:endParaRPr lang="en-US"/>
+        </a:p>
+      </dgm:t>
     </dgm:pt>
     <dgm:pt modelId="{D766E90F-9806-4486-AD3E-1B0D37C20856}" type="pres">
       <dgm:prSet presAssocID="{448418BE-AD8B-439B-8073-312A71736407}" presName="connectorText" presStyleLbl="sibTrans2D1" presStyleIdx="1" presStyleCnt="4"/>
       <dgm:spPr/>
+      <dgm:t>
+        <a:bodyPr/>
+        <a:lstStyle/>
+        <a:p>
+          <a:endParaRPr lang="en-US"/>
+        </a:p>
+      </dgm:t>
     </dgm:pt>
     <dgm:pt modelId="{1A3C9DF4-F8D6-4882-AAAD-4441AB752647}" type="pres">
-      <dgm:prSet presAssocID="{7B22FC35-83AC-4B81-82C0-FF5DD0C85635}" presName="node" presStyleLbl="node1" presStyleIdx="1" presStyleCnt="4" custScaleX="154669" custScaleY="155128" custRadScaleRad="111842" custRadScaleInc="113658">
+      <dgm:prSet presAssocID="{7B22FC35-83AC-4B81-82C0-FF5DD0C85635}" presName="node" presStyleLbl="node1" presStyleIdx="1" presStyleCnt="4" custScaleX="154669" custScaleY="155128" custRadScaleRad="103676" custRadScaleInc="116014">
         <dgm:presLayoutVars>
           <dgm:bulletEnabled val="1"/>
         </dgm:presLayoutVars>
@@ -1214,13 +1249,27 @@
     <dgm:pt modelId="{A91F6B0F-3722-4D4B-A386-772CF853DABE}" type="pres">
       <dgm:prSet presAssocID="{FC7C3C21-7483-4030-AC7C-D205FDDA830A}" presName="parTrans" presStyleLbl="sibTrans2D1" presStyleIdx="2" presStyleCnt="4"/>
       <dgm:spPr/>
+      <dgm:t>
+        <a:bodyPr/>
+        <a:lstStyle/>
+        <a:p>
+          <a:endParaRPr lang="en-US"/>
+        </a:p>
+      </dgm:t>
     </dgm:pt>
     <dgm:pt modelId="{2EE8ADA1-AA74-414F-B1D9-73FC62E5D34A}" type="pres">
       <dgm:prSet presAssocID="{FC7C3C21-7483-4030-AC7C-D205FDDA830A}" presName="connectorText" presStyleLbl="sibTrans2D1" presStyleIdx="2" presStyleCnt="4"/>
       <dgm:spPr/>
+      <dgm:t>
+        <a:bodyPr/>
+        <a:lstStyle/>
+        <a:p>
+          <a:endParaRPr lang="en-US"/>
+        </a:p>
+      </dgm:t>
     </dgm:pt>
     <dgm:pt modelId="{E03B2288-250F-4E95-B9CC-85500C19C279}" type="pres">
-      <dgm:prSet presAssocID="{E7800012-2A4A-43A5-B1CC-1AB37EBD7C9B}" presName="node" presStyleLbl="node1" presStyleIdx="2" presStyleCnt="4" custScaleX="154669" custScaleY="155128" custRadScaleRad="105250" custRadScaleInc="75900">
+      <dgm:prSet presAssocID="{E7800012-2A4A-43A5-B1CC-1AB37EBD7C9B}" presName="node" presStyleLbl="node1" presStyleIdx="2" presStyleCnt="4" custScaleX="154669" custScaleY="155128" custRadScaleRad="102987" custRadScaleInc="82883">
         <dgm:presLayoutVars>
           <dgm:bulletEnabled val="1"/>
         </dgm:presLayoutVars>
@@ -1237,10 +1286,24 @@
     <dgm:pt modelId="{0206D933-CB8F-4984-A7CE-E8B9CCB97CF4}" type="pres">
       <dgm:prSet presAssocID="{F10A7316-2D51-4F6D-BB31-0A0AECD8C6E8}" presName="parTrans" presStyleLbl="sibTrans2D1" presStyleIdx="3" presStyleCnt="4"/>
       <dgm:spPr/>
+      <dgm:t>
+        <a:bodyPr/>
+        <a:lstStyle/>
+        <a:p>
+          <a:endParaRPr lang="en-US"/>
+        </a:p>
+      </dgm:t>
     </dgm:pt>
     <dgm:pt modelId="{AE9DBD74-4242-4982-B722-7B0936F6BF7F}" type="pres">
       <dgm:prSet presAssocID="{F10A7316-2D51-4F6D-BB31-0A0AECD8C6E8}" presName="connectorText" presStyleLbl="sibTrans2D1" presStyleIdx="3" presStyleCnt="4"/>
       <dgm:spPr/>
+      <dgm:t>
+        <a:bodyPr/>
+        <a:lstStyle/>
+        <a:p>
+          <a:endParaRPr lang="en-US"/>
+        </a:p>
+      </dgm:t>
     </dgm:pt>
     <dgm:pt modelId="{3B2D83F4-FDE1-4EE8-A4BE-C5FBFD45FFB4}" type="pres">
       <dgm:prSet presAssocID="{0E82276C-F384-4FAF-862E-7B525E3BA1E4}" presName="node" presStyleLbl="node1" presStyleIdx="3" presStyleCnt="4" custScaleX="154669" custScaleY="155128" custRadScaleRad="129874" custRadScaleInc="17208">
@@ -6312,8 +6375,8 @@
         </p:blipFill>
         <p:spPr>
           <a:xfrm>
-            <a:off x="500034" y="928670"/>
-            <a:ext cx="7480436" cy="4357718"/>
+            <a:off x="770467" y="857232"/>
+            <a:ext cx="7603066" cy="4429156"/>
           </a:xfrm>
         </p:spPr>
       </p:pic>
@@ -6718,7 +6781,7 @@
       </p:sp>
       <p:pic>
         <p:nvPicPr>
-          <p:cNvPr id="10" name="Picture 2" descr="C:\Users\Maciej\Desktop\strona_origami.JPG"/>
+          <p:cNvPr id="3" name="Picture 2"/>
           <p:cNvPicPr>
             <a:picLocks noChangeAspect="1" noChangeArrowheads="1"/>
           </p:cNvPicPr>
@@ -6726,19 +6789,27 @@
         </p:nvPicPr>
         <p:blipFill>
           <a:blip r:embed="rId3"/>
+          <a:srcRect/>
           <a:stretch>
             <a:fillRect/>
           </a:stretch>
         </p:blipFill>
         <p:spPr bwMode="auto">
           <a:xfrm>
-            <a:off x="214282" y="500042"/>
-            <a:ext cx="5837265" cy="3402627"/>
+            <a:off x="214282" y="357166"/>
+            <a:ext cx="5842486" cy="3398666"/>
           </a:xfrm>
           <a:prstGeom prst="rect">
             <a:avLst/>
           </a:prstGeom>
           <a:noFill/>
+          <a:ln w="9525">
+            <a:noFill/>
+            <a:miter lim="800000"/>
+            <a:headEnd/>
+            <a:tailEnd/>
+          </a:ln>
+          <a:effectLst/>
         </p:spPr>
       </p:pic>
       <p:pic>
@@ -6892,13 +6963,7 @@
               <a:rPr lang="pl-PL" sz="1800" dirty="0" smtClean="0">
                 <a:latin typeface="Century Gothic" pitchFamily="34" charset="0"/>
               </a:rPr>
-              <a:t>Dogodny system zapisu i uczestnictwa w zdalnych </a:t>
-            </a:r>
-            <a:r>
-              <a:rPr lang="pl-PL" sz="1800" dirty="0" smtClean="0">
-                <a:latin typeface="Century Gothic" pitchFamily="34" charset="0"/>
-              </a:rPr>
-              <a:t>warsztatach dla zarejestrowanych uczestników.</a:t>
+              <a:t>Dogodny system zapisu i uczestnictwa w zdalnych warsztatach dla zarejestrowanych uczestników.</a:t>
             </a:r>
             <a:endParaRPr lang="en-US" sz="1800" dirty="0" smtClean="0">
               <a:latin typeface="Century Gothic" pitchFamily="34" charset="0"/>
@@ -7191,7 +7256,7 @@
         </p:blipFill>
         <p:spPr bwMode="auto">
           <a:xfrm>
-            <a:off x="500063" y="988739"/>
+            <a:off x="831850" y="988739"/>
             <a:ext cx="7480300" cy="4237585"/>
           </a:xfrm>
           <a:prstGeom prst="rect">
@@ -7618,15 +7683,32 @@
           </a:p>
         </p:txBody>
       </p:sp>
-      <p:pic>
-        <p:nvPicPr>
-          <p:cNvPr id="2050" name="Picture 2"/>
-          <p:cNvPicPr>
-            <a:picLocks noGrp="1" noChangeAspect="1" noChangeArrowheads="1"/>
-          </p:cNvPicPr>
+      <p:sp>
+        <p:nvSpPr>
+          <p:cNvPr id="8" name="Symbol zastępczy zawartości 7"/>
+          <p:cNvSpPr>
+            <a:spLocks noGrp="1"/>
+          </p:cNvSpPr>
           <p:nvPr>
             <p:ph idx="1"/>
           </p:nvPr>
+        </p:nvSpPr>
+        <p:spPr/>
+        <p:txBody>
+          <a:bodyPr/>
+          <a:lstStyle/>
+          <a:p>
+            <a:endParaRPr lang="en-US"/>
+          </a:p>
+        </p:txBody>
+      </p:sp>
+      <p:pic>
+        <p:nvPicPr>
+          <p:cNvPr id="3" name="Picture 2"/>
+          <p:cNvPicPr>
+            <a:picLocks noChangeAspect="1" noChangeArrowheads="1"/>
+          </p:cNvPicPr>
+          <p:nvPr/>
         </p:nvPicPr>
         <p:blipFill>
           <a:blip r:embed="rId3"/>
@@ -7637,8 +7719,8 @@
         </p:blipFill>
         <p:spPr bwMode="auto">
           <a:xfrm>
-            <a:off x="500063" y="988739"/>
-            <a:ext cx="7480300" cy="4237585"/>
+            <a:off x="428596" y="785794"/>
+            <a:ext cx="8072494" cy="4695896"/>
           </a:xfrm>
           <a:prstGeom prst="rect">
             <a:avLst/>
